--- a/nodejs_900_Memo/document/나의메모장(2024-02-15)-우홍민.pptx
+++ b/nodejs_900_Memo/document/나의메모장(2024-02-15)-우홍민.pptx
@@ -2,18 +2,22 @@
 <file path=ppt/presentation.xml><?xml version="1.0" encoding="utf-8"?>
 <p:presentation xmlns:a="http://schemas.openxmlformats.org/drawingml/2006/main" xmlns:r="http://schemas.openxmlformats.org/officeDocument/2006/relationships" xmlns:p="http://schemas.openxmlformats.org/presentationml/2006/main" saveSubsetFonts="1">
   <p:sldMasterIdLst>
-    <p:sldMasterId id="2147483648" r:id="rId1"/>
+    <p:sldMasterId id="2147483689" r:id="rId1"/>
   </p:sldMasterIdLst>
   <p:sldIdLst>
     <p:sldId id="256" r:id="rId2"/>
+    <p:sldId id="257" r:id="rId3"/>
+    <p:sldId id="258" r:id="rId4"/>
+    <p:sldId id="260" r:id="rId5"/>
+    <p:sldId id="259" r:id="rId6"/>
   </p:sldIdLst>
   <p:sldSz cx="12192000" cy="6858000"/>
   <p:notesSz cx="6858000" cy="9144000"/>
   <p:defaultTextStyle>
     <a:defPPr>
-      <a:defRPr lang="ko-KR"/>
+      <a:defRPr lang="en-US"/>
     </a:defPPr>
-    <a:lvl1pPr marL="0" algn="l" defTabSz="914400" rtl="0" eaLnBrk="1" latinLnBrk="1" hangingPunct="1">
+    <a:lvl1pPr marL="0" algn="l" defTabSz="914400" rtl="0" eaLnBrk="1" latinLnBrk="0" hangingPunct="1">
       <a:defRPr sz="1800" kern="1200">
         <a:solidFill>
           <a:schemeClr val="tx1"/>
@@ -23,7 +27,7 @@
         <a:cs typeface="+mn-cs"/>
       </a:defRPr>
     </a:lvl1pPr>
-    <a:lvl2pPr marL="457200" algn="l" defTabSz="914400" rtl="0" eaLnBrk="1" latinLnBrk="1" hangingPunct="1">
+    <a:lvl2pPr marL="457200" algn="l" defTabSz="914400" rtl="0" eaLnBrk="1" latinLnBrk="0" hangingPunct="1">
       <a:defRPr sz="1800" kern="1200">
         <a:solidFill>
           <a:schemeClr val="tx1"/>
@@ -33,7 +37,7 @@
         <a:cs typeface="+mn-cs"/>
       </a:defRPr>
     </a:lvl2pPr>
-    <a:lvl3pPr marL="914400" algn="l" defTabSz="914400" rtl="0" eaLnBrk="1" latinLnBrk="1" hangingPunct="1">
+    <a:lvl3pPr marL="914400" algn="l" defTabSz="914400" rtl="0" eaLnBrk="1" latinLnBrk="0" hangingPunct="1">
       <a:defRPr sz="1800" kern="1200">
         <a:solidFill>
           <a:schemeClr val="tx1"/>
@@ -43,7 +47,7 @@
         <a:cs typeface="+mn-cs"/>
       </a:defRPr>
     </a:lvl3pPr>
-    <a:lvl4pPr marL="1371600" algn="l" defTabSz="914400" rtl="0" eaLnBrk="1" latinLnBrk="1" hangingPunct="1">
+    <a:lvl4pPr marL="1371600" algn="l" defTabSz="914400" rtl="0" eaLnBrk="1" latinLnBrk="0" hangingPunct="1">
       <a:defRPr sz="1800" kern="1200">
         <a:solidFill>
           <a:schemeClr val="tx1"/>
@@ -53,7 +57,7 @@
         <a:cs typeface="+mn-cs"/>
       </a:defRPr>
     </a:lvl4pPr>
-    <a:lvl5pPr marL="1828800" algn="l" defTabSz="914400" rtl="0" eaLnBrk="1" latinLnBrk="1" hangingPunct="1">
+    <a:lvl5pPr marL="1828800" algn="l" defTabSz="914400" rtl="0" eaLnBrk="1" latinLnBrk="0" hangingPunct="1">
       <a:defRPr sz="1800" kern="1200">
         <a:solidFill>
           <a:schemeClr val="tx1"/>
@@ -63,7 +67,7 @@
         <a:cs typeface="+mn-cs"/>
       </a:defRPr>
     </a:lvl5pPr>
-    <a:lvl6pPr marL="2286000" algn="l" defTabSz="914400" rtl="0" eaLnBrk="1" latinLnBrk="1" hangingPunct="1">
+    <a:lvl6pPr marL="2286000" algn="l" defTabSz="914400" rtl="0" eaLnBrk="1" latinLnBrk="0" hangingPunct="1">
       <a:defRPr sz="1800" kern="1200">
         <a:solidFill>
           <a:schemeClr val="tx1"/>
@@ -73,7 +77,7 @@
         <a:cs typeface="+mn-cs"/>
       </a:defRPr>
     </a:lvl6pPr>
-    <a:lvl7pPr marL="2743200" algn="l" defTabSz="914400" rtl="0" eaLnBrk="1" latinLnBrk="1" hangingPunct="1">
+    <a:lvl7pPr marL="2743200" algn="l" defTabSz="914400" rtl="0" eaLnBrk="1" latinLnBrk="0" hangingPunct="1">
       <a:defRPr sz="1800" kern="1200">
         <a:solidFill>
           <a:schemeClr val="tx1"/>
@@ -83,7 +87,7 @@
         <a:cs typeface="+mn-cs"/>
       </a:defRPr>
     </a:lvl7pPr>
-    <a:lvl8pPr marL="3200400" algn="l" defTabSz="914400" rtl="0" eaLnBrk="1" latinLnBrk="1" hangingPunct="1">
+    <a:lvl8pPr marL="3200400" algn="l" defTabSz="914400" rtl="0" eaLnBrk="1" latinLnBrk="0" hangingPunct="1">
       <a:defRPr sz="1800" kern="1200">
         <a:solidFill>
           <a:schemeClr val="tx1"/>
@@ -93,7 +97,7 @@
         <a:cs typeface="+mn-cs"/>
       </a:defRPr>
     </a:lvl8pPr>
-    <a:lvl9pPr marL="3657600" algn="l" defTabSz="914400" rtl="0" eaLnBrk="1" latinLnBrk="1" hangingPunct="1">
+    <a:lvl9pPr marL="3657600" algn="l" defTabSz="914400" rtl="0" eaLnBrk="1" latinLnBrk="0" hangingPunct="1">
       <a:defRPr sz="1800" kern="1200">
         <a:solidFill>
           <a:schemeClr val="tx1"/>
@@ -104,11 +108,16 @@
       </a:defRPr>
     </a:lvl9pPr>
   </p:defaultTextStyle>
+  <p:extLst>
+    <p:ext uri="{EFAFB233-063F-42B5-8137-9DF3F51BA10A}">
+      <p15:sldGuideLst xmlns:p15="http://schemas.microsoft.com/office/powerpoint/2012/main"/>
+    </p:ext>
+  </p:extLst>
 </p:presentation>
 </file>
 
 <file path=ppt/slideLayouts/slideLayout1.xml><?xml version="1.0" encoding="utf-8"?>
-<p:sldLayout xmlns:a="http://schemas.openxmlformats.org/drawingml/2006/main" xmlns:r="http://schemas.openxmlformats.org/officeDocument/2006/relationships" xmlns:p="http://schemas.openxmlformats.org/presentationml/2006/main" type="title" preserve="1">
+<p:sldLayout xmlns:a="http://schemas.openxmlformats.org/drawingml/2006/main" xmlns:r="http://schemas.openxmlformats.org/officeDocument/2006/relationships" xmlns:p="http://schemas.openxmlformats.org/presentationml/2006/main" showMasterSp="0" type="title" preserve="1">
   <p:cSld name="제목 슬라이드">
     <p:spTree>
       <p:nvGrpSpPr>
@@ -126,13 +135,205 @@
       </p:grpSpPr>
       <p:sp>
         <p:nvSpPr>
-          <p:cNvPr id="2" name="제목 1">
-            <a:extLst>
-              <a:ext uri="{FF2B5EF4-FFF2-40B4-BE49-F238E27FC236}">
-                <a16:creationId xmlns:a16="http://schemas.microsoft.com/office/drawing/2014/main" id="{4F0C7D2B-E99D-3123-B2DB-0B5A9A3FDD1C}"/>
-              </a:ext>
-            </a:extLst>
-          </p:cNvPr>
+          <p:cNvPr id="7" name="Rectangle 6"/>
+          <p:cNvSpPr/>
+          <p:nvPr/>
+        </p:nvSpPr>
+        <p:spPr bwMode="gray">
+          <a:xfrm>
+            <a:off x="10948416" y="2788920"/>
+            <a:ext cx="1243584" cy="1005840"/>
+          </a:xfrm>
+          <a:prstGeom prst="rect">
+            <a:avLst/>
+          </a:prstGeom>
+          <a:solidFill>
+            <a:schemeClr val="accent5">
+              <a:lumMod val="60000"/>
+              <a:lumOff val="40000"/>
+              <a:alpha val="40000"/>
+            </a:schemeClr>
+          </a:solidFill>
+          <a:ln>
+            <a:noFill/>
+          </a:ln>
+        </p:spPr>
+        <p:style>
+          <a:lnRef idx="2">
+            <a:schemeClr val="accent1">
+              <a:shade val="50000"/>
+            </a:schemeClr>
+          </a:lnRef>
+          <a:fillRef idx="1">
+            <a:schemeClr val="accent1"/>
+          </a:fillRef>
+          <a:effectRef idx="0">
+            <a:schemeClr val="accent1"/>
+          </a:effectRef>
+          <a:fontRef idx="minor">
+            <a:schemeClr val="lt1"/>
+          </a:fontRef>
+        </p:style>
+        <p:txBody>
+          <a:bodyPr rtlCol="0" anchor="ctr"/>
+          <a:lstStyle/>
+          <a:p>
+            <a:pPr algn="ctr"/>
+            <a:endParaRPr lang="en-US" sz="1800"/>
+          </a:p>
+        </p:txBody>
+      </p:sp>
+      <p:sp>
+        <p:nvSpPr>
+          <p:cNvPr id="8" name="Rectangle 7"/>
+          <p:cNvSpPr/>
+          <p:nvPr/>
+        </p:nvSpPr>
+        <p:spPr bwMode="gray">
+          <a:xfrm>
+            <a:off x="0" y="2130552"/>
+            <a:ext cx="11277600" cy="914400"/>
+          </a:xfrm>
+          <a:prstGeom prst="rect">
+            <a:avLst/>
+          </a:prstGeom>
+          <a:solidFill>
+            <a:schemeClr val="tx2">
+              <a:lumMod val="40000"/>
+              <a:lumOff val="60000"/>
+              <a:alpha val="30000"/>
+            </a:schemeClr>
+          </a:solidFill>
+          <a:ln>
+            <a:noFill/>
+          </a:ln>
+        </p:spPr>
+        <p:style>
+          <a:lnRef idx="2">
+            <a:schemeClr val="accent1">
+              <a:shade val="50000"/>
+            </a:schemeClr>
+          </a:lnRef>
+          <a:fillRef idx="1">
+            <a:schemeClr val="accent1"/>
+          </a:fillRef>
+          <a:effectRef idx="0">
+            <a:schemeClr val="accent1"/>
+          </a:effectRef>
+          <a:fontRef idx="minor">
+            <a:schemeClr val="lt1"/>
+          </a:fontRef>
+        </p:style>
+        <p:txBody>
+          <a:bodyPr rtlCol="0" anchor="ctr"/>
+          <a:lstStyle/>
+          <a:p>
+            <a:pPr algn="ctr"/>
+            <a:endParaRPr lang="en-US" sz="1800"/>
+          </a:p>
+        </p:txBody>
+      </p:sp>
+      <p:sp>
+        <p:nvSpPr>
+          <p:cNvPr id="9" name="Rectangle 8"/>
+          <p:cNvSpPr/>
+          <p:nvPr/>
+        </p:nvSpPr>
+        <p:spPr bwMode="gray">
+          <a:xfrm>
+            <a:off x="3328416" y="0"/>
+            <a:ext cx="2279904" cy="2359152"/>
+          </a:xfrm>
+          <a:prstGeom prst="rect">
+            <a:avLst/>
+          </a:prstGeom>
+          <a:solidFill>
+            <a:schemeClr val="accent6">
+              <a:lumMod val="60000"/>
+              <a:lumOff val="40000"/>
+              <a:alpha val="60000"/>
+            </a:schemeClr>
+          </a:solidFill>
+          <a:ln>
+            <a:noFill/>
+          </a:ln>
+        </p:spPr>
+        <p:style>
+          <a:lnRef idx="2">
+            <a:schemeClr val="accent1">
+              <a:shade val="50000"/>
+            </a:schemeClr>
+          </a:lnRef>
+          <a:fillRef idx="1">
+            <a:schemeClr val="accent1"/>
+          </a:fillRef>
+          <a:effectRef idx="0">
+            <a:schemeClr val="accent1"/>
+          </a:effectRef>
+          <a:fontRef idx="minor">
+            <a:schemeClr val="lt1"/>
+          </a:fontRef>
+        </p:style>
+        <p:txBody>
+          <a:bodyPr rtlCol="0" anchor="ctr"/>
+          <a:lstStyle/>
+          <a:p>
+            <a:pPr algn="ctr"/>
+            <a:endParaRPr lang="en-US" sz="1800"/>
+          </a:p>
+        </p:txBody>
+      </p:sp>
+      <p:sp>
+        <p:nvSpPr>
+          <p:cNvPr id="10" name="Rectangle 9"/>
+          <p:cNvSpPr/>
+          <p:nvPr/>
+        </p:nvSpPr>
+        <p:spPr bwMode="gray">
+          <a:xfrm>
+            <a:off x="0" y="0"/>
+            <a:ext cx="3718560" cy="2359152"/>
+          </a:xfrm>
+          <a:prstGeom prst="rect">
+            <a:avLst/>
+          </a:prstGeom>
+          <a:solidFill>
+            <a:schemeClr val="accent2">
+              <a:alpha val="50000"/>
+            </a:schemeClr>
+          </a:solidFill>
+          <a:ln>
+            <a:noFill/>
+          </a:ln>
+        </p:spPr>
+        <p:style>
+          <a:lnRef idx="2">
+            <a:schemeClr val="accent1">
+              <a:shade val="50000"/>
+            </a:schemeClr>
+          </a:lnRef>
+          <a:fillRef idx="1">
+            <a:schemeClr val="accent1"/>
+          </a:fillRef>
+          <a:effectRef idx="0">
+            <a:schemeClr val="accent1"/>
+          </a:effectRef>
+          <a:fontRef idx="minor">
+            <a:schemeClr val="lt1"/>
+          </a:fontRef>
+        </p:style>
+        <p:txBody>
+          <a:bodyPr rtlCol="0" anchor="ctr"/>
+          <a:lstStyle/>
+          <a:p>
+            <a:pPr algn="ctr"/>
+            <a:endParaRPr lang="en-US" sz="1800"/>
+          </a:p>
+        </p:txBody>
+      </p:sp>
+      <p:sp>
+        <p:nvSpPr>
+          <p:cNvPr id="2" name="Title 1"/>
           <p:cNvSpPr>
             <a:spLocks noGrp="1"/>
           </p:cNvSpPr>
@@ -142,15 +343,28 @@
         </p:nvSpPr>
         <p:spPr>
           <a:xfrm>
-            <a:off x="1524000" y="1122363"/>
-            <a:ext cx="9144000" cy="2387600"/>
-          </a:xfrm>
-        </p:spPr>
-        <p:txBody>
-          <a:bodyPr anchor="b"/>
+            <a:off x="560832" y="3118105"/>
+            <a:ext cx="10375392" cy="1470025"/>
+          </a:xfrm>
+        </p:spPr>
+        <p:txBody>
+          <a:bodyPr vert="horz" lIns="91440" tIns="45720" rIns="91440" bIns="45720" rtlCol="0" anchor="t">
+            <a:normAutofit/>
+          </a:bodyPr>
           <a:lstStyle>
-            <a:lvl1pPr algn="ctr">
-              <a:defRPr sz="6000"/>
+            <a:lvl1pPr algn="r" defTabSz="914400" rtl="0" eaLnBrk="1" latinLnBrk="0" hangingPunct="1">
+              <a:spcBef>
+                <a:spcPct val="0"/>
+              </a:spcBef>
+              <a:buNone/>
+              <a:defRPr lang="en-US" sz="4800" b="1" kern="1200" smtClean="0">
+                <a:solidFill>
+                  <a:schemeClr val="tx2"/>
+                </a:solidFill>
+                <a:latin typeface="+mj-lt"/>
+                <a:ea typeface="+mj-ea"/>
+                <a:cs typeface="+mj-cs"/>
+              </a:defRPr>
             </a:lvl1pPr>
           </a:lstStyle>
           <a:p>
@@ -158,18 +372,13 @@
               <a:rPr lang="ko-KR" altLang="en-US"/>
               <a:t>마스터 제목 스타일 편집</a:t>
             </a:r>
-          </a:p>
-        </p:txBody>
-      </p:sp>
-      <p:sp>
-        <p:nvSpPr>
-          <p:cNvPr id="3" name="부제목 2">
-            <a:extLst>
-              <a:ext uri="{FF2B5EF4-FFF2-40B4-BE49-F238E27FC236}">
-                <a16:creationId xmlns:a16="http://schemas.microsoft.com/office/drawing/2014/main" id="{562960A4-FE70-B11F-CFBD-156CC87C8957}"/>
-              </a:ext>
-            </a:extLst>
-          </p:cNvPr>
+            <a:endParaRPr lang="en-US"/>
+          </a:p>
+        </p:txBody>
+      </p:sp>
+      <p:sp>
+        <p:nvSpPr>
+          <p:cNvPr id="3" name="Subtitle 2"/>
           <p:cNvSpPr>
             <a:spLocks noGrp="1"/>
           </p:cNvSpPr>
@@ -179,48 +388,113 @@
         </p:nvSpPr>
         <p:spPr>
           <a:xfrm>
-            <a:off x="1524000" y="3602038"/>
-            <a:ext cx="9144000" cy="1655762"/>
-          </a:xfrm>
-        </p:spPr>
-        <p:txBody>
-          <a:bodyPr/>
+            <a:off x="0" y="2359152"/>
+            <a:ext cx="10948416" cy="685800"/>
+          </a:xfrm>
+        </p:spPr>
+        <p:txBody>
+          <a:bodyPr vert="horz" lIns="91440" tIns="45720" rIns="91440" bIns="45720" rtlCol="0" anchor="b">
+            <a:normAutofit/>
+          </a:bodyPr>
           <a:lstStyle>
-            <a:lvl1pPr marL="0" indent="0" algn="ctr">
-              <a:buNone/>
-              <a:defRPr sz="2400"/>
+            <a:lvl1pPr marL="0" indent="0" algn="r" defTabSz="914400" rtl="0" eaLnBrk="1" latinLnBrk="0" hangingPunct="1">
+              <a:spcBef>
+                <a:spcPct val="20000"/>
+              </a:spcBef>
+              <a:buClr>
+                <a:schemeClr val="accent1"/>
+              </a:buClr>
+              <a:buSzPct val="90000"/>
+              <a:buFont typeface="Wingdings 3" pitchFamily="18" charset="2"/>
+              <a:buNone/>
+              <a:defRPr lang="en-US" sz="2000" kern="1200" smtClean="0">
+                <a:solidFill>
+                  <a:schemeClr val="tx1"/>
+                </a:solidFill>
+                <a:latin typeface="+mn-lt"/>
+                <a:ea typeface="+mn-ea"/>
+                <a:cs typeface="+mn-cs"/>
+              </a:defRPr>
             </a:lvl1pPr>
             <a:lvl2pPr marL="457200" indent="0" algn="ctr">
               <a:buNone/>
-              <a:defRPr sz="2000"/>
+              <a:defRPr>
+                <a:solidFill>
+                  <a:schemeClr val="tx1">
+                    <a:tint val="75000"/>
+                  </a:schemeClr>
+                </a:solidFill>
+              </a:defRPr>
             </a:lvl2pPr>
             <a:lvl3pPr marL="914400" indent="0" algn="ctr">
               <a:buNone/>
-              <a:defRPr sz="1800"/>
+              <a:defRPr>
+                <a:solidFill>
+                  <a:schemeClr val="tx1">
+                    <a:tint val="75000"/>
+                  </a:schemeClr>
+                </a:solidFill>
+              </a:defRPr>
             </a:lvl3pPr>
             <a:lvl4pPr marL="1371600" indent="0" algn="ctr">
               <a:buNone/>
-              <a:defRPr sz="1600"/>
+              <a:defRPr>
+                <a:solidFill>
+                  <a:schemeClr val="tx1">
+                    <a:tint val="75000"/>
+                  </a:schemeClr>
+                </a:solidFill>
+              </a:defRPr>
             </a:lvl4pPr>
             <a:lvl5pPr marL="1828800" indent="0" algn="ctr">
               <a:buNone/>
-              <a:defRPr sz="1600"/>
+              <a:defRPr>
+                <a:solidFill>
+                  <a:schemeClr val="tx1">
+                    <a:tint val="75000"/>
+                  </a:schemeClr>
+                </a:solidFill>
+              </a:defRPr>
             </a:lvl5pPr>
             <a:lvl6pPr marL="2286000" indent="0" algn="ctr">
               <a:buNone/>
-              <a:defRPr sz="1600"/>
+              <a:defRPr>
+                <a:solidFill>
+                  <a:schemeClr val="tx1">
+                    <a:tint val="75000"/>
+                  </a:schemeClr>
+                </a:solidFill>
+              </a:defRPr>
             </a:lvl6pPr>
             <a:lvl7pPr marL="2743200" indent="0" algn="ctr">
               <a:buNone/>
-              <a:defRPr sz="1600"/>
+              <a:defRPr>
+                <a:solidFill>
+                  <a:schemeClr val="tx1">
+                    <a:tint val="75000"/>
+                  </a:schemeClr>
+                </a:solidFill>
+              </a:defRPr>
             </a:lvl7pPr>
             <a:lvl8pPr marL="3200400" indent="0" algn="ctr">
               <a:buNone/>
-              <a:defRPr sz="1600"/>
+              <a:defRPr>
+                <a:solidFill>
+                  <a:schemeClr val="tx1">
+                    <a:tint val="75000"/>
+                  </a:schemeClr>
+                </a:solidFill>
+              </a:defRPr>
             </a:lvl8pPr>
             <a:lvl9pPr marL="3657600" indent="0" algn="ctr">
               <a:buNone/>
-              <a:defRPr sz="1600"/>
+              <a:defRPr>
+                <a:solidFill>
+                  <a:schemeClr val="tx1">
+                    <a:tint val="75000"/>
+                  </a:schemeClr>
+                </a:solidFill>
+              </a:defRPr>
             </a:lvl9pPr>
           </a:lstStyle>
           <a:p>
@@ -228,18 +502,13 @@
               <a:rPr lang="ko-KR" altLang="en-US"/>
               <a:t>클릭하여 마스터 부제목 스타일 편집</a:t>
             </a:r>
-          </a:p>
-        </p:txBody>
-      </p:sp>
-      <p:sp>
-        <p:nvSpPr>
-          <p:cNvPr id="4" name="날짜 개체 틀 3">
-            <a:extLst>
-              <a:ext uri="{FF2B5EF4-FFF2-40B4-BE49-F238E27FC236}">
-                <a16:creationId xmlns:a16="http://schemas.microsoft.com/office/drawing/2014/main" id="{F40C55CF-E08F-5C86-A0DC-1BCB4FDF3EFF}"/>
-              </a:ext>
-            </a:extLst>
-          </p:cNvPr>
+            <a:endParaRPr lang="en-US"/>
+          </a:p>
+        </p:txBody>
+      </p:sp>
+      <p:sp>
+        <p:nvSpPr>
+          <p:cNvPr id="4" name="Date Placeholder 3"/>
           <p:cNvSpPr>
             <a:spLocks noGrp="1"/>
           </p:cNvSpPr>
@@ -262,13 +531,7 @@
       </p:sp>
       <p:sp>
         <p:nvSpPr>
-          <p:cNvPr id="5" name="바닥글 개체 틀 4">
-            <a:extLst>
-              <a:ext uri="{FF2B5EF4-FFF2-40B4-BE49-F238E27FC236}">
-                <a16:creationId xmlns:a16="http://schemas.microsoft.com/office/drawing/2014/main" id="{E3B6C310-8EFD-6C01-B408-A1C5DB57FBB0}"/>
-              </a:ext>
-            </a:extLst>
-          </p:cNvPr>
+          <p:cNvPr id="5" name="Footer Placeholder 4"/>
           <p:cNvSpPr>
             <a:spLocks noGrp="1"/>
           </p:cNvSpPr>
@@ -287,13 +550,7 @@
       </p:sp>
       <p:sp>
         <p:nvSpPr>
-          <p:cNvPr id="6" name="슬라이드 번호 개체 틀 5">
-            <a:extLst>
-              <a:ext uri="{FF2B5EF4-FFF2-40B4-BE49-F238E27FC236}">
-                <a16:creationId xmlns:a16="http://schemas.microsoft.com/office/drawing/2014/main" id="{7361ABF7-1338-24FC-BE03-B872B42BC107}"/>
-              </a:ext>
-            </a:extLst>
-          </p:cNvPr>
+          <p:cNvPr id="6" name="Slide Number Placeholder 5"/>
           <p:cNvSpPr>
             <a:spLocks noGrp="1"/>
           </p:cNvSpPr>
@@ -317,7 +574,7 @@
     </p:spTree>
     <p:extLst>
       <p:ext uri="{BB962C8B-B14F-4D97-AF65-F5344CB8AC3E}">
-        <p14:creationId xmlns:p14="http://schemas.microsoft.com/office/powerpoint/2010/main" val="812924979"/>
+        <p14:creationId xmlns:p14="http://schemas.microsoft.com/office/powerpoint/2010/main" val="1662850088"/>
       </p:ext>
     </p:extLst>
   </p:cSld>
@@ -346,13 +603,7 @@
       </p:grpSpPr>
       <p:sp>
         <p:nvSpPr>
-          <p:cNvPr id="2" name="제목 1">
-            <a:extLst>
-              <a:ext uri="{FF2B5EF4-FFF2-40B4-BE49-F238E27FC236}">
-                <a16:creationId xmlns:a16="http://schemas.microsoft.com/office/drawing/2014/main" id="{4F8E9A64-A961-56AB-A0C4-D84FFFF09865}"/>
-              </a:ext>
-            </a:extLst>
-          </p:cNvPr>
+          <p:cNvPr id="2" name="Title 1"/>
           <p:cNvSpPr>
             <a:spLocks noGrp="1"/>
           </p:cNvSpPr>
@@ -369,18 +620,13 @@
               <a:rPr lang="ko-KR" altLang="en-US"/>
               <a:t>마스터 제목 스타일 편집</a:t>
             </a:r>
-          </a:p>
-        </p:txBody>
-      </p:sp>
-      <p:sp>
-        <p:nvSpPr>
-          <p:cNvPr id="3" name="세로 텍스트 개체 틀 2">
-            <a:extLst>
-              <a:ext uri="{FF2B5EF4-FFF2-40B4-BE49-F238E27FC236}">
-                <a16:creationId xmlns:a16="http://schemas.microsoft.com/office/drawing/2014/main" id="{514205D6-2E64-B2E8-9ABE-BBF999D795D3}"/>
-              </a:ext>
-            </a:extLst>
-          </p:cNvPr>
+            <a:endParaRPr lang="en-US"/>
+          </a:p>
+        </p:txBody>
+      </p:sp>
+      <p:sp>
+        <p:nvSpPr>
+          <p:cNvPr id="3" name="Vertical Text Placeholder 2"/>
           <p:cNvSpPr>
             <a:spLocks noGrp="1"/>
           </p:cNvSpPr>
@@ -388,7 +634,12 @@
             <p:ph type="body" orient="vert" idx="1"/>
           </p:nvPr>
         </p:nvSpPr>
-        <p:spPr/>
+        <p:spPr>
+          <a:xfrm>
+            <a:off x="609600" y="1600201"/>
+            <a:ext cx="10257432" cy="4525963"/>
+          </a:xfrm>
+        </p:spPr>
         <p:txBody>
           <a:bodyPr vert="eaVert"/>
           <a:lstStyle/>
@@ -426,18 +677,13 @@
               <a:rPr lang="ko-KR" altLang="en-US"/>
               <a:t>다섯 번째 수준</a:t>
             </a:r>
-          </a:p>
-        </p:txBody>
-      </p:sp>
-      <p:sp>
-        <p:nvSpPr>
-          <p:cNvPr id="4" name="날짜 개체 틀 3">
-            <a:extLst>
-              <a:ext uri="{FF2B5EF4-FFF2-40B4-BE49-F238E27FC236}">
-                <a16:creationId xmlns:a16="http://schemas.microsoft.com/office/drawing/2014/main" id="{686C7B6E-8AAF-D26E-93BC-4085C10BE9D5}"/>
-              </a:ext>
-            </a:extLst>
-          </p:cNvPr>
+            <a:endParaRPr lang="en-US"/>
+          </a:p>
+        </p:txBody>
+      </p:sp>
+      <p:sp>
+        <p:nvSpPr>
+          <p:cNvPr id="4" name="Date Placeholder 3"/>
           <p:cNvSpPr>
             <a:spLocks noGrp="1"/>
           </p:cNvSpPr>
@@ -460,13 +706,7 @@
       </p:sp>
       <p:sp>
         <p:nvSpPr>
-          <p:cNvPr id="5" name="바닥글 개체 틀 4">
-            <a:extLst>
-              <a:ext uri="{FF2B5EF4-FFF2-40B4-BE49-F238E27FC236}">
-                <a16:creationId xmlns:a16="http://schemas.microsoft.com/office/drawing/2014/main" id="{C78A3074-AF12-C90D-8A76-33036BA793E6}"/>
-              </a:ext>
-            </a:extLst>
-          </p:cNvPr>
+          <p:cNvPr id="5" name="Footer Placeholder 4"/>
           <p:cNvSpPr>
             <a:spLocks noGrp="1"/>
           </p:cNvSpPr>
@@ -485,13 +725,7 @@
       </p:sp>
       <p:sp>
         <p:nvSpPr>
-          <p:cNvPr id="6" name="슬라이드 번호 개체 틀 5">
-            <a:extLst>
-              <a:ext uri="{FF2B5EF4-FFF2-40B4-BE49-F238E27FC236}">
-                <a16:creationId xmlns:a16="http://schemas.microsoft.com/office/drawing/2014/main" id="{3B895AEC-8C4D-8447-9CF3-128F3E2E5819}"/>
-              </a:ext>
-            </a:extLst>
-          </p:cNvPr>
+          <p:cNvPr id="6" name="Slide Number Placeholder 5"/>
           <p:cNvSpPr>
             <a:spLocks noGrp="1"/>
           </p:cNvSpPr>
@@ -515,7 +749,7 @@
     </p:spTree>
     <p:extLst>
       <p:ext uri="{BB962C8B-B14F-4D97-AF65-F5344CB8AC3E}">
-        <p14:creationId xmlns:p14="http://schemas.microsoft.com/office/powerpoint/2010/main" val="607835497"/>
+        <p14:creationId xmlns:p14="http://schemas.microsoft.com/office/powerpoint/2010/main" val="3277163953"/>
       </p:ext>
     </p:extLst>
   </p:cSld>
@@ -526,7 +760,7 @@
 </file>
 
 <file path=ppt/slideLayouts/slideLayout11.xml><?xml version="1.0" encoding="utf-8"?>
-<p:sldLayout xmlns:a="http://schemas.openxmlformats.org/drawingml/2006/main" xmlns:r="http://schemas.openxmlformats.org/officeDocument/2006/relationships" xmlns:p="http://schemas.openxmlformats.org/presentationml/2006/main" type="vertTitleAndTx" preserve="1">
+<p:sldLayout xmlns:a="http://schemas.openxmlformats.org/drawingml/2006/main" xmlns:r="http://schemas.openxmlformats.org/officeDocument/2006/relationships" xmlns:p="http://schemas.openxmlformats.org/presentationml/2006/main" showMasterSp="0" type="vertTitleAndTx" preserve="1">
   <p:cSld name="세로 제목 및 텍스트">
     <p:spTree>
       <p:nvGrpSpPr>
@@ -544,13 +778,205 @@
       </p:grpSpPr>
       <p:sp>
         <p:nvSpPr>
-          <p:cNvPr id="2" name="세로 제목 1">
-            <a:extLst>
-              <a:ext uri="{FF2B5EF4-FFF2-40B4-BE49-F238E27FC236}">
-                <a16:creationId xmlns:a16="http://schemas.microsoft.com/office/drawing/2014/main" id="{0F857C64-2955-51EC-166F-2CEBA753A992}"/>
-              </a:ext>
-            </a:extLst>
-          </p:cNvPr>
+          <p:cNvPr id="7" name="Rectangle 6"/>
+          <p:cNvSpPr/>
+          <p:nvPr/>
+        </p:nvSpPr>
+        <p:spPr bwMode="gray">
+          <a:xfrm rot="5400000">
+            <a:off x="7182612" y="2048256"/>
+            <a:ext cx="6519672" cy="2414016"/>
+          </a:xfrm>
+          <a:prstGeom prst="rect">
+            <a:avLst/>
+          </a:prstGeom>
+          <a:solidFill>
+            <a:schemeClr val="tx2">
+              <a:lumMod val="40000"/>
+              <a:lumOff val="60000"/>
+              <a:alpha val="30000"/>
+            </a:schemeClr>
+          </a:solidFill>
+          <a:ln>
+            <a:noFill/>
+          </a:ln>
+        </p:spPr>
+        <p:style>
+          <a:lnRef idx="2">
+            <a:schemeClr val="accent1">
+              <a:shade val="50000"/>
+            </a:schemeClr>
+          </a:lnRef>
+          <a:fillRef idx="1">
+            <a:schemeClr val="accent1"/>
+          </a:fillRef>
+          <a:effectRef idx="0">
+            <a:schemeClr val="accent1"/>
+          </a:effectRef>
+          <a:fontRef idx="minor">
+            <a:schemeClr val="lt1"/>
+          </a:fontRef>
+        </p:style>
+        <p:txBody>
+          <a:bodyPr rtlCol="0" anchor="ctr"/>
+          <a:lstStyle/>
+          <a:p>
+            <a:pPr algn="ctr"/>
+            <a:endParaRPr lang="en-US" sz="1800"/>
+          </a:p>
+        </p:txBody>
+      </p:sp>
+      <p:sp>
+        <p:nvSpPr>
+          <p:cNvPr id="8" name="Rectangle 7"/>
+          <p:cNvSpPr/>
+          <p:nvPr/>
+        </p:nvSpPr>
+        <p:spPr bwMode="gray">
+          <a:xfrm>
+            <a:off x="8737600" y="6135624"/>
+            <a:ext cx="1316736" cy="722376"/>
+          </a:xfrm>
+          <a:prstGeom prst="rect">
+            <a:avLst/>
+          </a:prstGeom>
+          <a:solidFill>
+            <a:schemeClr val="accent5">
+              <a:lumMod val="60000"/>
+              <a:lumOff val="40000"/>
+              <a:alpha val="40000"/>
+            </a:schemeClr>
+          </a:solidFill>
+          <a:ln>
+            <a:noFill/>
+          </a:ln>
+        </p:spPr>
+        <p:style>
+          <a:lnRef idx="2">
+            <a:schemeClr val="accent1">
+              <a:shade val="50000"/>
+            </a:schemeClr>
+          </a:lnRef>
+          <a:fillRef idx="1">
+            <a:schemeClr val="accent1"/>
+          </a:fillRef>
+          <a:effectRef idx="0">
+            <a:schemeClr val="accent1"/>
+          </a:effectRef>
+          <a:fontRef idx="minor">
+            <a:schemeClr val="lt1"/>
+          </a:fontRef>
+        </p:style>
+        <p:txBody>
+          <a:bodyPr rtlCol="0" anchor="ctr"/>
+          <a:lstStyle/>
+          <a:p>
+            <a:pPr algn="ctr"/>
+            <a:endParaRPr lang="en-US" sz="1800"/>
+          </a:p>
+        </p:txBody>
+      </p:sp>
+      <p:sp>
+        <p:nvSpPr>
+          <p:cNvPr id="9" name="Rectangle 8"/>
+          <p:cNvSpPr/>
+          <p:nvPr/>
+        </p:nvSpPr>
+        <p:spPr bwMode="gray">
+          <a:xfrm>
+            <a:off x="11474908" y="1379355"/>
+            <a:ext cx="719328" cy="1463040"/>
+          </a:xfrm>
+          <a:prstGeom prst="rect">
+            <a:avLst/>
+          </a:prstGeom>
+          <a:solidFill>
+            <a:schemeClr val="accent6">
+              <a:lumMod val="60000"/>
+              <a:lumOff val="40000"/>
+              <a:alpha val="60000"/>
+            </a:schemeClr>
+          </a:solidFill>
+          <a:ln>
+            <a:noFill/>
+          </a:ln>
+        </p:spPr>
+        <p:style>
+          <a:lnRef idx="2">
+            <a:schemeClr val="accent1">
+              <a:shade val="50000"/>
+            </a:schemeClr>
+          </a:lnRef>
+          <a:fillRef idx="1">
+            <a:schemeClr val="accent1"/>
+          </a:fillRef>
+          <a:effectRef idx="0">
+            <a:schemeClr val="accent1"/>
+          </a:effectRef>
+          <a:fontRef idx="minor">
+            <a:schemeClr val="lt1"/>
+          </a:fontRef>
+        </p:style>
+        <p:txBody>
+          <a:bodyPr rtlCol="0" anchor="ctr"/>
+          <a:lstStyle/>
+          <a:p>
+            <a:pPr algn="ctr"/>
+            <a:endParaRPr lang="en-US" sz="1800"/>
+          </a:p>
+        </p:txBody>
+      </p:sp>
+      <p:sp>
+        <p:nvSpPr>
+          <p:cNvPr id="10" name="Rectangle 9"/>
+          <p:cNvSpPr/>
+          <p:nvPr/>
+        </p:nvSpPr>
+        <p:spPr bwMode="gray">
+          <a:xfrm>
+            <a:off x="11472672" y="0"/>
+            <a:ext cx="719328" cy="1828800"/>
+          </a:xfrm>
+          <a:prstGeom prst="rect">
+            <a:avLst/>
+          </a:prstGeom>
+          <a:solidFill>
+            <a:schemeClr val="accent2">
+              <a:alpha val="50000"/>
+            </a:schemeClr>
+          </a:solidFill>
+          <a:ln>
+            <a:noFill/>
+          </a:ln>
+        </p:spPr>
+        <p:style>
+          <a:lnRef idx="2">
+            <a:schemeClr val="accent1">
+              <a:shade val="50000"/>
+            </a:schemeClr>
+          </a:lnRef>
+          <a:fillRef idx="1">
+            <a:schemeClr val="accent1"/>
+          </a:fillRef>
+          <a:effectRef idx="0">
+            <a:schemeClr val="accent1"/>
+          </a:effectRef>
+          <a:fontRef idx="minor">
+            <a:schemeClr val="lt1"/>
+          </a:fontRef>
+        </p:style>
+        <p:txBody>
+          <a:bodyPr rtlCol="0" anchor="ctr"/>
+          <a:lstStyle/>
+          <a:p>
+            <a:pPr algn="ctr"/>
+            <a:endParaRPr lang="en-US" sz="1800"/>
+          </a:p>
+        </p:txBody>
+      </p:sp>
+      <p:sp>
+        <p:nvSpPr>
+          <p:cNvPr id="2" name="Vertical Title 1"/>
           <p:cNvSpPr>
             <a:spLocks noGrp="1"/>
           </p:cNvSpPr>
@@ -560,8 +986,8 @@
         </p:nvSpPr>
         <p:spPr>
           <a:xfrm>
-            <a:off x="8724900" y="365125"/>
-            <a:ext cx="2628900" cy="5811838"/>
+            <a:off x="9241536" y="274637"/>
+            <a:ext cx="2231136" cy="5852160"/>
           </a:xfrm>
         </p:spPr>
         <p:txBody>
@@ -572,18 +998,13 @@
               <a:rPr lang="ko-KR" altLang="en-US"/>
               <a:t>마스터 제목 스타일 편집</a:t>
             </a:r>
-          </a:p>
-        </p:txBody>
-      </p:sp>
-      <p:sp>
-        <p:nvSpPr>
-          <p:cNvPr id="3" name="세로 텍스트 개체 틀 2">
-            <a:extLst>
-              <a:ext uri="{FF2B5EF4-FFF2-40B4-BE49-F238E27FC236}">
-                <a16:creationId xmlns:a16="http://schemas.microsoft.com/office/drawing/2014/main" id="{7ED024AC-6173-9389-5B1F-5C032E3E781F}"/>
-              </a:ext>
-            </a:extLst>
-          </p:cNvPr>
+            <a:endParaRPr lang="en-US"/>
+          </a:p>
+        </p:txBody>
+      </p:sp>
+      <p:sp>
+        <p:nvSpPr>
+          <p:cNvPr id="3" name="Vertical Text Placeholder 2"/>
           <p:cNvSpPr>
             <a:spLocks noGrp="1"/>
           </p:cNvSpPr>
@@ -593,8 +1014,8 @@
         </p:nvSpPr>
         <p:spPr>
           <a:xfrm>
-            <a:off x="838200" y="365125"/>
-            <a:ext cx="7734300" cy="5811838"/>
+            <a:off x="609600" y="274639"/>
+            <a:ext cx="8436864" cy="5851525"/>
           </a:xfrm>
         </p:spPr>
         <p:txBody>
@@ -634,18 +1055,13 @@
               <a:rPr lang="ko-KR" altLang="en-US"/>
               <a:t>다섯 번째 수준</a:t>
             </a:r>
-          </a:p>
-        </p:txBody>
-      </p:sp>
-      <p:sp>
-        <p:nvSpPr>
-          <p:cNvPr id="4" name="날짜 개체 틀 3">
-            <a:extLst>
-              <a:ext uri="{FF2B5EF4-FFF2-40B4-BE49-F238E27FC236}">
-                <a16:creationId xmlns:a16="http://schemas.microsoft.com/office/drawing/2014/main" id="{99DFED64-0C70-5A61-CA8E-3FE0A3757159}"/>
-              </a:ext>
-            </a:extLst>
-          </p:cNvPr>
+            <a:endParaRPr lang="en-US"/>
+          </a:p>
+        </p:txBody>
+      </p:sp>
+      <p:sp>
+        <p:nvSpPr>
+          <p:cNvPr id="4" name="Date Placeholder 3"/>
           <p:cNvSpPr>
             <a:spLocks noGrp="1"/>
           </p:cNvSpPr>
@@ -668,13 +1084,7 @@
       </p:sp>
       <p:sp>
         <p:nvSpPr>
-          <p:cNvPr id="5" name="바닥글 개체 틀 4">
-            <a:extLst>
-              <a:ext uri="{FF2B5EF4-FFF2-40B4-BE49-F238E27FC236}">
-                <a16:creationId xmlns:a16="http://schemas.microsoft.com/office/drawing/2014/main" id="{804CE4A2-A3E8-23D6-3029-96EF1A34E5F0}"/>
-              </a:ext>
-            </a:extLst>
-          </p:cNvPr>
+          <p:cNvPr id="5" name="Footer Placeholder 4"/>
           <p:cNvSpPr>
             <a:spLocks noGrp="1"/>
           </p:cNvSpPr>
@@ -693,13 +1103,7 @@
       </p:sp>
       <p:sp>
         <p:nvSpPr>
-          <p:cNvPr id="6" name="슬라이드 번호 개체 틀 5">
-            <a:extLst>
-              <a:ext uri="{FF2B5EF4-FFF2-40B4-BE49-F238E27FC236}">
-                <a16:creationId xmlns:a16="http://schemas.microsoft.com/office/drawing/2014/main" id="{C19A03BF-0F32-60E3-BBEE-1550570FDADF}"/>
-              </a:ext>
-            </a:extLst>
-          </p:cNvPr>
+          <p:cNvPr id="6" name="Slide Number Placeholder 5"/>
           <p:cNvSpPr>
             <a:spLocks noGrp="1"/>
           </p:cNvSpPr>
@@ -723,7 +1127,7 @@
     </p:spTree>
     <p:extLst>
       <p:ext uri="{BB962C8B-B14F-4D97-AF65-F5344CB8AC3E}">
-        <p14:creationId xmlns:p14="http://schemas.microsoft.com/office/powerpoint/2010/main" val="3999466046"/>
+        <p14:creationId xmlns:p14="http://schemas.microsoft.com/office/powerpoint/2010/main" val="218577187"/>
       </p:ext>
     </p:extLst>
   </p:cSld>
@@ -752,13 +1156,7 @@
       </p:grpSpPr>
       <p:sp>
         <p:nvSpPr>
-          <p:cNvPr id="2" name="제목 1">
-            <a:extLst>
-              <a:ext uri="{FF2B5EF4-FFF2-40B4-BE49-F238E27FC236}">
-                <a16:creationId xmlns:a16="http://schemas.microsoft.com/office/drawing/2014/main" id="{922534CE-9EB7-A1CE-DB96-659092788BC7}"/>
-              </a:ext>
-            </a:extLst>
-          </p:cNvPr>
+          <p:cNvPr id="2" name="Title 1"/>
           <p:cNvSpPr>
             <a:spLocks noGrp="1"/>
           </p:cNvSpPr>
@@ -775,18 +1173,13 @@
               <a:rPr lang="ko-KR" altLang="en-US"/>
               <a:t>마스터 제목 스타일 편집</a:t>
             </a:r>
-          </a:p>
-        </p:txBody>
-      </p:sp>
-      <p:sp>
-        <p:nvSpPr>
-          <p:cNvPr id="3" name="내용 개체 틀 2">
-            <a:extLst>
-              <a:ext uri="{FF2B5EF4-FFF2-40B4-BE49-F238E27FC236}">
-                <a16:creationId xmlns:a16="http://schemas.microsoft.com/office/drawing/2014/main" id="{6E99919A-D17C-8D5C-BF56-C17C2AD28C05}"/>
-              </a:ext>
-            </a:extLst>
-          </p:cNvPr>
+            <a:endParaRPr lang="en-US"/>
+          </a:p>
+        </p:txBody>
+      </p:sp>
+      <p:sp>
+        <p:nvSpPr>
+          <p:cNvPr id="3" name="Content Placeholder 2"/>
           <p:cNvSpPr>
             <a:spLocks noGrp="1"/>
           </p:cNvSpPr>
@@ -832,18 +1225,13 @@
               <a:rPr lang="ko-KR" altLang="en-US"/>
               <a:t>다섯 번째 수준</a:t>
             </a:r>
-          </a:p>
-        </p:txBody>
-      </p:sp>
-      <p:sp>
-        <p:nvSpPr>
-          <p:cNvPr id="4" name="날짜 개체 틀 3">
-            <a:extLst>
-              <a:ext uri="{FF2B5EF4-FFF2-40B4-BE49-F238E27FC236}">
-                <a16:creationId xmlns:a16="http://schemas.microsoft.com/office/drawing/2014/main" id="{13C21C38-C378-AFC5-974E-D97DF57105BE}"/>
-              </a:ext>
-            </a:extLst>
-          </p:cNvPr>
+            <a:endParaRPr lang="en-US"/>
+          </a:p>
+        </p:txBody>
+      </p:sp>
+      <p:sp>
+        <p:nvSpPr>
+          <p:cNvPr id="4" name="Date Placeholder 3"/>
           <p:cNvSpPr>
             <a:spLocks noGrp="1"/>
           </p:cNvSpPr>
@@ -866,13 +1254,7 @@
       </p:sp>
       <p:sp>
         <p:nvSpPr>
-          <p:cNvPr id="5" name="바닥글 개체 틀 4">
-            <a:extLst>
-              <a:ext uri="{FF2B5EF4-FFF2-40B4-BE49-F238E27FC236}">
-                <a16:creationId xmlns:a16="http://schemas.microsoft.com/office/drawing/2014/main" id="{19ED6D89-F6DF-2EFC-743F-0957854D5355}"/>
-              </a:ext>
-            </a:extLst>
-          </p:cNvPr>
+          <p:cNvPr id="5" name="Footer Placeholder 4"/>
           <p:cNvSpPr>
             <a:spLocks noGrp="1"/>
           </p:cNvSpPr>
@@ -891,13 +1273,7 @@
       </p:sp>
       <p:sp>
         <p:nvSpPr>
-          <p:cNvPr id="6" name="슬라이드 번호 개체 틀 5">
-            <a:extLst>
-              <a:ext uri="{FF2B5EF4-FFF2-40B4-BE49-F238E27FC236}">
-                <a16:creationId xmlns:a16="http://schemas.microsoft.com/office/drawing/2014/main" id="{F18FC057-B73D-0CBF-5111-33292CD21F64}"/>
-              </a:ext>
-            </a:extLst>
-          </p:cNvPr>
+          <p:cNvPr id="6" name="Slide Number Placeholder 5"/>
           <p:cNvSpPr>
             <a:spLocks noGrp="1"/>
           </p:cNvSpPr>
@@ -921,7 +1297,7 @@
     </p:spTree>
     <p:extLst>
       <p:ext uri="{BB962C8B-B14F-4D97-AF65-F5344CB8AC3E}">
-        <p14:creationId xmlns:p14="http://schemas.microsoft.com/office/powerpoint/2010/main" val="388931196"/>
+        <p14:creationId xmlns:p14="http://schemas.microsoft.com/office/powerpoint/2010/main" val="373999087"/>
       </p:ext>
     </p:extLst>
   </p:cSld>
@@ -932,7 +1308,7 @@
 </file>
 
 <file path=ppt/slideLayouts/slideLayout3.xml><?xml version="1.0" encoding="utf-8"?>
-<p:sldLayout xmlns:a="http://schemas.openxmlformats.org/drawingml/2006/main" xmlns:r="http://schemas.openxmlformats.org/officeDocument/2006/relationships" xmlns:p="http://schemas.openxmlformats.org/presentationml/2006/main" type="secHead" preserve="1">
+<p:sldLayout xmlns:a="http://schemas.openxmlformats.org/drawingml/2006/main" xmlns:r="http://schemas.openxmlformats.org/officeDocument/2006/relationships" xmlns:p="http://schemas.openxmlformats.org/presentationml/2006/main" showMasterSp="0" preserve="1">
   <p:cSld name="구역 머리글">
     <p:spTree>
       <p:nvGrpSpPr>
@@ -950,79 +1326,39 @@
       </p:grpSpPr>
       <p:sp>
         <p:nvSpPr>
-          <p:cNvPr id="2" name="제목 1">
-            <a:extLst>
-              <a:ext uri="{FF2B5EF4-FFF2-40B4-BE49-F238E27FC236}">
-                <a16:creationId xmlns:a16="http://schemas.microsoft.com/office/drawing/2014/main" id="{1FA8E20A-2BDB-D389-C009-F17125FADF67}"/>
-              </a:ext>
-            </a:extLst>
-          </p:cNvPr>
-          <p:cNvSpPr>
-            <a:spLocks noGrp="1"/>
-          </p:cNvSpPr>
-          <p:nvPr>
-            <p:ph type="title"/>
+          <p:cNvPr id="3" name="Text Placeholder 2"/>
+          <p:cNvSpPr>
+            <a:spLocks noGrp="1"/>
+          </p:cNvSpPr>
+          <p:nvPr>
+            <p:ph type="body" idx="1"/>
           </p:nvPr>
         </p:nvSpPr>
         <p:spPr>
           <a:xfrm>
-            <a:off x="831850" y="1709738"/>
-            <a:ext cx="10515600" cy="2852737"/>
-          </a:xfrm>
-        </p:spPr>
-        <p:txBody>
-          <a:bodyPr anchor="b"/>
-          <a:lstStyle>
-            <a:lvl1pPr>
-              <a:defRPr sz="6000"/>
-            </a:lvl1pPr>
-          </a:lstStyle>
-          <a:p>
-            <a:r>
-              <a:rPr lang="ko-KR" altLang="en-US"/>
-              <a:t>마스터 제목 스타일 편집</a:t>
-            </a:r>
-          </a:p>
-        </p:txBody>
-      </p:sp>
-      <p:sp>
-        <p:nvSpPr>
-          <p:cNvPr id="3" name="텍스트 개체 틀 2">
-            <a:extLst>
-              <a:ext uri="{FF2B5EF4-FFF2-40B4-BE49-F238E27FC236}">
-                <a16:creationId xmlns:a16="http://schemas.microsoft.com/office/drawing/2014/main" id="{E9845ACB-3B43-05BF-EBA0-4A1A47818C09}"/>
-              </a:ext>
-            </a:extLst>
-          </p:cNvPr>
-          <p:cNvSpPr>
-            <a:spLocks noGrp="1"/>
-          </p:cNvSpPr>
-          <p:nvPr>
-            <p:ph type="body" idx="1"/>
-          </p:nvPr>
-        </p:nvSpPr>
-        <p:spPr>
-          <a:xfrm>
-            <a:off x="831850" y="4589463"/>
-            <a:ext cx="10515600" cy="1500187"/>
-          </a:xfrm>
-        </p:spPr>
-        <p:txBody>
-          <a:bodyPr/>
+            <a:off x="4681728" y="3044952"/>
+            <a:ext cx="6254496" cy="740664"/>
+          </a:xfrm>
+        </p:spPr>
+        <p:txBody>
+          <a:bodyPr vert="horz" lIns="91440" tIns="45720" rIns="91440" bIns="45720" rtlCol="0" anchor="ctr">
+            <a:normAutofit/>
+          </a:bodyPr>
           <a:lstStyle>
             <a:lvl1pPr marL="0" indent="0">
               <a:buNone/>
-              <a:defRPr sz="2400">
+              <a:defRPr lang="en-US" sz="2400" kern="1200" smtClean="0">
                 <a:solidFill>
-                  <a:schemeClr val="tx1">
-                    <a:tint val="75000"/>
-                  </a:schemeClr>
+                  <a:schemeClr val="tx1"/>
                 </a:solidFill>
+                <a:latin typeface="+mn-lt"/>
+                <a:ea typeface="+mn-ea"/>
+                <a:cs typeface="+mn-cs"/>
               </a:defRPr>
             </a:lvl1pPr>
             <a:lvl2pPr marL="457200" indent="0">
               <a:buNone/>
-              <a:defRPr sz="2000">
+              <a:defRPr sz="1800">
                 <a:solidFill>
                   <a:schemeClr val="tx1">
                     <a:tint val="75000"/>
@@ -1032,7 +1368,7 @@
             </a:lvl2pPr>
             <a:lvl3pPr marL="914400" indent="0">
               <a:buNone/>
-              <a:defRPr sz="1800">
+              <a:defRPr sz="1600">
                 <a:solidFill>
                   <a:schemeClr val="tx1">
                     <a:tint val="75000"/>
@@ -1042,7 +1378,7 @@
             </a:lvl3pPr>
             <a:lvl4pPr marL="1371600" indent="0">
               <a:buNone/>
-              <a:defRPr sz="1600">
+              <a:defRPr sz="1400">
                 <a:solidFill>
                   <a:schemeClr val="tx1">
                     <a:tint val="75000"/>
@@ -1052,7 +1388,7 @@
             </a:lvl4pPr>
             <a:lvl5pPr marL="1828800" indent="0">
               <a:buNone/>
-              <a:defRPr sz="1600">
+              <a:defRPr sz="1400">
                 <a:solidFill>
                   <a:schemeClr val="tx1">
                     <a:tint val="75000"/>
@@ -1062,7 +1398,7 @@
             </a:lvl5pPr>
             <a:lvl6pPr marL="2286000" indent="0">
               <a:buNone/>
-              <a:defRPr sz="1600">
+              <a:defRPr sz="1400">
                 <a:solidFill>
                   <a:schemeClr val="tx1">
                     <a:tint val="75000"/>
@@ -1072,7 +1408,7 @@
             </a:lvl6pPr>
             <a:lvl7pPr marL="2743200" indent="0">
               <a:buNone/>
-              <a:defRPr sz="1600">
+              <a:defRPr sz="1400">
                 <a:solidFill>
                   <a:schemeClr val="tx1">
                     <a:tint val="75000"/>
@@ -1082,7 +1418,7 @@
             </a:lvl7pPr>
             <a:lvl8pPr marL="3200400" indent="0">
               <a:buNone/>
-              <a:defRPr sz="1600">
+              <a:defRPr sz="1400">
                 <a:solidFill>
                   <a:schemeClr val="tx1">
                     <a:tint val="75000"/>
@@ -1092,7 +1428,7 @@
             </a:lvl8pPr>
             <a:lvl9pPr marL="3657600" indent="0">
               <a:buNone/>
-              <a:defRPr sz="1600">
+              <a:defRPr sz="1400">
                 <a:solidFill>
                   <a:schemeClr val="tx1">
                     <a:tint val="75000"/>
@@ -1102,7 +1438,17 @@
             </a:lvl9pPr>
           </a:lstStyle>
           <a:p>
-            <a:pPr lvl="0"/>
+            <a:pPr marL="0" lvl="0" indent="0" algn="r" defTabSz="914400" rtl="0" eaLnBrk="1" latinLnBrk="0" hangingPunct="1">
+              <a:spcBef>
+                <a:spcPct val="20000"/>
+              </a:spcBef>
+              <a:buClr>
+                <a:schemeClr val="accent1"/>
+              </a:buClr>
+              <a:buSzPct val="90000"/>
+              <a:buFont typeface="Wingdings 3" pitchFamily="18" charset="2"/>
+              <a:buNone/>
+            </a:pPr>
             <a:r>
               <a:rPr lang="ko-KR" altLang="en-US"/>
               <a:t>마스터 텍스트 스타일을 편집하려면 클릭</a:t>
@@ -1112,13 +1458,7 @@
       </p:sp>
       <p:sp>
         <p:nvSpPr>
-          <p:cNvPr id="4" name="날짜 개체 틀 3">
-            <a:extLst>
-              <a:ext uri="{FF2B5EF4-FFF2-40B4-BE49-F238E27FC236}">
-                <a16:creationId xmlns:a16="http://schemas.microsoft.com/office/drawing/2014/main" id="{23F3BCA1-8BA5-C2B5-BCB4-07494E56B017}"/>
-              </a:ext>
-            </a:extLst>
-          </p:cNvPr>
+          <p:cNvPr id="4" name="Date Placeholder 3"/>
           <p:cNvSpPr>
             <a:spLocks noGrp="1"/>
           </p:cNvSpPr>
@@ -1141,13 +1481,7 @@
       </p:sp>
       <p:sp>
         <p:nvSpPr>
-          <p:cNvPr id="5" name="바닥글 개체 틀 4">
-            <a:extLst>
-              <a:ext uri="{FF2B5EF4-FFF2-40B4-BE49-F238E27FC236}">
-                <a16:creationId xmlns:a16="http://schemas.microsoft.com/office/drawing/2014/main" id="{EDFD212C-CE8C-8AA7-DDFF-43EB4A00832B}"/>
-              </a:ext>
-            </a:extLst>
-          </p:cNvPr>
+          <p:cNvPr id="5" name="Footer Placeholder 4"/>
           <p:cNvSpPr>
             <a:spLocks noGrp="1"/>
           </p:cNvSpPr>
@@ -1166,13 +1500,7 @@
       </p:sp>
       <p:sp>
         <p:nvSpPr>
-          <p:cNvPr id="6" name="슬라이드 번호 개체 틀 5">
-            <a:extLst>
-              <a:ext uri="{FF2B5EF4-FFF2-40B4-BE49-F238E27FC236}">
-                <a16:creationId xmlns:a16="http://schemas.microsoft.com/office/drawing/2014/main" id="{11641FA4-EB49-8769-BF3C-5D1E068EDC04}"/>
-              </a:ext>
-            </a:extLst>
-          </p:cNvPr>
+          <p:cNvPr id="6" name="Slide Number Placeholder 5"/>
           <p:cNvSpPr>
             <a:spLocks noGrp="1"/>
           </p:cNvSpPr>
@@ -1193,10 +1521,253 @@
           </a:p>
         </p:txBody>
       </p:sp>
+      <p:sp>
+        <p:nvSpPr>
+          <p:cNvPr id="7" name="Rectangle 6"/>
+          <p:cNvSpPr/>
+          <p:nvPr/>
+        </p:nvSpPr>
+        <p:spPr bwMode="gray">
+          <a:xfrm>
+            <a:off x="10948416" y="2788920"/>
+            <a:ext cx="1243584" cy="1005840"/>
+          </a:xfrm>
+          <a:prstGeom prst="rect">
+            <a:avLst/>
+          </a:prstGeom>
+          <a:solidFill>
+            <a:schemeClr val="accent5">
+              <a:lumMod val="60000"/>
+              <a:lumOff val="40000"/>
+              <a:alpha val="40000"/>
+            </a:schemeClr>
+          </a:solidFill>
+          <a:ln>
+            <a:noFill/>
+          </a:ln>
+        </p:spPr>
+        <p:style>
+          <a:lnRef idx="2">
+            <a:schemeClr val="accent1">
+              <a:shade val="50000"/>
+            </a:schemeClr>
+          </a:lnRef>
+          <a:fillRef idx="1">
+            <a:schemeClr val="accent1"/>
+          </a:fillRef>
+          <a:effectRef idx="0">
+            <a:schemeClr val="accent1"/>
+          </a:effectRef>
+          <a:fontRef idx="minor">
+            <a:schemeClr val="lt1"/>
+          </a:fontRef>
+        </p:style>
+        <p:txBody>
+          <a:bodyPr rtlCol="0" anchor="ctr"/>
+          <a:lstStyle/>
+          <a:p>
+            <a:pPr algn="ctr"/>
+            <a:endParaRPr lang="en-US" sz="1800"/>
+          </a:p>
+        </p:txBody>
+      </p:sp>
+      <p:sp>
+        <p:nvSpPr>
+          <p:cNvPr id="8" name="Rectangle 7"/>
+          <p:cNvSpPr/>
+          <p:nvPr/>
+        </p:nvSpPr>
+        <p:spPr bwMode="gray">
+          <a:xfrm>
+            <a:off x="0" y="2130552"/>
+            <a:ext cx="11277600" cy="914400"/>
+          </a:xfrm>
+          <a:prstGeom prst="rect">
+            <a:avLst/>
+          </a:prstGeom>
+          <a:solidFill>
+            <a:schemeClr val="tx2">
+              <a:lumMod val="40000"/>
+              <a:lumOff val="60000"/>
+              <a:alpha val="30000"/>
+            </a:schemeClr>
+          </a:solidFill>
+          <a:ln>
+            <a:noFill/>
+          </a:ln>
+        </p:spPr>
+        <p:style>
+          <a:lnRef idx="2">
+            <a:schemeClr val="accent1">
+              <a:shade val="50000"/>
+            </a:schemeClr>
+          </a:lnRef>
+          <a:fillRef idx="1">
+            <a:schemeClr val="accent1"/>
+          </a:fillRef>
+          <a:effectRef idx="0">
+            <a:schemeClr val="accent1"/>
+          </a:effectRef>
+          <a:fontRef idx="minor">
+            <a:schemeClr val="lt1"/>
+          </a:fontRef>
+        </p:style>
+        <p:txBody>
+          <a:bodyPr rtlCol="0" anchor="ctr"/>
+          <a:lstStyle/>
+          <a:p>
+            <a:pPr algn="ctr"/>
+            <a:endParaRPr lang="en-US" sz="1800"/>
+          </a:p>
+        </p:txBody>
+      </p:sp>
+      <p:sp>
+        <p:nvSpPr>
+          <p:cNvPr id="9" name="Rectangle 8"/>
+          <p:cNvSpPr/>
+          <p:nvPr/>
+        </p:nvSpPr>
+        <p:spPr bwMode="gray">
+          <a:xfrm>
+            <a:off x="3328416" y="0"/>
+            <a:ext cx="2279904" cy="2359152"/>
+          </a:xfrm>
+          <a:prstGeom prst="rect">
+            <a:avLst/>
+          </a:prstGeom>
+          <a:solidFill>
+            <a:schemeClr val="accent6">
+              <a:lumMod val="60000"/>
+              <a:lumOff val="40000"/>
+              <a:alpha val="60000"/>
+            </a:schemeClr>
+          </a:solidFill>
+          <a:ln>
+            <a:noFill/>
+          </a:ln>
+        </p:spPr>
+        <p:style>
+          <a:lnRef idx="2">
+            <a:schemeClr val="accent1">
+              <a:shade val="50000"/>
+            </a:schemeClr>
+          </a:lnRef>
+          <a:fillRef idx="1">
+            <a:schemeClr val="accent1"/>
+          </a:fillRef>
+          <a:effectRef idx="0">
+            <a:schemeClr val="accent1"/>
+          </a:effectRef>
+          <a:fontRef idx="minor">
+            <a:schemeClr val="lt1"/>
+          </a:fontRef>
+        </p:style>
+        <p:txBody>
+          <a:bodyPr rtlCol="0" anchor="ctr"/>
+          <a:lstStyle/>
+          <a:p>
+            <a:pPr algn="ctr"/>
+            <a:endParaRPr lang="en-US" sz="1800"/>
+          </a:p>
+        </p:txBody>
+      </p:sp>
+      <p:sp>
+        <p:nvSpPr>
+          <p:cNvPr id="10" name="Rectangle 9"/>
+          <p:cNvSpPr/>
+          <p:nvPr/>
+        </p:nvSpPr>
+        <p:spPr bwMode="gray">
+          <a:xfrm>
+            <a:off x="0" y="0"/>
+            <a:ext cx="3718560" cy="2670048"/>
+          </a:xfrm>
+          <a:prstGeom prst="rect">
+            <a:avLst/>
+          </a:prstGeom>
+          <a:solidFill>
+            <a:schemeClr val="accent2">
+              <a:alpha val="50000"/>
+            </a:schemeClr>
+          </a:solidFill>
+          <a:ln>
+            <a:noFill/>
+          </a:ln>
+        </p:spPr>
+        <p:style>
+          <a:lnRef idx="2">
+            <a:schemeClr val="accent1">
+              <a:shade val="50000"/>
+            </a:schemeClr>
+          </a:lnRef>
+          <a:fillRef idx="1">
+            <a:schemeClr val="accent1"/>
+          </a:fillRef>
+          <a:effectRef idx="0">
+            <a:schemeClr val="accent1"/>
+          </a:effectRef>
+          <a:fontRef idx="minor">
+            <a:schemeClr val="lt1"/>
+          </a:fontRef>
+        </p:style>
+        <p:txBody>
+          <a:bodyPr rtlCol="0" anchor="ctr"/>
+          <a:lstStyle/>
+          <a:p>
+            <a:pPr algn="ctr"/>
+            <a:endParaRPr lang="en-US" sz="1800"/>
+          </a:p>
+        </p:txBody>
+      </p:sp>
+      <p:sp>
+        <p:nvSpPr>
+          <p:cNvPr id="11" name="Title 10"/>
+          <p:cNvSpPr>
+            <a:spLocks noGrp="1"/>
+          </p:cNvSpPr>
+          <p:nvPr>
+            <p:ph type="title"/>
+          </p:nvPr>
+        </p:nvSpPr>
+        <p:spPr>
+          <a:xfrm>
+            <a:off x="609600" y="3813048"/>
+            <a:ext cx="10363200" cy="1143000"/>
+          </a:xfrm>
+        </p:spPr>
+        <p:txBody>
+          <a:bodyPr vert="horz" lIns="91440" tIns="45720" rIns="91440" bIns="45720" rtlCol="0" anchor="ctr">
+            <a:normAutofit/>
+          </a:bodyPr>
+          <a:lstStyle>
+            <a:lvl1pPr algn="r" defTabSz="914400" rtl="0" eaLnBrk="1" latinLnBrk="0" hangingPunct="1">
+              <a:spcBef>
+                <a:spcPct val="0"/>
+              </a:spcBef>
+              <a:buNone/>
+              <a:defRPr lang="en-US" sz="4400" kern="1200" smtClean="0">
+                <a:solidFill>
+                  <a:schemeClr val="tx2"/>
+                </a:solidFill>
+                <a:latin typeface="+mj-lt"/>
+                <a:ea typeface="+mj-ea"/>
+                <a:cs typeface="+mj-cs"/>
+              </a:defRPr>
+            </a:lvl1pPr>
+          </a:lstStyle>
+          <a:p>
+            <a:r>
+              <a:rPr lang="ko-KR" altLang="en-US"/>
+              <a:t>마스터 제목 스타일 편집</a:t>
+            </a:r>
+            <a:endParaRPr lang="en-US"/>
+          </a:p>
+        </p:txBody>
+      </p:sp>
     </p:spTree>
     <p:extLst>
       <p:ext uri="{BB962C8B-B14F-4D97-AF65-F5344CB8AC3E}">
-        <p14:creationId xmlns:p14="http://schemas.microsoft.com/office/powerpoint/2010/main" val="2936818853"/>
+        <p14:creationId xmlns:p14="http://schemas.microsoft.com/office/powerpoint/2010/main" val="3076792474"/>
       </p:ext>
     </p:extLst>
   </p:cSld>
@@ -1225,13 +1796,7 @@
       </p:grpSpPr>
       <p:sp>
         <p:nvSpPr>
-          <p:cNvPr id="2" name="제목 1">
-            <a:extLst>
-              <a:ext uri="{FF2B5EF4-FFF2-40B4-BE49-F238E27FC236}">
-                <a16:creationId xmlns:a16="http://schemas.microsoft.com/office/drawing/2014/main" id="{F56072F6-353F-E8B0-68ED-8C969C26402F}"/>
-              </a:ext>
-            </a:extLst>
-          </p:cNvPr>
+          <p:cNvPr id="2" name="Title 1"/>
           <p:cNvSpPr>
             <a:spLocks noGrp="1"/>
           </p:cNvSpPr>
@@ -1248,18 +1813,13 @@
               <a:rPr lang="ko-KR" altLang="en-US"/>
               <a:t>마스터 제목 스타일 편집</a:t>
             </a:r>
-          </a:p>
-        </p:txBody>
-      </p:sp>
-      <p:sp>
-        <p:nvSpPr>
-          <p:cNvPr id="3" name="내용 개체 틀 2">
-            <a:extLst>
-              <a:ext uri="{FF2B5EF4-FFF2-40B4-BE49-F238E27FC236}">
-                <a16:creationId xmlns:a16="http://schemas.microsoft.com/office/drawing/2014/main" id="{DBB3D933-4B15-1432-2414-358F9D85420D}"/>
-              </a:ext>
-            </a:extLst>
-          </p:cNvPr>
+            <a:endParaRPr lang="en-US"/>
+          </a:p>
+        </p:txBody>
+      </p:sp>
+      <p:sp>
+        <p:nvSpPr>
+          <p:cNvPr id="3" name="Content Placeholder 2"/>
           <p:cNvSpPr>
             <a:spLocks noGrp="1"/>
           </p:cNvSpPr>
@@ -1269,13 +1829,41 @@
         </p:nvSpPr>
         <p:spPr>
           <a:xfrm>
-            <a:off x="838200" y="1825625"/>
-            <a:ext cx="5181600" cy="4351338"/>
+            <a:off x="609600" y="1678026"/>
+            <a:ext cx="5384800" cy="4525963"/>
           </a:xfrm>
         </p:spPr>
         <p:txBody>
           <a:bodyPr/>
-          <a:lstStyle/>
+          <a:lstStyle>
+            <a:lvl1pPr>
+              <a:defRPr sz="2800"/>
+            </a:lvl1pPr>
+            <a:lvl2pPr>
+              <a:defRPr sz="2400"/>
+            </a:lvl2pPr>
+            <a:lvl3pPr>
+              <a:defRPr sz="2000"/>
+            </a:lvl3pPr>
+            <a:lvl4pPr>
+              <a:defRPr sz="1800"/>
+            </a:lvl4pPr>
+            <a:lvl5pPr>
+              <a:defRPr sz="1800"/>
+            </a:lvl5pPr>
+            <a:lvl6pPr>
+              <a:defRPr sz="1800"/>
+            </a:lvl6pPr>
+            <a:lvl7pPr>
+              <a:defRPr sz="1800"/>
+            </a:lvl7pPr>
+            <a:lvl8pPr>
+              <a:defRPr sz="1800"/>
+            </a:lvl8pPr>
+            <a:lvl9pPr>
+              <a:defRPr sz="1800"/>
+            </a:lvl9pPr>
+          </a:lstStyle>
           <a:p>
             <a:pPr lvl="0"/>
             <a:r>
@@ -1310,18 +1898,13 @@
               <a:rPr lang="ko-KR" altLang="en-US"/>
               <a:t>다섯 번째 수준</a:t>
             </a:r>
-          </a:p>
-        </p:txBody>
-      </p:sp>
-      <p:sp>
-        <p:nvSpPr>
-          <p:cNvPr id="4" name="내용 개체 틀 3">
-            <a:extLst>
-              <a:ext uri="{FF2B5EF4-FFF2-40B4-BE49-F238E27FC236}">
-                <a16:creationId xmlns:a16="http://schemas.microsoft.com/office/drawing/2014/main" id="{79D201E2-BFDD-ECBB-155B-CB257131A1A0}"/>
-              </a:ext>
-            </a:extLst>
-          </p:cNvPr>
+            <a:endParaRPr lang="en-US"/>
+          </a:p>
+        </p:txBody>
+      </p:sp>
+      <p:sp>
+        <p:nvSpPr>
+          <p:cNvPr id="4" name="Content Placeholder 3"/>
           <p:cNvSpPr>
             <a:spLocks noGrp="1"/>
           </p:cNvSpPr>
@@ -1331,13 +1914,41 @@
         </p:nvSpPr>
         <p:spPr>
           <a:xfrm>
-            <a:off x="6172200" y="1825625"/>
-            <a:ext cx="5181600" cy="4351338"/>
+            <a:off x="6197600" y="1678026"/>
+            <a:ext cx="5384800" cy="4525963"/>
           </a:xfrm>
         </p:spPr>
         <p:txBody>
           <a:bodyPr/>
-          <a:lstStyle/>
+          <a:lstStyle>
+            <a:lvl1pPr>
+              <a:defRPr sz="2800"/>
+            </a:lvl1pPr>
+            <a:lvl2pPr>
+              <a:defRPr sz="2400"/>
+            </a:lvl2pPr>
+            <a:lvl3pPr>
+              <a:defRPr sz="2000"/>
+            </a:lvl3pPr>
+            <a:lvl4pPr>
+              <a:defRPr sz="1800"/>
+            </a:lvl4pPr>
+            <a:lvl5pPr>
+              <a:defRPr sz="1800"/>
+            </a:lvl5pPr>
+            <a:lvl6pPr>
+              <a:defRPr sz="1800"/>
+            </a:lvl6pPr>
+            <a:lvl7pPr>
+              <a:defRPr sz="1800"/>
+            </a:lvl7pPr>
+            <a:lvl8pPr>
+              <a:defRPr sz="1800"/>
+            </a:lvl8pPr>
+            <a:lvl9pPr>
+              <a:defRPr sz="1800"/>
+            </a:lvl9pPr>
+          </a:lstStyle>
           <a:p>
             <a:pPr lvl="0"/>
             <a:r>
@@ -1372,18 +1983,13 @@
               <a:rPr lang="ko-KR" altLang="en-US"/>
               <a:t>다섯 번째 수준</a:t>
             </a:r>
-          </a:p>
-        </p:txBody>
-      </p:sp>
-      <p:sp>
-        <p:nvSpPr>
-          <p:cNvPr id="5" name="날짜 개체 틀 4">
-            <a:extLst>
-              <a:ext uri="{FF2B5EF4-FFF2-40B4-BE49-F238E27FC236}">
-                <a16:creationId xmlns:a16="http://schemas.microsoft.com/office/drawing/2014/main" id="{C961A9B0-4BAC-A76B-5781-F86CEAD109A2}"/>
-              </a:ext>
-            </a:extLst>
-          </p:cNvPr>
+            <a:endParaRPr lang="en-US"/>
+          </a:p>
+        </p:txBody>
+      </p:sp>
+      <p:sp>
+        <p:nvSpPr>
+          <p:cNvPr id="5" name="Date Placeholder 4"/>
           <p:cNvSpPr>
             <a:spLocks noGrp="1"/>
           </p:cNvSpPr>
@@ -1406,13 +2012,7 @@
       </p:sp>
       <p:sp>
         <p:nvSpPr>
-          <p:cNvPr id="6" name="바닥글 개체 틀 5">
-            <a:extLst>
-              <a:ext uri="{FF2B5EF4-FFF2-40B4-BE49-F238E27FC236}">
-                <a16:creationId xmlns:a16="http://schemas.microsoft.com/office/drawing/2014/main" id="{040B98CF-F827-E65D-9620-ECB6E363527F}"/>
-              </a:ext>
-            </a:extLst>
-          </p:cNvPr>
+          <p:cNvPr id="6" name="Footer Placeholder 5"/>
           <p:cNvSpPr>
             <a:spLocks noGrp="1"/>
           </p:cNvSpPr>
@@ -1431,13 +2031,7 @@
       </p:sp>
       <p:sp>
         <p:nvSpPr>
-          <p:cNvPr id="7" name="슬라이드 번호 개체 틀 6">
-            <a:extLst>
-              <a:ext uri="{FF2B5EF4-FFF2-40B4-BE49-F238E27FC236}">
-                <a16:creationId xmlns:a16="http://schemas.microsoft.com/office/drawing/2014/main" id="{0C6599A0-1CB4-5213-8A44-D66AB4FFC0E6}"/>
-              </a:ext>
-            </a:extLst>
-          </p:cNvPr>
+          <p:cNvPr id="7" name="Slide Number Placeholder 6"/>
           <p:cNvSpPr>
             <a:spLocks noGrp="1"/>
           </p:cNvSpPr>
@@ -1461,7 +2055,7 @@
     </p:spTree>
     <p:extLst>
       <p:ext uri="{BB962C8B-B14F-4D97-AF65-F5344CB8AC3E}">
-        <p14:creationId xmlns:p14="http://schemas.microsoft.com/office/powerpoint/2010/main" val="1690670508"/>
+        <p14:creationId xmlns:p14="http://schemas.microsoft.com/office/powerpoint/2010/main" val="3312176618"/>
       </p:ext>
     </p:extLst>
   </p:cSld>
@@ -1490,13 +2084,7 @@
       </p:grpSpPr>
       <p:sp>
         <p:nvSpPr>
-          <p:cNvPr id="2" name="제목 1">
-            <a:extLst>
-              <a:ext uri="{FF2B5EF4-FFF2-40B4-BE49-F238E27FC236}">
-                <a16:creationId xmlns:a16="http://schemas.microsoft.com/office/drawing/2014/main" id="{D5DB0BC4-9206-D6DE-296A-E1C59CFEB7EA}"/>
-              </a:ext>
-            </a:extLst>
-          </p:cNvPr>
+          <p:cNvPr id="2" name="Title 1"/>
           <p:cNvSpPr>
             <a:spLocks noGrp="1"/>
           </p:cNvSpPr>
@@ -1504,32 +2092,26 @@
             <p:ph type="title"/>
           </p:nvPr>
         </p:nvSpPr>
-        <p:spPr>
-          <a:xfrm>
-            <a:off x="839788" y="365125"/>
-            <a:ext cx="10515600" cy="1325563"/>
-          </a:xfrm>
-        </p:spPr>
+        <p:spPr/>
         <p:txBody>
           <a:bodyPr/>
-          <a:lstStyle/>
+          <a:lstStyle>
+            <a:lvl1pPr>
+              <a:defRPr/>
+            </a:lvl1pPr>
+          </a:lstStyle>
           <a:p>
             <a:r>
               <a:rPr lang="ko-KR" altLang="en-US"/>
               <a:t>마스터 제목 스타일 편집</a:t>
             </a:r>
-          </a:p>
-        </p:txBody>
-      </p:sp>
-      <p:sp>
-        <p:nvSpPr>
-          <p:cNvPr id="3" name="텍스트 개체 틀 2">
-            <a:extLst>
-              <a:ext uri="{FF2B5EF4-FFF2-40B4-BE49-F238E27FC236}">
-                <a16:creationId xmlns:a16="http://schemas.microsoft.com/office/drawing/2014/main" id="{48D40874-EEDE-0C5C-B4C4-8B69F47DD806}"/>
-              </a:ext>
-            </a:extLst>
-          </p:cNvPr>
+            <a:endParaRPr lang="en-US"/>
+          </a:p>
+        </p:txBody>
+      </p:sp>
+      <p:sp>
+        <p:nvSpPr>
+          <p:cNvPr id="3" name="Text Placeholder 2"/>
           <p:cNvSpPr>
             <a:spLocks noGrp="1"/>
           </p:cNvSpPr>
@@ -1537,18 +2119,45 @@
             <p:ph type="body" idx="1"/>
           </p:nvPr>
         </p:nvSpPr>
-        <p:spPr>
-          <a:xfrm>
-            <a:off x="839788" y="1681163"/>
-            <a:ext cx="5157787" cy="823912"/>
-          </a:xfrm>
-        </p:spPr>
-        <p:txBody>
-          <a:bodyPr anchor="b"/>
+        <p:spPr bwMode="gray">
+          <a:xfrm>
+            <a:off x="609600" y="1627632"/>
+            <a:ext cx="5386917" cy="639762"/>
+          </a:xfrm>
+        </p:spPr>
+        <p:txBody>
+          <a:bodyPr vert="horz" lIns="91440" tIns="45720" rIns="91440" bIns="45720" rtlCol="0" anchor="b">
+            <a:normAutofit/>
+          </a:bodyPr>
           <a:lstStyle>
             <a:lvl1pPr marL="0" indent="0">
               <a:buNone/>
-              <a:defRPr sz="2400" b="1"/>
+              <a:defRPr lang="en-US" sz="2400" b="1" kern="1200" cap="none" spc="0" smtClean="0">
+                <a:ln w="12700">
+                  <a:solidFill>
+                    <a:schemeClr val="tx2">
+                      <a:satMod val="155000"/>
+                    </a:schemeClr>
+                  </a:solidFill>
+                  <a:prstDash val="solid"/>
+                </a:ln>
+                <a:solidFill>
+                  <a:schemeClr val="bg2">
+                    <a:tint val="85000"/>
+                    <a:satMod val="155000"/>
+                  </a:schemeClr>
+                </a:solidFill>
+                <a:effectLst>
+                  <a:outerShdw blurRad="41275" dist="20320" dir="1800000" algn="tl" rotWithShape="0">
+                    <a:srgbClr val="000000">
+                      <a:alpha val="40000"/>
+                    </a:srgbClr>
+                  </a:outerShdw>
+                </a:effectLst>
+                <a:latin typeface="+mn-lt"/>
+                <a:ea typeface="+mn-ea"/>
+                <a:cs typeface="+mn-cs"/>
+              </a:defRPr>
             </a:lvl1pPr>
             <a:lvl2pPr marL="457200" indent="0">
               <a:buNone/>
@@ -1584,46 +2193,78 @@
             </a:lvl9pPr>
           </a:lstStyle>
           <a:p>
+            <a:pPr marL="0" lvl="0" indent="0" algn="l" defTabSz="914400" rtl="0" eaLnBrk="1" latinLnBrk="0" hangingPunct="1">
+              <a:spcBef>
+                <a:spcPct val="20000"/>
+              </a:spcBef>
+              <a:buClr>
+                <a:schemeClr val="accent1"/>
+              </a:buClr>
+              <a:buSzPct val="90000"/>
+              <a:buFont typeface="Wingdings 3" pitchFamily="18" charset="2"/>
+              <a:buNone/>
+            </a:pPr>
+            <a:r>
+              <a:rPr lang="ko-KR" altLang="en-US"/>
+              <a:t>마스터 텍스트 스타일을 편집하려면 클릭</a:t>
+            </a:r>
+          </a:p>
+        </p:txBody>
+      </p:sp>
+      <p:sp>
+        <p:nvSpPr>
+          <p:cNvPr id="4" name="Content Placeholder 3"/>
+          <p:cNvSpPr>
+            <a:spLocks noGrp="1"/>
+          </p:cNvSpPr>
+          <p:nvPr>
+            <p:ph sz="half" idx="2"/>
+          </p:nvPr>
+        </p:nvSpPr>
+        <p:spPr>
+          <a:xfrm>
+            <a:off x="609600" y="2286000"/>
+            <a:ext cx="5386917" cy="3951288"/>
+          </a:xfrm>
+        </p:spPr>
+        <p:txBody>
+          <a:bodyPr/>
+          <a:lstStyle>
+            <a:lvl1pPr>
+              <a:defRPr sz="2400"/>
+            </a:lvl1pPr>
+            <a:lvl2pPr>
+              <a:defRPr sz="2000"/>
+            </a:lvl2pPr>
+            <a:lvl3pPr>
+              <a:defRPr sz="1800"/>
+            </a:lvl3pPr>
+            <a:lvl4pPr>
+              <a:defRPr sz="1600"/>
+            </a:lvl4pPr>
+            <a:lvl5pPr>
+              <a:defRPr sz="1600"/>
+            </a:lvl5pPr>
+            <a:lvl6pPr>
+              <a:defRPr sz="1600"/>
+            </a:lvl6pPr>
+            <a:lvl7pPr>
+              <a:defRPr sz="1600"/>
+            </a:lvl7pPr>
+            <a:lvl8pPr>
+              <a:defRPr sz="1600"/>
+            </a:lvl8pPr>
+            <a:lvl9pPr>
+              <a:defRPr sz="1600"/>
+            </a:lvl9pPr>
+          </a:lstStyle>
+          <a:p>
             <a:pPr lvl="0"/>
             <a:r>
               <a:rPr lang="ko-KR" altLang="en-US"/>
               <a:t>마스터 텍스트 스타일을 편집하려면 클릭</a:t>
             </a:r>
           </a:p>
-        </p:txBody>
-      </p:sp>
-      <p:sp>
-        <p:nvSpPr>
-          <p:cNvPr id="4" name="내용 개체 틀 3">
-            <a:extLst>
-              <a:ext uri="{FF2B5EF4-FFF2-40B4-BE49-F238E27FC236}">
-                <a16:creationId xmlns:a16="http://schemas.microsoft.com/office/drawing/2014/main" id="{A9720197-D0D5-BEAC-8EC1-94C3D023BB75}"/>
-              </a:ext>
-            </a:extLst>
-          </p:cNvPr>
-          <p:cNvSpPr>
-            <a:spLocks noGrp="1"/>
-          </p:cNvSpPr>
-          <p:nvPr>
-            <p:ph sz="half" idx="2"/>
-          </p:nvPr>
-        </p:nvSpPr>
-        <p:spPr>
-          <a:xfrm>
-            <a:off x="839788" y="2505075"/>
-            <a:ext cx="5157787" cy="3684588"/>
-          </a:xfrm>
-        </p:spPr>
-        <p:txBody>
-          <a:bodyPr/>
-          <a:lstStyle/>
-          <a:p>
-            <a:pPr lvl="0"/>
-            <a:r>
-              <a:rPr lang="ko-KR" altLang="en-US"/>
-              <a:t>마스터 텍스트 스타일을 편집하려면 클릭</a:t>
-            </a:r>
-          </a:p>
           <a:p>
             <a:pPr lvl="1"/>
             <a:r>
@@ -1651,18 +2292,13 @@
               <a:rPr lang="ko-KR" altLang="en-US"/>
               <a:t>다섯 번째 수준</a:t>
             </a:r>
-          </a:p>
-        </p:txBody>
-      </p:sp>
-      <p:sp>
-        <p:nvSpPr>
-          <p:cNvPr id="5" name="텍스트 개체 틀 4">
-            <a:extLst>
-              <a:ext uri="{FF2B5EF4-FFF2-40B4-BE49-F238E27FC236}">
-                <a16:creationId xmlns:a16="http://schemas.microsoft.com/office/drawing/2014/main" id="{46A9518C-1577-44AC-52A7-2DCDD244DE85}"/>
-              </a:ext>
-            </a:extLst>
-          </p:cNvPr>
+            <a:endParaRPr lang="en-US"/>
+          </a:p>
+        </p:txBody>
+      </p:sp>
+      <p:sp>
+        <p:nvSpPr>
+          <p:cNvPr id="5" name="Text Placeholder 4"/>
           <p:cNvSpPr>
             <a:spLocks noGrp="1"/>
           </p:cNvSpPr>
@@ -1670,18 +2306,45 @@
             <p:ph type="body" sz="quarter" idx="3"/>
           </p:nvPr>
         </p:nvSpPr>
-        <p:spPr>
-          <a:xfrm>
-            <a:off x="6172200" y="1681163"/>
-            <a:ext cx="5183188" cy="823912"/>
-          </a:xfrm>
-        </p:spPr>
-        <p:txBody>
-          <a:bodyPr anchor="b"/>
+        <p:spPr bwMode="gray">
+          <a:xfrm>
+            <a:off x="6193368" y="1627632"/>
+            <a:ext cx="5389033" cy="639762"/>
+          </a:xfrm>
+        </p:spPr>
+        <p:txBody>
+          <a:bodyPr vert="horz" lIns="91440" tIns="45720" rIns="91440" bIns="45720" rtlCol="0" anchor="b">
+            <a:normAutofit/>
+          </a:bodyPr>
           <a:lstStyle>
             <a:lvl1pPr marL="0" indent="0">
               <a:buNone/>
-              <a:defRPr sz="2400" b="1"/>
+              <a:defRPr lang="en-US" sz="2400" b="1" kern="1200" cap="none" spc="0" smtClean="0">
+                <a:ln w="12700">
+                  <a:solidFill>
+                    <a:schemeClr val="tx2">
+                      <a:satMod val="155000"/>
+                    </a:schemeClr>
+                  </a:solidFill>
+                  <a:prstDash val="solid"/>
+                </a:ln>
+                <a:solidFill>
+                  <a:schemeClr val="bg2">
+                    <a:tint val="85000"/>
+                    <a:satMod val="155000"/>
+                  </a:schemeClr>
+                </a:solidFill>
+                <a:effectLst>
+                  <a:outerShdw blurRad="41275" dist="20320" dir="1800000" algn="tl" rotWithShape="0">
+                    <a:srgbClr val="000000">
+                      <a:alpha val="40000"/>
+                    </a:srgbClr>
+                  </a:outerShdw>
+                </a:effectLst>
+                <a:latin typeface="+mn-lt"/>
+                <a:ea typeface="+mn-ea"/>
+                <a:cs typeface="+mn-cs"/>
+              </a:defRPr>
             </a:lvl1pPr>
             <a:lvl2pPr marL="457200" indent="0">
               <a:buNone/>
@@ -1717,46 +2380,78 @@
             </a:lvl9pPr>
           </a:lstStyle>
           <a:p>
+            <a:pPr marL="0" lvl="0" indent="0" algn="l" defTabSz="914400" rtl="0" eaLnBrk="1" latinLnBrk="0" hangingPunct="1">
+              <a:spcBef>
+                <a:spcPct val="20000"/>
+              </a:spcBef>
+              <a:buClr>
+                <a:schemeClr val="accent1"/>
+              </a:buClr>
+              <a:buSzPct val="90000"/>
+              <a:buFont typeface="Wingdings 3" pitchFamily="18" charset="2"/>
+              <a:buNone/>
+            </a:pPr>
+            <a:r>
+              <a:rPr lang="ko-KR" altLang="en-US"/>
+              <a:t>마스터 텍스트 스타일을 편집하려면 클릭</a:t>
+            </a:r>
+          </a:p>
+        </p:txBody>
+      </p:sp>
+      <p:sp>
+        <p:nvSpPr>
+          <p:cNvPr id="6" name="Content Placeholder 5"/>
+          <p:cNvSpPr>
+            <a:spLocks noGrp="1"/>
+          </p:cNvSpPr>
+          <p:nvPr>
+            <p:ph sz="quarter" idx="4"/>
+          </p:nvPr>
+        </p:nvSpPr>
+        <p:spPr>
+          <a:xfrm>
+            <a:off x="6193368" y="2286000"/>
+            <a:ext cx="5389033" cy="3951288"/>
+          </a:xfrm>
+        </p:spPr>
+        <p:txBody>
+          <a:bodyPr/>
+          <a:lstStyle>
+            <a:lvl1pPr>
+              <a:defRPr sz="2400"/>
+            </a:lvl1pPr>
+            <a:lvl2pPr>
+              <a:defRPr sz="2000"/>
+            </a:lvl2pPr>
+            <a:lvl3pPr>
+              <a:defRPr sz="1800"/>
+            </a:lvl3pPr>
+            <a:lvl4pPr>
+              <a:defRPr sz="1600"/>
+            </a:lvl4pPr>
+            <a:lvl5pPr>
+              <a:defRPr sz="1600"/>
+            </a:lvl5pPr>
+            <a:lvl6pPr>
+              <a:defRPr sz="1600"/>
+            </a:lvl6pPr>
+            <a:lvl7pPr>
+              <a:defRPr sz="1600"/>
+            </a:lvl7pPr>
+            <a:lvl8pPr>
+              <a:defRPr sz="1600"/>
+            </a:lvl8pPr>
+            <a:lvl9pPr>
+              <a:defRPr sz="1600"/>
+            </a:lvl9pPr>
+          </a:lstStyle>
+          <a:p>
             <a:pPr lvl="0"/>
             <a:r>
               <a:rPr lang="ko-KR" altLang="en-US"/>
               <a:t>마스터 텍스트 스타일을 편집하려면 클릭</a:t>
             </a:r>
           </a:p>
-        </p:txBody>
-      </p:sp>
-      <p:sp>
-        <p:nvSpPr>
-          <p:cNvPr id="6" name="내용 개체 틀 5">
-            <a:extLst>
-              <a:ext uri="{FF2B5EF4-FFF2-40B4-BE49-F238E27FC236}">
-                <a16:creationId xmlns:a16="http://schemas.microsoft.com/office/drawing/2014/main" id="{A84D71AE-B5ED-52D3-0706-9370DE196556}"/>
-              </a:ext>
-            </a:extLst>
-          </p:cNvPr>
-          <p:cNvSpPr>
-            <a:spLocks noGrp="1"/>
-          </p:cNvSpPr>
-          <p:nvPr>
-            <p:ph sz="quarter" idx="4"/>
-          </p:nvPr>
-        </p:nvSpPr>
-        <p:spPr>
-          <a:xfrm>
-            <a:off x="6172200" y="2505075"/>
-            <a:ext cx="5183188" cy="3684588"/>
-          </a:xfrm>
-        </p:spPr>
-        <p:txBody>
-          <a:bodyPr/>
-          <a:lstStyle/>
-          <a:p>
-            <a:pPr lvl="0"/>
-            <a:r>
-              <a:rPr lang="ko-KR" altLang="en-US"/>
-              <a:t>마스터 텍스트 스타일을 편집하려면 클릭</a:t>
-            </a:r>
-          </a:p>
           <a:p>
             <a:pPr lvl="1"/>
             <a:r>
@@ -1784,18 +2479,13 @@
               <a:rPr lang="ko-KR" altLang="en-US"/>
               <a:t>다섯 번째 수준</a:t>
             </a:r>
-          </a:p>
-        </p:txBody>
-      </p:sp>
-      <p:sp>
-        <p:nvSpPr>
-          <p:cNvPr id="7" name="날짜 개체 틀 6">
-            <a:extLst>
-              <a:ext uri="{FF2B5EF4-FFF2-40B4-BE49-F238E27FC236}">
-                <a16:creationId xmlns:a16="http://schemas.microsoft.com/office/drawing/2014/main" id="{4F553A52-F363-7DBF-59E9-432439F95F24}"/>
-              </a:ext>
-            </a:extLst>
-          </p:cNvPr>
+            <a:endParaRPr lang="en-US"/>
+          </a:p>
+        </p:txBody>
+      </p:sp>
+      <p:sp>
+        <p:nvSpPr>
+          <p:cNvPr id="7" name="Date Placeholder 6"/>
           <p:cNvSpPr>
             <a:spLocks noGrp="1"/>
           </p:cNvSpPr>
@@ -1818,13 +2508,7 @@
       </p:sp>
       <p:sp>
         <p:nvSpPr>
-          <p:cNvPr id="8" name="바닥글 개체 틀 7">
-            <a:extLst>
-              <a:ext uri="{FF2B5EF4-FFF2-40B4-BE49-F238E27FC236}">
-                <a16:creationId xmlns:a16="http://schemas.microsoft.com/office/drawing/2014/main" id="{976F38A3-A265-659B-B8A4-461188E92ECF}"/>
-              </a:ext>
-            </a:extLst>
-          </p:cNvPr>
+          <p:cNvPr id="8" name="Footer Placeholder 7"/>
           <p:cNvSpPr>
             <a:spLocks noGrp="1"/>
           </p:cNvSpPr>
@@ -1843,13 +2527,7 @@
       </p:sp>
       <p:sp>
         <p:nvSpPr>
-          <p:cNvPr id="9" name="슬라이드 번호 개체 틀 8">
-            <a:extLst>
-              <a:ext uri="{FF2B5EF4-FFF2-40B4-BE49-F238E27FC236}">
-                <a16:creationId xmlns:a16="http://schemas.microsoft.com/office/drawing/2014/main" id="{54F2F12F-F2AD-1866-86A1-C01513F9680C}"/>
-              </a:ext>
-            </a:extLst>
-          </p:cNvPr>
+          <p:cNvPr id="9" name="Slide Number Placeholder 8"/>
           <p:cNvSpPr>
             <a:spLocks noGrp="1"/>
           </p:cNvSpPr>
@@ -1873,7 +2551,7 @@
     </p:spTree>
     <p:extLst>
       <p:ext uri="{BB962C8B-B14F-4D97-AF65-F5344CB8AC3E}">
-        <p14:creationId xmlns:p14="http://schemas.microsoft.com/office/powerpoint/2010/main" val="4094534008"/>
+        <p14:creationId xmlns:p14="http://schemas.microsoft.com/office/powerpoint/2010/main" val="2226797684"/>
       </p:ext>
     </p:extLst>
   </p:cSld>
@@ -1884,7 +2562,7 @@
 </file>
 
 <file path=ppt/slideLayouts/slideLayout6.xml><?xml version="1.0" encoding="utf-8"?>
-<p:sldLayout xmlns:a="http://schemas.openxmlformats.org/drawingml/2006/main" xmlns:r="http://schemas.openxmlformats.org/officeDocument/2006/relationships" xmlns:p="http://schemas.openxmlformats.org/presentationml/2006/main" type="titleOnly" preserve="1">
+<p:sldLayout xmlns:a="http://schemas.openxmlformats.org/drawingml/2006/main" xmlns:r="http://schemas.openxmlformats.org/officeDocument/2006/relationships" xmlns:p="http://schemas.openxmlformats.org/presentationml/2006/main" showMasterSp="0" type="titleOnly" preserve="1">
   <p:cSld name="제목만">
     <p:spTree>
       <p:nvGrpSpPr>
@@ -1902,13 +2580,205 @@
       </p:grpSpPr>
       <p:sp>
         <p:nvSpPr>
-          <p:cNvPr id="2" name="제목 1">
-            <a:extLst>
-              <a:ext uri="{FF2B5EF4-FFF2-40B4-BE49-F238E27FC236}">
-                <a16:creationId xmlns:a16="http://schemas.microsoft.com/office/drawing/2014/main" id="{61B70DC8-E446-73DE-937A-5CA12E576C44}"/>
-              </a:ext>
-            </a:extLst>
-          </p:cNvPr>
+          <p:cNvPr id="6" name="Rectangle 5"/>
+          <p:cNvSpPr/>
+          <p:nvPr/>
+        </p:nvSpPr>
+        <p:spPr>
+          <a:xfrm>
+            <a:off x="0" y="6501384"/>
+            <a:ext cx="12192000" cy="356616"/>
+          </a:xfrm>
+          <a:prstGeom prst="rect">
+            <a:avLst/>
+          </a:prstGeom>
+          <a:solidFill>
+            <a:schemeClr val="accent6">
+              <a:lumMod val="60000"/>
+              <a:lumOff val="40000"/>
+              <a:alpha val="50196"/>
+            </a:schemeClr>
+          </a:solidFill>
+          <a:ln>
+            <a:noFill/>
+          </a:ln>
+        </p:spPr>
+        <p:style>
+          <a:lnRef idx="2">
+            <a:schemeClr val="accent1">
+              <a:shade val="50000"/>
+            </a:schemeClr>
+          </a:lnRef>
+          <a:fillRef idx="1">
+            <a:schemeClr val="accent1"/>
+          </a:fillRef>
+          <a:effectRef idx="0">
+            <a:schemeClr val="accent1"/>
+          </a:effectRef>
+          <a:fontRef idx="minor">
+            <a:schemeClr val="lt1"/>
+          </a:fontRef>
+        </p:style>
+        <p:txBody>
+          <a:bodyPr rtlCol="0" anchor="ctr"/>
+          <a:lstStyle/>
+          <a:p>
+            <a:pPr algn="ctr"/>
+            <a:endParaRPr lang="en-US" sz="1800"/>
+          </a:p>
+        </p:txBody>
+      </p:sp>
+      <p:sp>
+        <p:nvSpPr>
+          <p:cNvPr id="7" name="Rectangle 6"/>
+          <p:cNvSpPr/>
+          <p:nvPr/>
+        </p:nvSpPr>
+        <p:spPr bwMode="gray">
+          <a:xfrm>
+            <a:off x="0" y="0"/>
+            <a:ext cx="12192000" cy="301752"/>
+          </a:xfrm>
+          <a:prstGeom prst="rect">
+            <a:avLst/>
+          </a:prstGeom>
+          <a:solidFill>
+            <a:schemeClr val="accent5">
+              <a:lumMod val="60000"/>
+              <a:lumOff val="40000"/>
+              <a:alpha val="50196"/>
+            </a:schemeClr>
+          </a:solidFill>
+          <a:ln>
+            <a:noFill/>
+          </a:ln>
+        </p:spPr>
+        <p:style>
+          <a:lnRef idx="2">
+            <a:schemeClr val="accent1">
+              <a:shade val="50000"/>
+            </a:schemeClr>
+          </a:lnRef>
+          <a:fillRef idx="1">
+            <a:schemeClr val="accent1"/>
+          </a:fillRef>
+          <a:effectRef idx="0">
+            <a:schemeClr val="accent1"/>
+          </a:effectRef>
+          <a:fontRef idx="minor">
+            <a:schemeClr val="lt1"/>
+          </a:fontRef>
+        </p:style>
+        <p:txBody>
+          <a:bodyPr rtlCol="0" anchor="ctr"/>
+          <a:lstStyle/>
+          <a:p>
+            <a:pPr algn="ctr"/>
+            <a:endParaRPr lang="en-US" sz="1800"/>
+          </a:p>
+        </p:txBody>
+      </p:sp>
+      <p:sp>
+        <p:nvSpPr>
+          <p:cNvPr id="8" name="Rectangle 7"/>
+          <p:cNvSpPr/>
+          <p:nvPr/>
+        </p:nvSpPr>
+        <p:spPr bwMode="gray">
+          <a:xfrm>
+            <a:off x="0" y="0"/>
+            <a:ext cx="3243072" cy="530352"/>
+          </a:xfrm>
+          <a:prstGeom prst="rect">
+            <a:avLst/>
+          </a:prstGeom>
+          <a:solidFill>
+            <a:schemeClr val="accent2">
+              <a:alpha val="50196"/>
+            </a:schemeClr>
+          </a:solidFill>
+          <a:ln>
+            <a:noFill/>
+          </a:ln>
+        </p:spPr>
+        <p:style>
+          <a:lnRef idx="2">
+            <a:schemeClr val="accent1">
+              <a:shade val="50000"/>
+            </a:schemeClr>
+          </a:lnRef>
+          <a:fillRef idx="1">
+            <a:schemeClr val="accent1"/>
+          </a:fillRef>
+          <a:effectRef idx="0">
+            <a:schemeClr val="accent1"/>
+          </a:effectRef>
+          <a:fontRef idx="minor">
+            <a:schemeClr val="lt1"/>
+          </a:fontRef>
+        </p:style>
+        <p:txBody>
+          <a:bodyPr rtlCol="0" anchor="ctr"/>
+          <a:lstStyle/>
+          <a:p>
+            <a:pPr algn="ctr"/>
+            <a:endParaRPr lang="en-US" sz="1800"/>
+          </a:p>
+        </p:txBody>
+      </p:sp>
+      <p:sp>
+        <p:nvSpPr>
+          <p:cNvPr id="9" name="Rectangle 8"/>
+          <p:cNvSpPr/>
+          <p:nvPr/>
+        </p:nvSpPr>
+        <p:spPr bwMode="gray">
+          <a:xfrm>
+            <a:off x="1901952" y="0"/>
+            <a:ext cx="2097024" cy="438912"/>
+          </a:xfrm>
+          <a:prstGeom prst="rect">
+            <a:avLst/>
+          </a:prstGeom>
+          <a:solidFill>
+            <a:schemeClr val="accent6">
+              <a:lumMod val="60000"/>
+              <a:lumOff val="40000"/>
+              <a:alpha val="60000"/>
+            </a:schemeClr>
+          </a:solidFill>
+          <a:ln>
+            <a:noFill/>
+          </a:ln>
+        </p:spPr>
+        <p:style>
+          <a:lnRef idx="2">
+            <a:schemeClr val="accent1">
+              <a:shade val="50000"/>
+            </a:schemeClr>
+          </a:lnRef>
+          <a:fillRef idx="1">
+            <a:schemeClr val="accent1"/>
+          </a:fillRef>
+          <a:effectRef idx="0">
+            <a:schemeClr val="accent1"/>
+          </a:effectRef>
+          <a:fontRef idx="minor">
+            <a:schemeClr val="lt1"/>
+          </a:fontRef>
+        </p:style>
+        <p:txBody>
+          <a:bodyPr rtlCol="0" anchor="ctr"/>
+          <a:lstStyle/>
+          <a:p>
+            <a:pPr algn="ctr"/>
+            <a:endParaRPr lang="en-US" sz="1800"/>
+          </a:p>
+        </p:txBody>
+      </p:sp>
+      <p:sp>
+        <p:nvSpPr>
+          <p:cNvPr id="2" name="Title 1"/>
           <p:cNvSpPr>
             <a:spLocks noGrp="1"/>
           </p:cNvSpPr>
@@ -1918,25 +2788,37 @@
         </p:nvSpPr>
         <p:spPr/>
         <p:txBody>
-          <a:bodyPr/>
-          <a:lstStyle/>
+          <a:bodyPr vert="horz" lIns="91440" tIns="45720" rIns="91440" bIns="45720" rtlCol="0" anchor="ctr">
+            <a:normAutofit/>
+          </a:bodyPr>
+          <a:lstStyle>
+            <a:lvl1pPr algn="ctr" defTabSz="914400" rtl="0" eaLnBrk="1" latinLnBrk="0" hangingPunct="1">
+              <a:spcBef>
+                <a:spcPct val="0"/>
+              </a:spcBef>
+              <a:buNone/>
+              <a:defRPr lang="en-US" sz="4400" kern="1200" smtClean="0">
+                <a:solidFill>
+                  <a:schemeClr val="tx2"/>
+                </a:solidFill>
+                <a:latin typeface="+mj-lt"/>
+                <a:ea typeface="+mj-ea"/>
+                <a:cs typeface="+mj-cs"/>
+              </a:defRPr>
+            </a:lvl1pPr>
+          </a:lstStyle>
           <a:p>
             <a:r>
               <a:rPr lang="ko-KR" altLang="en-US"/>
               <a:t>마스터 제목 스타일 편집</a:t>
             </a:r>
-          </a:p>
-        </p:txBody>
-      </p:sp>
-      <p:sp>
-        <p:nvSpPr>
-          <p:cNvPr id="3" name="날짜 개체 틀 2">
-            <a:extLst>
-              <a:ext uri="{FF2B5EF4-FFF2-40B4-BE49-F238E27FC236}">
-                <a16:creationId xmlns:a16="http://schemas.microsoft.com/office/drawing/2014/main" id="{DE95D2D2-42F3-6257-551A-8072C746A14D}"/>
-              </a:ext>
-            </a:extLst>
-          </p:cNvPr>
+            <a:endParaRPr lang="en-US"/>
+          </a:p>
+        </p:txBody>
+      </p:sp>
+      <p:sp>
+        <p:nvSpPr>
+          <p:cNvPr id="3" name="Date Placeholder 2"/>
           <p:cNvSpPr>
             <a:spLocks noGrp="1"/>
           </p:cNvSpPr>
@@ -1959,13 +2841,7 @@
       </p:sp>
       <p:sp>
         <p:nvSpPr>
-          <p:cNvPr id="4" name="바닥글 개체 틀 3">
-            <a:extLst>
-              <a:ext uri="{FF2B5EF4-FFF2-40B4-BE49-F238E27FC236}">
-                <a16:creationId xmlns:a16="http://schemas.microsoft.com/office/drawing/2014/main" id="{35895BB8-C71A-DB0B-EC3F-853038D4216B}"/>
-              </a:ext>
-            </a:extLst>
-          </p:cNvPr>
+          <p:cNvPr id="4" name="Footer Placeholder 3"/>
           <p:cNvSpPr>
             <a:spLocks noGrp="1"/>
           </p:cNvSpPr>
@@ -1984,13 +2860,7 @@
       </p:sp>
       <p:sp>
         <p:nvSpPr>
-          <p:cNvPr id="5" name="슬라이드 번호 개체 틀 4">
-            <a:extLst>
-              <a:ext uri="{FF2B5EF4-FFF2-40B4-BE49-F238E27FC236}">
-                <a16:creationId xmlns:a16="http://schemas.microsoft.com/office/drawing/2014/main" id="{251BAE68-071E-A35F-B2EE-E997B3E88097}"/>
-              </a:ext>
-            </a:extLst>
-          </p:cNvPr>
+          <p:cNvPr id="5" name="Slide Number Placeholder 4"/>
           <p:cNvSpPr>
             <a:spLocks noGrp="1"/>
           </p:cNvSpPr>
@@ -2014,7 +2884,7 @@
     </p:spTree>
     <p:extLst>
       <p:ext uri="{BB962C8B-B14F-4D97-AF65-F5344CB8AC3E}">
-        <p14:creationId xmlns:p14="http://schemas.microsoft.com/office/powerpoint/2010/main" val="740363033"/>
+        <p14:creationId xmlns:p14="http://schemas.microsoft.com/office/powerpoint/2010/main" val="2595681009"/>
       </p:ext>
     </p:extLst>
   </p:cSld>
@@ -2025,7 +2895,7 @@
 </file>
 
 <file path=ppt/slideLayouts/slideLayout7.xml><?xml version="1.0" encoding="utf-8"?>
-<p:sldLayout xmlns:a="http://schemas.openxmlformats.org/drawingml/2006/main" xmlns:r="http://schemas.openxmlformats.org/officeDocument/2006/relationships" xmlns:p="http://schemas.openxmlformats.org/presentationml/2006/main" type="blank" preserve="1">
+<p:sldLayout xmlns:a="http://schemas.openxmlformats.org/drawingml/2006/main" xmlns:r="http://schemas.openxmlformats.org/officeDocument/2006/relationships" xmlns:p="http://schemas.openxmlformats.org/presentationml/2006/main" showMasterSp="0" type="blank" preserve="1">
   <p:cSld name="빈 화면">
     <p:spTree>
       <p:nvGrpSpPr>
@@ -2043,13 +2913,301 @@
       </p:grpSpPr>
       <p:sp>
         <p:nvSpPr>
-          <p:cNvPr id="2" name="날짜 개체 틀 1">
-            <a:extLst>
-              <a:ext uri="{FF2B5EF4-FFF2-40B4-BE49-F238E27FC236}">
-                <a16:creationId xmlns:a16="http://schemas.microsoft.com/office/drawing/2014/main" id="{F63C50D9-6C0B-8CCB-B6E5-3B1AF1230934}"/>
-              </a:ext>
-            </a:extLst>
-          </p:cNvPr>
+          <p:cNvPr id="11" name="Rectangle 10"/>
+          <p:cNvSpPr/>
+          <p:nvPr/>
+        </p:nvSpPr>
+        <p:spPr bwMode="gray">
+          <a:xfrm>
+            <a:off x="0" y="6501384"/>
+            <a:ext cx="12192000" cy="356616"/>
+          </a:xfrm>
+          <a:prstGeom prst="rect">
+            <a:avLst/>
+          </a:prstGeom>
+          <a:solidFill>
+            <a:schemeClr val="accent6">
+              <a:lumMod val="60000"/>
+              <a:lumOff val="40000"/>
+              <a:alpha val="50196"/>
+            </a:schemeClr>
+          </a:solidFill>
+          <a:ln>
+            <a:noFill/>
+          </a:ln>
+        </p:spPr>
+        <p:style>
+          <a:lnRef idx="2">
+            <a:schemeClr val="accent1">
+              <a:shade val="50000"/>
+            </a:schemeClr>
+          </a:lnRef>
+          <a:fillRef idx="1">
+            <a:schemeClr val="accent1"/>
+          </a:fillRef>
+          <a:effectRef idx="0">
+            <a:schemeClr val="accent1"/>
+          </a:effectRef>
+          <a:fontRef idx="minor">
+            <a:schemeClr val="lt1"/>
+          </a:fontRef>
+        </p:style>
+        <p:txBody>
+          <a:bodyPr rtlCol="0" anchor="ctr"/>
+          <a:lstStyle/>
+          <a:p>
+            <a:pPr algn="ctr"/>
+            <a:endParaRPr lang="en-US" sz="1800"/>
+          </a:p>
+        </p:txBody>
+      </p:sp>
+      <p:sp>
+        <p:nvSpPr>
+          <p:cNvPr id="12" name="Rectangle 11"/>
+          <p:cNvSpPr/>
+          <p:nvPr/>
+        </p:nvSpPr>
+        <p:spPr bwMode="gray">
+          <a:xfrm>
+            <a:off x="0" y="0"/>
+            <a:ext cx="12192000" cy="301752"/>
+          </a:xfrm>
+          <a:prstGeom prst="rect">
+            <a:avLst/>
+          </a:prstGeom>
+          <a:solidFill>
+            <a:schemeClr val="accent5">
+              <a:lumMod val="60000"/>
+              <a:lumOff val="40000"/>
+              <a:alpha val="50196"/>
+            </a:schemeClr>
+          </a:solidFill>
+          <a:ln>
+            <a:noFill/>
+          </a:ln>
+        </p:spPr>
+        <p:style>
+          <a:lnRef idx="2">
+            <a:schemeClr val="accent1">
+              <a:shade val="50000"/>
+            </a:schemeClr>
+          </a:lnRef>
+          <a:fillRef idx="1">
+            <a:schemeClr val="accent1"/>
+          </a:fillRef>
+          <a:effectRef idx="0">
+            <a:schemeClr val="accent1"/>
+          </a:effectRef>
+          <a:fontRef idx="minor">
+            <a:schemeClr val="lt1"/>
+          </a:fontRef>
+        </p:style>
+        <p:txBody>
+          <a:bodyPr rtlCol="0" anchor="ctr"/>
+          <a:lstStyle/>
+          <a:p>
+            <a:pPr algn="ctr"/>
+            <a:endParaRPr lang="en-US" sz="1800"/>
+          </a:p>
+        </p:txBody>
+      </p:sp>
+      <p:sp>
+        <p:nvSpPr>
+          <p:cNvPr id="13" name="Rectangle 12"/>
+          <p:cNvSpPr/>
+          <p:nvPr/>
+        </p:nvSpPr>
+        <p:spPr bwMode="gray">
+          <a:xfrm>
+            <a:off x="0" y="0"/>
+            <a:ext cx="402336" cy="6858000"/>
+          </a:xfrm>
+          <a:prstGeom prst="rect">
+            <a:avLst/>
+          </a:prstGeom>
+          <a:solidFill>
+            <a:srgbClr val="9BBB59">
+              <a:alpha val="20000"/>
+            </a:srgbClr>
+          </a:solidFill>
+          <a:ln>
+            <a:noFill/>
+          </a:ln>
+        </p:spPr>
+        <p:style>
+          <a:lnRef idx="2">
+            <a:schemeClr val="accent1">
+              <a:shade val="50000"/>
+            </a:schemeClr>
+          </a:lnRef>
+          <a:fillRef idx="1">
+            <a:schemeClr val="accent1"/>
+          </a:fillRef>
+          <a:effectRef idx="0">
+            <a:schemeClr val="accent1"/>
+          </a:effectRef>
+          <a:fontRef idx="minor">
+            <a:schemeClr val="lt1"/>
+          </a:fontRef>
+        </p:style>
+        <p:txBody>
+          <a:bodyPr rtlCol="0" anchor="ctr"/>
+          <a:lstStyle/>
+          <a:p>
+            <a:pPr algn="ctr"/>
+            <a:endParaRPr lang="en-US" sz="1800"/>
+          </a:p>
+        </p:txBody>
+      </p:sp>
+      <p:sp>
+        <p:nvSpPr>
+          <p:cNvPr id="14" name="Rectangle 13"/>
+          <p:cNvSpPr/>
+          <p:nvPr/>
+        </p:nvSpPr>
+        <p:spPr bwMode="gray">
+          <a:xfrm>
+            <a:off x="0" y="0"/>
+            <a:ext cx="3243072" cy="530352"/>
+          </a:xfrm>
+          <a:prstGeom prst="rect">
+            <a:avLst/>
+          </a:prstGeom>
+          <a:solidFill>
+            <a:schemeClr val="accent2">
+              <a:alpha val="50196"/>
+            </a:schemeClr>
+          </a:solidFill>
+          <a:ln>
+            <a:noFill/>
+          </a:ln>
+        </p:spPr>
+        <p:style>
+          <a:lnRef idx="2">
+            <a:schemeClr val="accent1">
+              <a:shade val="50000"/>
+            </a:schemeClr>
+          </a:lnRef>
+          <a:fillRef idx="1">
+            <a:schemeClr val="accent1"/>
+          </a:fillRef>
+          <a:effectRef idx="0">
+            <a:schemeClr val="accent1"/>
+          </a:effectRef>
+          <a:fontRef idx="minor">
+            <a:schemeClr val="lt1"/>
+          </a:fontRef>
+        </p:style>
+        <p:txBody>
+          <a:bodyPr rtlCol="0" anchor="ctr"/>
+          <a:lstStyle/>
+          <a:p>
+            <a:pPr algn="ctr"/>
+            <a:endParaRPr lang="en-US" sz="1800"/>
+          </a:p>
+        </p:txBody>
+      </p:sp>
+      <p:sp>
+        <p:nvSpPr>
+          <p:cNvPr id="15" name="Rectangle 14"/>
+          <p:cNvSpPr/>
+          <p:nvPr/>
+        </p:nvSpPr>
+        <p:spPr bwMode="gray">
+          <a:xfrm>
+            <a:off x="1901952" y="0"/>
+            <a:ext cx="2097024" cy="438912"/>
+          </a:xfrm>
+          <a:prstGeom prst="rect">
+            <a:avLst/>
+          </a:prstGeom>
+          <a:solidFill>
+            <a:schemeClr val="accent6">
+              <a:lumMod val="60000"/>
+              <a:lumOff val="40000"/>
+              <a:alpha val="60000"/>
+            </a:schemeClr>
+          </a:solidFill>
+          <a:ln>
+            <a:noFill/>
+          </a:ln>
+        </p:spPr>
+        <p:style>
+          <a:lnRef idx="2">
+            <a:schemeClr val="accent1">
+              <a:shade val="50000"/>
+            </a:schemeClr>
+          </a:lnRef>
+          <a:fillRef idx="1">
+            <a:schemeClr val="accent1"/>
+          </a:fillRef>
+          <a:effectRef idx="0">
+            <a:schemeClr val="accent1"/>
+          </a:effectRef>
+          <a:fontRef idx="minor">
+            <a:schemeClr val="lt1"/>
+          </a:fontRef>
+        </p:style>
+        <p:txBody>
+          <a:bodyPr rtlCol="0" anchor="ctr"/>
+          <a:lstStyle/>
+          <a:p>
+            <a:pPr algn="ctr"/>
+            <a:endParaRPr lang="en-US" sz="1800"/>
+          </a:p>
+        </p:txBody>
+      </p:sp>
+      <p:sp>
+        <p:nvSpPr>
+          <p:cNvPr id="16" name="Rectangle 15"/>
+          <p:cNvSpPr/>
+          <p:nvPr/>
+        </p:nvSpPr>
+        <p:spPr bwMode="gray">
+          <a:xfrm>
+            <a:off x="11789664" y="0"/>
+            <a:ext cx="402336" cy="6858000"/>
+          </a:xfrm>
+          <a:prstGeom prst="rect">
+            <a:avLst/>
+          </a:prstGeom>
+          <a:solidFill>
+            <a:srgbClr val="9BBB59">
+              <a:alpha val="20000"/>
+            </a:srgbClr>
+          </a:solidFill>
+          <a:ln>
+            <a:noFill/>
+          </a:ln>
+        </p:spPr>
+        <p:style>
+          <a:lnRef idx="2">
+            <a:schemeClr val="accent1">
+              <a:shade val="50000"/>
+            </a:schemeClr>
+          </a:lnRef>
+          <a:fillRef idx="1">
+            <a:schemeClr val="accent1"/>
+          </a:fillRef>
+          <a:effectRef idx="0">
+            <a:schemeClr val="accent1"/>
+          </a:effectRef>
+          <a:fontRef idx="minor">
+            <a:schemeClr val="lt1"/>
+          </a:fontRef>
+        </p:style>
+        <p:txBody>
+          <a:bodyPr rtlCol="0" anchor="ctr"/>
+          <a:lstStyle/>
+          <a:p>
+            <a:pPr algn="ctr"/>
+            <a:endParaRPr lang="en-US" sz="1800"/>
+          </a:p>
+        </p:txBody>
+      </p:sp>
+      <p:sp>
+        <p:nvSpPr>
+          <p:cNvPr id="2" name="Date Placeholder 1"/>
           <p:cNvSpPr>
             <a:spLocks noGrp="1"/>
           </p:cNvSpPr>
@@ -2072,13 +3230,7 @@
       </p:sp>
       <p:sp>
         <p:nvSpPr>
-          <p:cNvPr id="3" name="바닥글 개체 틀 2">
-            <a:extLst>
-              <a:ext uri="{FF2B5EF4-FFF2-40B4-BE49-F238E27FC236}">
-                <a16:creationId xmlns:a16="http://schemas.microsoft.com/office/drawing/2014/main" id="{2C9E70AD-5408-A4B7-D16D-83A80FF78F06}"/>
-              </a:ext>
-            </a:extLst>
-          </p:cNvPr>
+          <p:cNvPr id="3" name="Footer Placeholder 2"/>
           <p:cNvSpPr>
             <a:spLocks noGrp="1"/>
           </p:cNvSpPr>
@@ -2097,13 +3249,7 @@
       </p:sp>
       <p:sp>
         <p:nvSpPr>
-          <p:cNvPr id="4" name="슬라이드 번호 개체 틀 3">
-            <a:extLst>
-              <a:ext uri="{FF2B5EF4-FFF2-40B4-BE49-F238E27FC236}">
-                <a16:creationId xmlns:a16="http://schemas.microsoft.com/office/drawing/2014/main" id="{1128E24D-96B6-08FA-8455-D394D63A35A3}"/>
-              </a:ext>
-            </a:extLst>
-          </p:cNvPr>
+          <p:cNvPr id="4" name="Slide Number Placeholder 3"/>
           <p:cNvSpPr>
             <a:spLocks noGrp="1"/>
           </p:cNvSpPr>
@@ -2127,7 +3273,7 @@
     </p:spTree>
     <p:extLst>
       <p:ext uri="{BB962C8B-B14F-4D97-AF65-F5344CB8AC3E}">
-        <p14:creationId xmlns:p14="http://schemas.microsoft.com/office/powerpoint/2010/main" val="965735513"/>
+        <p14:creationId xmlns:p14="http://schemas.microsoft.com/office/powerpoint/2010/main" val="2992080678"/>
       </p:ext>
     </p:extLst>
   </p:cSld>
@@ -2138,7 +3284,7 @@
 </file>
 
 <file path=ppt/slideLayouts/slideLayout8.xml><?xml version="1.0" encoding="utf-8"?>
-<p:sldLayout xmlns:a="http://schemas.openxmlformats.org/drawingml/2006/main" xmlns:r="http://schemas.openxmlformats.org/officeDocument/2006/relationships" xmlns:p="http://schemas.openxmlformats.org/presentationml/2006/main" type="objTx" preserve="1">
+<p:sldLayout xmlns:a="http://schemas.openxmlformats.org/drawingml/2006/main" xmlns:r="http://schemas.openxmlformats.org/officeDocument/2006/relationships" xmlns:p="http://schemas.openxmlformats.org/presentationml/2006/main" preserve="1">
   <p:cSld name="캡션 있는 콘텐츠">
     <p:spTree>
       <p:nvGrpSpPr>
@@ -2156,13 +3302,7 @@
       </p:grpSpPr>
       <p:sp>
         <p:nvSpPr>
-          <p:cNvPr id="2" name="제목 1">
-            <a:extLst>
-              <a:ext uri="{FF2B5EF4-FFF2-40B4-BE49-F238E27FC236}">
-                <a16:creationId xmlns:a16="http://schemas.microsoft.com/office/drawing/2014/main" id="{8939A92E-A2C9-4D81-DCDC-51CD9011FB74}"/>
-              </a:ext>
-            </a:extLst>
-          </p:cNvPr>
+          <p:cNvPr id="2" name="Title 1"/>
           <p:cNvSpPr>
             <a:spLocks noGrp="1"/>
           </p:cNvSpPr>
@@ -2172,15 +3312,28 @@
         </p:nvSpPr>
         <p:spPr>
           <a:xfrm>
-            <a:off x="839788" y="457200"/>
-            <a:ext cx="3932237" cy="1600200"/>
-          </a:xfrm>
-        </p:spPr>
-        <p:txBody>
-          <a:bodyPr anchor="b"/>
+            <a:off x="609599" y="548640"/>
+            <a:ext cx="10265664" cy="932688"/>
+          </a:xfrm>
+        </p:spPr>
+        <p:txBody>
+          <a:bodyPr vert="horz" lIns="91440" tIns="45720" rIns="91440" bIns="45720" rtlCol="0" anchor="ctr">
+            <a:normAutofit/>
+          </a:bodyPr>
           <a:lstStyle>
-            <a:lvl1pPr>
-              <a:defRPr sz="3200"/>
+            <a:lvl1pPr algn="l" defTabSz="914400" rtl="0" eaLnBrk="1" latinLnBrk="0" hangingPunct="1">
+              <a:spcBef>
+                <a:spcPct val="0"/>
+              </a:spcBef>
+              <a:buNone/>
+              <a:defRPr lang="en-US" sz="3200" b="1" kern="1200" smtClean="0">
+                <a:solidFill>
+                  <a:schemeClr val="tx2"/>
+                </a:solidFill>
+                <a:latin typeface="+mj-lt"/>
+                <a:ea typeface="+mj-ea"/>
+                <a:cs typeface="+mj-cs"/>
+              </a:defRPr>
             </a:lvl1pPr>
           </a:lstStyle>
           <a:p>
@@ -2188,179 +3341,97 @@
               <a:rPr lang="ko-KR" altLang="en-US"/>
               <a:t>마스터 제목 스타일 편집</a:t>
             </a:r>
-          </a:p>
-        </p:txBody>
-      </p:sp>
-      <p:sp>
-        <p:nvSpPr>
-          <p:cNvPr id="3" name="내용 개체 틀 2">
-            <a:extLst>
-              <a:ext uri="{FF2B5EF4-FFF2-40B4-BE49-F238E27FC236}">
-                <a16:creationId xmlns:a16="http://schemas.microsoft.com/office/drawing/2014/main" id="{7961B7B8-7C35-2893-3D97-629D4B3502AC}"/>
-              </a:ext>
-            </a:extLst>
-          </p:cNvPr>
-          <p:cNvSpPr>
-            <a:spLocks noGrp="1"/>
-          </p:cNvSpPr>
-          <p:nvPr>
-            <p:ph idx="1"/>
+            <a:endParaRPr lang="en-US"/>
+          </a:p>
+        </p:txBody>
+      </p:sp>
+      <p:sp>
+        <p:nvSpPr>
+          <p:cNvPr id="4" name="Text Placeholder 3"/>
+          <p:cNvSpPr>
+            <a:spLocks noGrp="1"/>
+          </p:cNvSpPr>
+          <p:nvPr>
+            <p:ph type="body" sz="half" idx="2"/>
           </p:nvPr>
         </p:nvSpPr>
         <p:spPr>
           <a:xfrm>
-            <a:off x="5183188" y="987425"/>
-            <a:ext cx="6172200" cy="4873625"/>
-          </a:xfrm>
-        </p:spPr>
-        <p:txBody>
-          <a:bodyPr/>
+            <a:off x="7107936" y="1645920"/>
+            <a:ext cx="3755136" cy="4480560"/>
+          </a:xfrm>
+        </p:spPr>
+        <p:txBody>
+          <a:bodyPr vert="horz" lIns="91440" tIns="45720" rIns="91440" bIns="45720" rtlCol="0">
+            <a:normAutofit/>
+          </a:bodyPr>
           <a:lstStyle>
-            <a:lvl1pPr>
-              <a:defRPr sz="3200"/>
+            <a:lvl1pPr marL="0" indent="0">
+              <a:buNone/>
+              <a:defRPr lang="en-US" sz="1400" kern="1200" smtClean="0">
+                <a:solidFill>
+                  <a:schemeClr val="tx1"/>
+                </a:solidFill>
+                <a:latin typeface="+mn-lt"/>
+                <a:ea typeface="+mn-ea"/>
+                <a:cs typeface="+mn-cs"/>
+              </a:defRPr>
             </a:lvl1pPr>
-            <a:lvl2pPr>
-              <a:defRPr sz="2800"/>
+            <a:lvl2pPr marL="457200" indent="0">
+              <a:buNone/>
+              <a:defRPr sz="1200"/>
             </a:lvl2pPr>
-            <a:lvl3pPr>
-              <a:defRPr sz="2400"/>
+            <a:lvl3pPr marL="914400" indent="0">
+              <a:buNone/>
+              <a:defRPr sz="1000"/>
             </a:lvl3pPr>
-            <a:lvl4pPr>
-              <a:defRPr sz="2000"/>
+            <a:lvl4pPr marL="1371600" indent="0">
+              <a:buNone/>
+              <a:defRPr sz="900"/>
             </a:lvl4pPr>
-            <a:lvl5pPr>
-              <a:defRPr sz="2000"/>
+            <a:lvl5pPr marL="1828800" indent="0">
+              <a:buNone/>
+              <a:defRPr sz="900"/>
             </a:lvl5pPr>
-            <a:lvl6pPr>
-              <a:defRPr sz="2000"/>
+            <a:lvl6pPr marL="2286000" indent="0">
+              <a:buNone/>
+              <a:defRPr sz="900"/>
             </a:lvl6pPr>
-            <a:lvl7pPr>
-              <a:defRPr sz="2000"/>
+            <a:lvl7pPr marL="2743200" indent="0">
+              <a:buNone/>
+              <a:defRPr sz="900"/>
             </a:lvl7pPr>
-            <a:lvl8pPr>
-              <a:defRPr sz="2000"/>
+            <a:lvl8pPr marL="3200400" indent="0">
+              <a:buNone/>
+              <a:defRPr sz="900"/>
             </a:lvl8pPr>
-            <a:lvl9pPr>
-              <a:defRPr sz="2000"/>
+            <a:lvl9pPr marL="3657600" indent="0">
+              <a:buNone/>
+              <a:defRPr sz="900"/>
             </a:lvl9pPr>
           </a:lstStyle>
           <a:p>
-            <a:pPr lvl="0"/>
+            <a:pPr marL="0" lvl="0" indent="0" algn="l" defTabSz="914400" rtl="0" eaLnBrk="1" latinLnBrk="0" hangingPunct="1">
+              <a:spcBef>
+                <a:spcPct val="20000"/>
+              </a:spcBef>
+              <a:buClr>
+                <a:schemeClr val="accent1"/>
+              </a:buClr>
+              <a:buSzPct val="90000"/>
+              <a:buFont typeface="Wingdings 3" pitchFamily="18" charset="2"/>
+              <a:buNone/>
+            </a:pPr>
             <a:r>
               <a:rPr lang="ko-KR" altLang="en-US"/>
               <a:t>마스터 텍스트 스타일을 편집하려면 클릭</a:t>
             </a:r>
           </a:p>
-          <a:p>
-            <a:pPr lvl="1"/>
-            <a:r>
-              <a:rPr lang="ko-KR" altLang="en-US"/>
-              <a:t>두 번째 수준</a:t>
-            </a:r>
-          </a:p>
-          <a:p>
-            <a:pPr lvl="2"/>
-            <a:r>
-              <a:rPr lang="ko-KR" altLang="en-US"/>
-              <a:t>세 번째 수준</a:t>
-            </a:r>
-          </a:p>
-          <a:p>
-            <a:pPr lvl="3"/>
-            <a:r>
-              <a:rPr lang="ko-KR" altLang="en-US"/>
-              <a:t>네 번째 수준</a:t>
-            </a:r>
-          </a:p>
-          <a:p>
-            <a:pPr lvl="4"/>
-            <a:r>
-              <a:rPr lang="ko-KR" altLang="en-US"/>
-              <a:t>다섯 번째 수준</a:t>
-            </a:r>
-          </a:p>
-        </p:txBody>
-      </p:sp>
-      <p:sp>
-        <p:nvSpPr>
-          <p:cNvPr id="4" name="텍스트 개체 틀 3">
-            <a:extLst>
-              <a:ext uri="{FF2B5EF4-FFF2-40B4-BE49-F238E27FC236}">
-                <a16:creationId xmlns:a16="http://schemas.microsoft.com/office/drawing/2014/main" id="{D473B1C4-93EA-6A82-BB60-BE68094E1425}"/>
-              </a:ext>
-            </a:extLst>
-          </p:cNvPr>
-          <p:cNvSpPr>
-            <a:spLocks noGrp="1"/>
-          </p:cNvSpPr>
-          <p:nvPr>
-            <p:ph type="body" sz="half" idx="2"/>
-          </p:nvPr>
-        </p:nvSpPr>
-        <p:spPr>
-          <a:xfrm>
-            <a:off x="839788" y="2057400"/>
-            <a:ext cx="3932237" cy="3811588"/>
-          </a:xfrm>
-        </p:spPr>
-        <p:txBody>
-          <a:bodyPr/>
-          <a:lstStyle>
-            <a:lvl1pPr marL="0" indent="0">
-              <a:buNone/>
-              <a:defRPr sz="1600"/>
-            </a:lvl1pPr>
-            <a:lvl2pPr marL="457200" indent="0">
-              <a:buNone/>
-              <a:defRPr sz="1400"/>
-            </a:lvl2pPr>
-            <a:lvl3pPr marL="914400" indent="0">
-              <a:buNone/>
-              <a:defRPr sz="1200"/>
-            </a:lvl3pPr>
-            <a:lvl4pPr marL="1371600" indent="0">
-              <a:buNone/>
-              <a:defRPr sz="1000"/>
-            </a:lvl4pPr>
-            <a:lvl5pPr marL="1828800" indent="0">
-              <a:buNone/>
-              <a:defRPr sz="1000"/>
-            </a:lvl5pPr>
-            <a:lvl6pPr marL="2286000" indent="0">
-              <a:buNone/>
-              <a:defRPr sz="1000"/>
-            </a:lvl6pPr>
-            <a:lvl7pPr marL="2743200" indent="0">
-              <a:buNone/>
-              <a:defRPr sz="1000"/>
-            </a:lvl7pPr>
-            <a:lvl8pPr marL="3200400" indent="0">
-              <a:buNone/>
-              <a:defRPr sz="1000"/>
-            </a:lvl8pPr>
-            <a:lvl9pPr marL="3657600" indent="0">
-              <a:buNone/>
-              <a:defRPr sz="1000"/>
-            </a:lvl9pPr>
-          </a:lstStyle>
-          <a:p>
-            <a:pPr lvl="0"/>
-            <a:r>
-              <a:rPr lang="ko-KR" altLang="en-US"/>
-              <a:t>마스터 텍스트 스타일을 편집하려면 클릭</a:t>
-            </a:r>
-          </a:p>
-        </p:txBody>
-      </p:sp>
-      <p:sp>
-        <p:nvSpPr>
-          <p:cNvPr id="5" name="날짜 개체 틀 4">
-            <a:extLst>
-              <a:ext uri="{FF2B5EF4-FFF2-40B4-BE49-F238E27FC236}">
-                <a16:creationId xmlns:a16="http://schemas.microsoft.com/office/drawing/2014/main" id="{009BB029-988D-FF76-3064-6E30CB0BA552}"/>
-              </a:ext>
-            </a:extLst>
-          </p:cNvPr>
+        </p:txBody>
+      </p:sp>
+      <p:sp>
+        <p:nvSpPr>
+          <p:cNvPr id="5" name="Date Placeholder 4"/>
           <p:cNvSpPr>
             <a:spLocks noGrp="1"/>
           </p:cNvSpPr>
@@ -2383,13 +3454,7 @@
       </p:sp>
       <p:sp>
         <p:nvSpPr>
-          <p:cNvPr id="6" name="바닥글 개체 틀 5">
-            <a:extLst>
-              <a:ext uri="{FF2B5EF4-FFF2-40B4-BE49-F238E27FC236}">
-                <a16:creationId xmlns:a16="http://schemas.microsoft.com/office/drawing/2014/main" id="{CB09C147-0A7F-96A2-8608-CC5F977EBBC1}"/>
-              </a:ext>
-            </a:extLst>
-          </p:cNvPr>
+          <p:cNvPr id="6" name="Footer Placeholder 5"/>
           <p:cNvSpPr>
             <a:spLocks noGrp="1"/>
           </p:cNvSpPr>
@@ -2408,13 +3473,7 @@
       </p:sp>
       <p:sp>
         <p:nvSpPr>
-          <p:cNvPr id="7" name="슬라이드 번호 개체 틀 6">
-            <a:extLst>
-              <a:ext uri="{FF2B5EF4-FFF2-40B4-BE49-F238E27FC236}">
-                <a16:creationId xmlns:a16="http://schemas.microsoft.com/office/drawing/2014/main" id="{1DB33386-BCF4-F20D-BB6A-4268897B1127}"/>
-              </a:ext>
-            </a:extLst>
-          </p:cNvPr>
+          <p:cNvPr id="7" name="Slide Number Placeholder 6"/>
           <p:cNvSpPr>
             <a:spLocks noGrp="1"/>
           </p:cNvSpPr>
@@ -2435,10 +3494,67 @@
           </a:p>
         </p:txBody>
       </p:sp>
+      <p:sp>
+        <p:nvSpPr>
+          <p:cNvPr id="9" name="Content Placeholder 8"/>
+          <p:cNvSpPr>
+            <a:spLocks noGrp="1"/>
+          </p:cNvSpPr>
+          <p:nvPr>
+            <p:ph sz="quarter" idx="13"/>
+          </p:nvPr>
+        </p:nvSpPr>
+        <p:spPr>
+          <a:xfrm>
+            <a:off x="609600" y="1645920"/>
+            <a:ext cx="6400800" cy="4480560"/>
+          </a:xfrm>
+        </p:spPr>
+        <p:txBody>
+          <a:bodyPr/>
+          <a:lstStyle/>
+          <a:p>
+            <a:pPr lvl="0"/>
+            <a:r>
+              <a:rPr lang="ko-KR" altLang="en-US"/>
+              <a:t>마스터 텍스트 스타일을 편집하려면 클릭</a:t>
+            </a:r>
+          </a:p>
+          <a:p>
+            <a:pPr lvl="1"/>
+            <a:r>
+              <a:rPr lang="ko-KR" altLang="en-US"/>
+              <a:t>두 번째 수준</a:t>
+            </a:r>
+          </a:p>
+          <a:p>
+            <a:pPr lvl="2"/>
+            <a:r>
+              <a:rPr lang="ko-KR" altLang="en-US"/>
+              <a:t>세 번째 수준</a:t>
+            </a:r>
+          </a:p>
+          <a:p>
+            <a:pPr lvl="3"/>
+            <a:r>
+              <a:rPr lang="ko-KR" altLang="en-US"/>
+              <a:t>네 번째 수준</a:t>
+            </a:r>
+          </a:p>
+          <a:p>
+            <a:pPr lvl="4"/>
+            <a:r>
+              <a:rPr lang="ko-KR" altLang="en-US"/>
+              <a:t>다섯 번째 수준</a:t>
+            </a:r>
+            <a:endParaRPr lang="en-US"/>
+          </a:p>
+        </p:txBody>
+      </p:sp>
     </p:spTree>
     <p:extLst>
       <p:ext uri="{BB962C8B-B14F-4D97-AF65-F5344CB8AC3E}">
-        <p14:creationId xmlns:p14="http://schemas.microsoft.com/office/powerpoint/2010/main" val="134692633"/>
+        <p14:creationId xmlns:p14="http://schemas.microsoft.com/office/powerpoint/2010/main" val="3585238763"/>
       </p:ext>
     </p:extLst>
   </p:cSld>
@@ -2467,13 +3583,7 @@
       </p:grpSpPr>
       <p:sp>
         <p:nvSpPr>
-          <p:cNvPr id="2" name="제목 1">
-            <a:extLst>
-              <a:ext uri="{FF2B5EF4-FFF2-40B4-BE49-F238E27FC236}">
-                <a16:creationId xmlns:a16="http://schemas.microsoft.com/office/drawing/2014/main" id="{21A4755D-8EA3-05DB-978D-BF48615F470B}"/>
-              </a:ext>
-            </a:extLst>
-          </p:cNvPr>
+          <p:cNvPr id="2" name="Title 1"/>
           <p:cNvSpPr>
             <a:spLocks noGrp="1"/>
           </p:cNvSpPr>
@@ -2483,15 +3593,28 @@
         </p:nvSpPr>
         <p:spPr>
           <a:xfrm>
-            <a:off x="839788" y="457200"/>
-            <a:ext cx="3932237" cy="1600200"/>
-          </a:xfrm>
-        </p:spPr>
-        <p:txBody>
-          <a:bodyPr anchor="b"/>
+            <a:off x="2401824" y="658368"/>
+            <a:ext cx="7315200" cy="822960"/>
+          </a:xfrm>
+        </p:spPr>
+        <p:txBody>
+          <a:bodyPr vert="horz" lIns="91440" tIns="45720" rIns="91440" bIns="45720" rtlCol="0" anchor="b">
+            <a:normAutofit/>
+          </a:bodyPr>
           <a:lstStyle>
-            <a:lvl1pPr>
-              <a:defRPr sz="3200"/>
+            <a:lvl1pPr algn="ctr" defTabSz="914400" rtl="0" eaLnBrk="1" latinLnBrk="0" hangingPunct="1">
+              <a:spcBef>
+                <a:spcPct val="0"/>
+              </a:spcBef>
+              <a:buNone/>
+              <a:defRPr lang="en-US" sz="2800" b="1" kern="1200" smtClean="0">
+                <a:solidFill>
+                  <a:schemeClr val="tx2"/>
+                </a:solidFill>
+                <a:latin typeface="+mj-lt"/>
+                <a:ea typeface="+mj-ea"/>
+                <a:cs typeface="+mj-cs"/>
+              </a:defRPr>
             </a:lvl1pPr>
           </a:lstStyle>
           <a:p>
@@ -2499,18 +3622,13 @@
               <a:rPr lang="ko-KR" altLang="en-US"/>
               <a:t>마스터 제목 스타일 편집</a:t>
             </a:r>
-          </a:p>
-        </p:txBody>
-      </p:sp>
-      <p:sp>
-        <p:nvSpPr>
-          <p:cNvPr id="3" name="그림 개체 틀 2">
-            <a:extLst>
-              <a:ext uri="{FF2B5EF4-FFF2-40B4-BE49-F238E27FC236}">
-                <a16:creationId xmlns:a16="http://schemas.microsoft.com/office/drawing/2014/main" id="{3AA9DE7A-83FE-E7AE-2211-865073EF3957}"/>
-              </a:ext>
-            </a:extLst>
-          </p:cNvPr>
+            <a:endParaRPr lang="en-US"/>
+          </a:p>
+        </p:txBody>
+      </p:sp>
+      <p:sp>
+        <p:nvSpPr>
+          <p:cNvPr id="3" name="Picture Placeholder 2"/>
           <p:cNvSpPr>
             <a:spLocks noGrp="1"/>
           </p:cNvSpPr>
@@ -2518,10 +3636,107 @@
             <p:ph type="pic" idx="1"/>
           </p:nvPr>
         </p:nvSpPr>
+        <p:spPr bwMode="gray">
+          <a:xfrm>
+            <a:off x="2389632" y="1618488"/>
+            <a:ext cx="7315200" cy="3639312"/>
+          </a:xfrm>
+          <a:solidFill>
+            <a:srgbClr val="F8F8F8"/>
+          </a:solidFill>
+          <a:ln w="76200" cmpd="sng">
+            <a:solidFill>
+              <a:srgbClr val="FFFFFF"/>
+            </a:solidFill>
+          </a:ln>
+          <a:effectLst>
+            <a:outerShdw blurRad="50800" dist="38100" dir="5400000" algn="t" rotWithShape="0">
+              <a:prstClr val="black">
+                <a:alpha val="40000"/>
+              </a:prstClr>
+            </a:outerShdw>
+          </a:effectLst>
+        </p:spPr>
+        <p:txBody>
+          <a:bodyPr vert="horz" lIns="91440" tIns="45720" rIns="91440" bIns="45720" rtlCol="0">
+            <a:normAutofit/>
+          </a:bodyPr>
+          <a:lstStyle>
+            <a:lvl1pPr marL="0" indent="0" algn="l" defTabSz="914400" rtl="0" eaLnBrk="1" latinLnBrk="0" hangingPunct="1">
+              <a:spcBef>
+                <a:spcPct val="20000"/>
+              </a:spcBef>
+              <a:buClr>
+                <a:schemeClr val="accent1"/>
+              </a:buClr>
+              <a:buSzPct val="90000"/>
+              <a:buFont typeface="Wingdings 3" pitchFamily="18" charset="2"/>
+              <a:buNone/>
+              <a:defRPr lang="en-US" sz="3200" kern="1200" smtClean="0">
+                <a:solidFill>
+                  <a:schemeClr val="tx1"/>
+                </a:solidFill>
+                <a:latin typeface="+mn-lt"/>
+                <a:ea typeface="+mn-ea"/>
+                <a:cs typeface="+mn-cs"/>
+              </a:defRPr>
+            </a:lvl1pPr>
+            <a:lvl2pPr marL="457200" indent="0">
+              <a:buNone/>
+              <a:defRPr sz="2800"/>
+            </a:lvl2pPr>
+            <a:lvl3pPr marL="914400" indent="0">
+              <a:buNone/>
+              <a:defRPr sz="2400"/>
+            </a:lvl3pPr>
+            <a:lvl4pPr marL="1371600" indent="0">
+              <a:buNone/>
+              <a:defRPr sz="2000"/>
+            </a:lvl4pPr>
+            <a:lvl5pPr marL="1828800" indent="0">
+              <a:buNone/>
+              <a:defRPr sz="2000"/>
+            </a:lvl5pPr>
+            <a:lvl6pPr marL="2286000" indent="0">
+              <a:buNone/>
+              <a:defRPr sz="2000"/>
+            </a:lvl6pPr>
+            <a:lvl7pPr marL="2743200" indent="0">
+              <a:buNone/>
+              <a:defRPr sz="2000"/>
+            </a:lvl7pPr>
+            <a:lvl8pPr marL="3200400" indent="0">
+              <a:buNone/>
+              <a:defRPr sz="2000"/>
+            </a:lvl8pPr>
+            <a:lvl9pPr marL="3657600" indent="0">
+              <a:buNone/>
+              <a:defRPr sz="2000"/>
+            </a:lvl9pPr>
+          </a:lstStyle>
+          <a:p>
+            <a:r>
+              <a:rPr lang="ko-KR" altLang="en-US"/>
+              <a:t>그림을 추가하려면 아이콘을 클릭하십시오</a:t>
+            </a:r>
+            <a:endParaRPr lang="en-US"/>
+          </a:p>
+        </p:txBody>
+      </p:sp>
+      <p:sp>
+        <p:nvSpPr>
+          <p:cNvPr id="4" name="Text Placeholder 3"/>
+          <p:cNvSpPr>
+            <a:spLocks noGrp="1"/>
+          </p:cNvSpPr>
+          <p:nvPr>
+            <p:ph type="body" sz="half" idx="2"/>
+          </p:nvPr>
+        </p:nvSpPr>
         <p:spPr>
           <a:xfrm>
-            <a:off x="5183188" y="987425"/>
-            <a:ext cx="6172200" cy="4873625"/>
+            <a:off x="2389632" y="5413248"/>
+            <a:ext cx="7315200" cy="987552"/>
           </a:xfrm>
         </p:spPr>
         <p:txBody>
@@ -2529,109 +3744,42 @@
           <a:lstStyle>
             <a:lvl1pPr marL="0" indent="0">
               <a:buNone/>
-              <a:defRPr sz="3200"/>
+              <a:defRPr sz="1400"/>
             </a:lvl1pPr>
             <a:lvl2pPr marL="457200" indent="0">
               <a:buNone/>
-              <a:defRPr sz="2800"/>
+              <a:defRPr sz="1200"/>
             </a:lvl2pPr>
             <a:lvl3pPr marL="914400" indent="0">
               <a:buNone/>
-              <a:defRPr sz="2400"/>
+              <a:defRPr sz="1000"/>
             </a:lvl3pPr>
             <a:lvl4pPr marL="1371600" indent="0">
               <a:buNone/>
-              <a:defRPr sz="2000"/>
+              <a:defRPr sz="900"/>
             </a:lvl4pPr>
             <a:lvl5pPr marL="1828800" indent="0">
               <a:buNone/>
-              <a:defRPr sz="2000"/>
+              <a:defRPr sz="900"/>
             </a:lvl5pPr>
             <a:lvl6pPr marL="2286000" indent="0">
               <a:buNone/>
-              <a:defRPr sz="2000"/>
+              <a:defRPr sz="900"/>
             </a:lvl6pPr>
             <a:lvl7pPr marL="2743200" indent="0">
               <a:buNone/>
-              <a:defRPr sz="2000"/>
+              <a:defRPr sz="900"/>
             </a:lvl7pPr>
             <a:lvl8pPr marL="3200400" indent="0">
               <a:buNone/>
-              <a:defRPr sz="2000"/>
+              <a:defRPr sz="900"/>
             </a:lvl8pPr>
             <a:lvl9pPr marL="3657600" indent="0">
               <a:buNone/>
-              <a:defRPr sz="2000"/>
+              <a:defRPr sz="900"/>
             </a:lvl9pPr>
           </a:lstStyle>
           <a:p>
-            <a:endParaRPr lang="ko-KR" altLang="en-US"/>
-          </a:p>
-        </p:txBody>
-      </p:sp>
-      <p:sp>
-        <p:nvSpPr>
-          <p:cNvPr id="4" name="텍스트 개체 틀 3">
-            <a:extLst>
-              <a:ext uri="{FF2B5EF4-FFF2-40B4-BE49-F238E27FC236}">
-                <a16:creationId xmlns:a16="http://schemas.microsoft.com/office/drawing/2014/main" id="{CF7044D3-47F1-5D30-9E7F-629F2B0F90B5}"/>
-              </a:ext>
-            </a:extLst>
-          </p:cNvPr>
-          <p:cNvSpPr>
-            <a:spLocks noGrp="1"/>
-          </p:cNvSpPr>
-          <p:nvPr>
-            <p:ph type="body" sz="half" idx="2"/>
-          </p:nvPr>
-        </p:nvSpPr>
-        <p:spPr>
-          <a:xfrm>
-            <a:off x="839788" y="2057400"/>
-            <a:ext cx="3932237" cy="3811588"/>
-          </a:xfrm>
-        </p:spPr>
-        <p:txBody>
-          <a:bodyPr/>
-          <a:lstStyle>
-            <a:lvl1pPr marL="0" indent="0">
-              <a:buNone/>
-              <a:defRPr sz="1600"/>
-            </a:lvl1pPr>
-            <a:lvl2pPr marL="457200" indent="0">
-              <a:buNone/>
-              <a:defRPr sz="1400"/>
-            </a:lvl2pPr>
-            <a:lvl3pPr marL="914400" indent="0">
-              <a:buNone/>
-              <a:defRPr sz="1200"/>
-            </a:lvl3pPr>
-            <a:lvl4pPr marL="1371600" indent="0">
-              <a:buNone/>
-              <a:defRPr sz="1000"/>
-            </a:lvl4pPr>
-            <a:lvl5pPr marL="1828800" indent="0">
-              <a:buNone/>
-              <a:defRPr sz="1000"/>
-            </a:lvl5pPr>
-            <a:lvl6pPr marL="2286000" indent="0">
-              <a:buNone/>
-              <a:defRPr sz="1000"/>
-            </a:lvl6pPr>
-            <a:lvl7pPr marL="2743200" indent="0">
-              <a:buNone/>
-              <a:defRPr sz="1000"/>
-            </a:lvl7pPr>
-            <a:lvl8pPr marL="3200400" indent="0">
-              <a:buNone/>
-              <a:defRPr sz="1000"/>
-            </a:lvl8pPr>
-            <a:lvl9pPr marL="3657600" indent="0">
-              <a:buNone/>
-              <a:defRPr sz="1000"/>
-            </a:lvl9pPr>
-          </a:lstStyle>
-          <a:p>
             <a:pPr lvl="0"/>
             <a:r>
               <a:rPr lang="ko-KR" altLang="en-US"/>
@@ -2642,13 +3790,7 @@
       </p:sp>
       <p:sp>
         <p:nvSpPr>
-          <p:cNvPr id="5" name="날짜 개체 틀 4">
-            <a:extLst>
-              <a:ext uri="{FF2B5EF4-FFF2-40B4-BE49-F238E27FC236}">
-                <a16:creationId xmlns:a16="http://schemas.microsoft.com/office/drawing/2014/main" id="{5C5823B5-DAC9-B131-1257-65F18C58B417}"/>
-              </a:ext>
-            </a:extLst>
-          </p:cNvPr>
+          <p:cNvPr id="5" name="Date Placeholder 4"/>
           <p:cNvSpPr>
             <a:spLocks noGrp="1"/>
           </p:cNvSpPr>
@@ -2671,13 +3813,7 @@
       </p:sp>
       <p:sp>
         <p:nvSpPr>
-          <p:cNvPr id="6" name="바닥글 개체 틀 5">
-            <a:extLst>
-              <a:ext uri="{FF2B5EF4-FFF2-40B4-BE49-F238E27FC236}">
-                <a16:creationId xmlns:a16="http://schemas.microsoft.com/office/drawing/2014/main" id="{1389FFCA-67BD-F947-FE13-DE53811E7F02}"/>
-              </a:ext>
-            </a:extLst>
-          </p:cNvPr>
+          <p:cNvPr id="6" name="Footer Placeholder 5"/>
           <p:cNvSpPr>
             <a:spLocks noGrp="1"/>
           </p:cNvSpPr>
@@ -2696,13 +3832,7 @@
       </p:sp>
       <p:sp>
         <p:nvSpPr>
-          <p:cNvPr id="7" name="슬라이드 번호 개체 틀 6">
-            <a:extLst>
-              <a:ext uri="{FF2B5EF4-FFF2-40B4-BE49-F238E27FC236}">
-                <a16:creationId xmlns:a16="http://schemas.microsoft.com/office/drawing/2014/main" id="{994ABEE2-576B-992A-BB7F-27CC93E37615}"/>
-              </a:ext>
-            </a:extLst>
-          </p:cNvPr>
+          <p:cNvPr id="7" name="Slide Number Placeholder 6"/>
           <p:cNvSpPr>
             <a:spLocks noGrp="1"/>
           </p:cNvSpPr>
@@ -2726,7 +3856,7 @@
     </p:spTree>
     <p:extLst>
       <p:ext uri="{BB962C8B-B14F-4D97-AF65-F5344CB8AC3E}">
-        <p14:creationId xmlns:p14="http://schemas.microsoft.com/office/powerpoint/2010/main" val="2785188704"/>
+        <p14:creationId xmlns:p14="http://schemas.microsoft.com/office/powerpoint/2010/main" val="2870704011"/>
       </p:ext>
     </p:extLst>
   </p:cSld>
@@ -2760,28 +3890,220 @@
       </p:grpSpPr>
       <p:sp>
         <p:nvSpPr>
-          <p:cNvPr id="2" name="제목 개체 틀 1">
-            <a:extLst>
-              <a:ext uri="{FF2B5EF4-FFF2-40B4-BE49-F238E27FC236}">
-                <a16:creationId xmlns:a16="http://schemas.microsoft.com/office/drawing/2014/main" id="{D64D1662-1630-EFA5-3573-7ABB386101B1}"/>
-              </a:ext>
-            </a:extLst>
-          </p:cNvPr>
-          <p:cNvSpPr>
-            <a:spLocks noGrp="1"/>
-          </p:cNvSpPr>
-          <p:nvPr>
-            <p:ph type="title"/>
-          </p:nvPr>
-        </p:nvSpPr>
-        <p:spPr>
-          <a:xfrm>
-            <a:off x="838200" y="365125"/>
-            <a:ext cx="10515600" cy="1325563"/>
+          <p:cNvPr id="7" name="Rectangle 6"/>
+          <p:cNvSpPr/>
+          <p:nvPr/>
+        </p:nvSpPr>
+        <p:spPr bwMode="gray">
+          <a:xfrm>
+            <a:off x="0" y="402336"/>
+            <a:ext cx="11582400" cy="1097280"/>
           </a:xfrm>
           <a:prstGeom prst="rect">
             <a:avLst/>
           </a:prstGeom>
+          <a:solidFill>
+            <a:schemeClr val="tx2">
+              <a:lumMod val="40000"/>
+              <a:lumOff val="60000"/>
+              <a:alpha val="30000"/>
+            </a:schemeClr>
+          </a:solidFill>
+          <a:ln>
+            <a:noFill/>
+          </a:ln>
+        </p:spPr>
+        <p:style>
+          <a:lnRef idx="2">
+            <a:schemeClr val="accent1">
+              <a:shade val="50000"/>
+            </a:schemeClr>
+          </a:lnRef>
+          <a:fillRef idx="1">
+            <a:schemeClr val="accent1"/>
+          </a:fillRef>
+          <a:effectRef idx="0">
+            <a:schemeClr val="accent1"/>
+          </a:effectRef>
+          <a:fontRef idx="minor">
+            <a:schemeClr val="lt1"/>
+          </a:fontRef>
+        </p:style>
+        <p:txBody>
+          <a:bodyPr rtlCol="0" anchor="ctr"/>
+          <a:lstStyle/>
+          <a:p>
+            <a:pPr algn="ctr"/>
+            <a:endParaRPr lang="en-US" sz="1800"/>
+          </a:p>
+        </p:txBody>
+      </p:sp>
+      <p:sp>
+        <p:nvSpPr>
+          <p:cNvPr id="8" name="Rectangle 7"/>
+          <p:cNvSpPr/>
+          <p:nvPr/>
+        </p:nvSpPr>
+        <p:spPr bwMode="gray">
+          <a:xfrm>
+            <a:off x="10887456" y="996696"/>
+            <a:ext cx="1304544" cy="896112"/>
+          </a:xfrm>
+          <a:prstGeom prst="rect">
+            <a:avLst/>
+          </a:prstGeom>
+          <a:solidFill>
+            <a:schemeClr val="accent5">
+              <a:lumMod val="60000"/>
+              <a:lumOff val="40000"/>
+              <a:alpha val="40000"/>
+            </a:schemeClr>
+          </a:solidFill>
+          <a:ln>
+            <a:noFill/>
+          </a:ln>
+        </p:spPr>
+        <p:style>
+          <a:lnRef idx="2">
+            <a:schemeClr val="accent1">
+              <a:shade val="50000"/>
+            </a:schemeClr>
+          </a:lnRef>
+          <a:fillRef idx="1">
+            <a:schemeClr val="accent1"/>
+          </a:fillRef>
+          <a:effectRef idx="0">
+            <a:schemeClr val="accent1"/>
+          </a:effectRef>
+          <a:fontRef idx="minor">
+            <a:schemeClr val="lt1"/>
+          </a:fontRef>
+        </p:style>
+        <p:txBody>
+          <a:bodyPr rtlCol="0" anchor="ctr"/>
+          <a:lstStyle/>
+          <a:p>
+            <a:pPr algn="ctr"/>
+            <a:endParaRPr lang="en-US" sz="1800"/>
+          </a:p>
+        </p:txBody>
+      </p:sp>
+      <p:sp>
+        <p:nvSpPr>
+          <p:cNvPr id="9" name="Rectangle 8"/>
+          <p:cNvSpPr/>
+          <p:nvPr/>
+        </p:nvSpPr>
+        <p:spPr bwMode="gray">
+          <a:xfrm>
+            <a:off x="2377440" y="0"/>
+            <a:ext cx="2596896" cy="539496"/>
+          </a:xfrm>
+          <a:prstGeom prst="rect">
+            <a:avLst/>
+          </a:prstGeom>
+          <a:solidFill>
+            <a:schemeClr val="accent6">
+              <a:lumMod val="60000"/>
+              <a:lumOff val="40000"/>
+              <a:alpha val="60000"/>
+            </a:schemeClr>
+          </a:solidFill>
+          <a:ln>
+            <a:noFill/>
+          </a:ln>
+        </p:spPr>
+        <p:style>
+          <a:lnRef idx="2">
+            <a:schemeClr val="accent1">
+              <a:shade val="50000"/>
+            </a:schemeClr>
+          </a:lnRef>
+          <a:fillRef idx="1">
+            <a:schemeClr val="accent1"/>
+          </a:fillRef>
+          <a:effectRef idx="0">
+            <a:schemeClr val="accent1"/>
+          </a:effectRef>
+          <a:fontRef idx="minor">
+            <a:schemeClr val="lt1"/>
+          </a:fontRef>
+        </p:style>
+        <p:txBody>
+          <a:bodyPr rtlCol="0" anchor="ctr"/>
+          <a:lstStyle/>
+          <a:p>
+            <a:pPr algn="ctr"/>
+            <a:endParaRPr lang="en-US" sz="1800"/>
+          </a:p>
+        </p:txBody>
+      </p:sp>
+      <p:sp>
+        <p:nvSpPr>
+          <p:cNvPr id="10" name="Rectangle 9"/>
+          <p:cNvSpPr/>
+          <p:nvPr/>
+        </p:nvSpPr>
+        <p:spPr bwMode="gray">
+          <a:xfrm>
+            <a:off x="0" y="0"/>
+            <a:ext cx="3243072" cy="539496"/>
+          </a:xfrm>
+          <a:prstGeom prst="rect">
+            <a:avLst/>
+          </a:prstGeom>
+          <a:solidFill>
+            <a:schemeClr val="accent2">
+              <a:alpha val="50000"/>
+            </a:schemeClr>
+          </a:solidFill>
+          <a:ln>
+            <a:noFill/>
+          </a:ln>
+        </p:spPr>
+        <p:style>
+          <a:lnRef idx="2">
+            <a:schemeClr val="accent1">
+              <a:shade val="50000"/>
+            </a:schemeClr>
+          </a:lnRef>
+          <a:fillRef idx="1">
+            <a:schemeClr val="accent1"/>
+          </a:fillRef>
+          <a:effectRef idx="0">
+            <a:schemeClr val="accent1"/>
+          </a:effectRef>
+          <a:fontRef idx="minor">
+            <a:schemeClr val="lt1"/>
+          </a:fontRef>
+        </p:style>
+        <p:txBody>
+          <a:bodyPr rtlCol="0" anchor="ctr"/>
+          <a:lstStyle/>
+          <a:p>
+            <a:pPr algn="ctr"/>
+            <a:endParaRPr lang="en-US" sz="1800"/>
+          </a:p>
+        </p:txBody>
+      </p:sp>
+      <p:sp>
+        <p:nvSpPr>
+          <p:cNvPr id="2" name="Title Placeholder 1"/>
+          <p:cNvSpPr>
+            <a:spLocks noGrp="1"/>
+          </p:cNvSpPr>
+          <p:nvPr>
+            <p:ph type="title"/>
+          </p:nvPr>
+        </p:nvSpPr>
+        <p:spPr>
+          <a:xfrm>
+            <a:off x="609600" y="539496"/>
+            <a:ext cx="10972800" cy="960120"/>
+          </a:xfrm>
+          <a:prstGeom prst="rect">
+            <a:avLst/>
+          </a:prstGeom>
         </p:spPr>
         <p:txBody>
           <a:bodyPr vert="horz" lIns="91440" tIns="45720" rIns="91440" bIns="45720" rtlCol="0" anchor="ctr">
@@ -2793,18 +4115,13 @@
               <a:rPr lang="ko-KR" altLang="en-US"/>
               <a:t>마스터 제목 스타일 편집</a:t>
             </a:r>
-          </a:p>
-        </p:txBody>
-      </p:sp>
-      <p:sp>
-        <p:nvSpPr>
-          <p:cNvPr id="3" name="텍스트 개체 틀 2">
-            <a:extLst>
-              <a:ext uri="{FF2B5EF4-FFF2-40B4-BE49-F238E27FC236}">
-                <a16:creationId xmlns:a16="http://schemas.microsoft.com/office/drawing/2014/main" id="{4A9F6A37-A22A-EAE9-8489-25CD763D3751}"/>
-              </a:ext>
-            </a:extLst>
-          </p:cNvPr>
+            <a:endParaRPr lang="en-US"/>
+          </a:p>
+        </p:txBody>
+      </p:sp>
+      <p:sp>
+        <p:nvSpPr>
+          <p:cNvPr id="3" name="Text Placeholder 2"/>
           <p:cNvSpPr>
             <a:spLocks noGrp="1"/>
           </p:cNvSpPr>
@@ -2814,8 +4131,8 @@
         </p:nvSpPr>
         <p:spPr>
           <a:xfrm>
-            <a:off x="838200" y="1825625"/>
-            <a:ext cx="10515600" cy="4351338"/>
+            <a:off x="609600" y="1600201"/>
+            <a:ext cx="10972800" cy="4525963"/>
           </a:xfrm>
           <a:prstGeom prst="rect">
             <a:avLst/>
@@ -2860,18 +4177,13 @@
               <a:rPr lang="ko-KR" altLang="en-US"/>
               <a:t>다섯 번째 수준</a:t>
             </a:r>
-          </a:p>
-        </p:txBody>
-      </p:sp>
-      <p:sp>
-        <p:nvSpPr>
-          <p:cNvPr id="4" name="날짜 개체 틀 3">
-            <a:extLst>
-              <a:ext uri="{FF2B5EF4-FFF2-40B4-BE49-F238E27FC236}">
-                <a16:creationId xmlns:a16="http://schemas.microsoft.com/office/drawing/2014/main" id="{68D52525-8A87-35D7-24F9-9503585A8C81}"/>
-              </a:ext>
-            </a:extLst>
-          </p:cNvPr>
+            <a:endParaRPr lang="en-US"/>
+          </a:p>
+        </p:txBody>
+      </p:sp>
+      <p:sp>
+        <p:nvSpPr>
+          <p:cNvPr id="4" name="Date Placeholder 3"/>
           <p:cNvSpPr>
             <a:spLocks noGrp="1"/>
           </p:cNvSpPr>
@@ -2881,8 +4193,8 @@
         </p:nvSpPr>
         <p:spPr>
           <a:xfrm>
-            <a:off x="838200" y="6356350"/>
-            <a:ext cx="2743200" cy="365125"/>
+            <a:off x="609600" y="6537960"/>
+            <a:ext cx="2844800" cy="246888"/>
           </a:xfrm>
           <a:prstGeom prst="rect">
             <a:avLst/>
@@ -2912,13 +4224,7 @@
       </p:sp>
       <p:sp>
         <p:nvSpPr>
-          <p:cNvPr id="5" name="바닥글 개체 틀 4">
-            <a:extLst>
-              <a:ext uri="{FF2B5EF4-FFF2-40B4-BE49-F238E27FC236}">
-                <a16:creationId xmlns:a16="http://schemas.microsoft.com/office/drawing/2014/main" id="{6CE9CE38-F50A-CFCA-32F1-31CAE954EE68}"/>
-              </a:ext>
-            </a:extLst>
-          </p:cNvPr>
+          <p:cNvPr id="5" name="Footer Placeholder 4"/>
           <p:cNvSpPr>
             <a:spLocks noGrp="1"/>
           </p:cNvSpPr>
@@ -2928,8 +4234,45 @@
         </p:nvSpPr>
         <p:spPr>
           <a:xfrm>
-            <a:off x="4038600" y="6356350"/>
-            <a:ext cx="4114800" cy="365125"/>
+            <a:off x="7827264" y="6537960"/>
+            <a:ext cx="3860800" cy="246888"/>
+          </a:xfrm>
+          <a:prstGeom prst="rect">
+            <a:avLst/>
+          </a:prstGeom>
+        </p:spPr>
+        <p:txBody>
+          <a:bodyPr vert="horz" lIns="91440" tIns="45720" rIns="91440" bIns="45720" rtlCol="0" anchor="ctr"/>
+          <a:lstStyle>
+            <a:lvl1pPr algn="r">
+              <a:defRPr sz="1200">
+                <a:solidFill>
+                  <a:schemeClr val="tx1">
+                    <a:tint val="75000"/>
+                  </a:schemeClr>
+                </a:solidFill>
+              </a:defRPr>
+            </a:lvl1pPr>
+          </a:lstStyle>
+          <a:p>
+            <a:endParaRPr lang="ko-KR" altLang="en-US"/>
+          </a:p>
+        </p:txBody>
+      </p:sp>
+      <p:sp>
+        <p:nvSpPr>
+          <p:cNvPr id="6" name="Slide Number Placeholder 5"/>
+          <p:cNvSpPr>
+            <a:spLocks noGrp="1"/>
+          </p:cNvSpPr>
+          <p:nvPr>
+            <p:ph type="sldNum" sz="quarter" idx="4"/>
+          </p:nvPr>
+        </p:nvSpPr>
+        <p:spPr>
+          <a:xfrm>
+            <a:off x="4669536" y="6537960"/>
+            <a:ext cx="2844800" cy="246888"/>
           </a:xfrm>
           <a:prstGeom prst="rect">
             <a:avLst/>
@@ -2949,49 +4292,6 @@
             </a:lvl1pPr>
           </a:lstStyle>
           <a:p>
-            <a:endParaRPr lang="ko-KR" altLang="en-US"/>
-          </a:p>
-        </p:txBody>
-      </p:sp>
-      <p:sp>
-        <p:nvSpPr>
-          <p:cNvPr id="6" name="슬라이드 번호 개체 틀 5">
-            <a:extLst>
-              <a:ext uri="{FF2B5EF4-FFF2-40B4-BE49-F238E27FC236}">
-                <a16:creationId xmlns:a16="http://schemas.microsoft.com/office/drawing/2014/main" id="{6CE5D5F0-2099-0DB9-AF68-AD191197EF60}"/>
-              </a:ext>
-            </a:extLst>
-          </p:cNvPr>
-          <p:cNvSpPr>
-            <a:spLocks noGrp="1"/>
-          </p:cNvSpPr>
-          <p:nvPr>
-            <p:ph type="sldNum" sz="quarter" idx="4"/>
-          </p:nvPr>
-        </p:nvSpPr>
-        <p:spPr>
-          <a:xfrm>
-            <a:off x="8610600" y="6356350"/>
-            <a:ext cx="2743200" cy="365125"/>
-          </a:xfrm>
-          <a:prstGeom prst="rect">
-            <a:avLst/>
-          </a:prstGeom>
-        </p:spPr>
-        <p:txBody>
-          <a:bodyPr vert="horz" lIns="91440" tIns="45720" rIns="91440" bIns="45720" rtlCol="0" anchor="ctr"/>
-          <a:lstStyle>
-            <a:lvl1pPr algn="r">
-              <a:defRPr sz="1200">
-                <a:solidFill>
-                  <a:schemeClr val="tx1">
-                    <a:tint val="75000"/>
-                  </a:schemeClr>
-                </a:solidFill>
-              </a:defRPr>
-            </a:lvl1pPr>
-          </a:lstStyle>
-          <a:p>
             <a:fld id="{BDCCEBD0-1435-462F-8E01-2A37B64D45D6}" type="slidenum">
               <a:rPr lang="ko-KR" altLang="en-US" smtClean="0"/>
               <a:t>‹#›</a:t>
@@ -3003,55 +4303,109 @@
     </p:spTree>
     <p:extLst>
       <p:ext uri="{BB962C8B-B14F-4D97-AF65-F5344CB8AC3E}">
-        <p14:creationId xmlns:p14="http://schemas.microsoft.com/office/powerpoint/2010/main" val="682701419"/>
+        <p14:creationId xmlns:p14="http://schemas.microsoft.com/office/powerpoint/2010/main" val="2201939197"/>
       </p:ext>
     </p:extLst>
   </p:cSld>
   <p:clrMap bg1="lt1" tx1="dk1" bg2="lt2" tx2="dk2" accent1="accent1" accent2="accent2" accent3="accent3" accent4="accent4" accent5="accent5" accent6="accent6" hlink="hlink" folHlink="folHlink"/>
   <p:sldLayoutIdLst>
-    <p:sldLayoutId id="2147483649" r:id="rId1"/>
-    <p:sldLayoutId id="2147483650" r:id="rId2"/>
-    <p:sldLayoutId id="2147483651" r:id="rId3"/>
-    <p:sldLayoutId id="2147483652" r:id="rId4"/>
-    <p:sldLayoutId id="2147483653" r:id="rId5"/>
-    <p:sldLayoutId id="2147483654" r:id="rId6"/>
-    <p:sldLayoutId id="2147483655" r:id="rId7"/>
-    <p:sldLayoutId id="2147483656" r:id="rId8"/>
-    <p:sldLayoutId id="2147483657" r:id="rId9"/>
-    <p:sldLayoutId id="2147483658" r:id="rId10"/>
-    <p:sldLayoutId id="2147483659" r:id="rId11"/>
+    <p:sldLayoutId id="2147483690" r:id="rId1"/>
+    <p:sldLayoutId id="2147483691" r:id="rId2"/>
+    <p:sldLayoutId id="2147483692" r:id="rId3"/>
+    <p:sldLayoutId id="2147483693" r:id="rId4"/>
+    <p:sldLayoutId id="2147483694" r:id="rId5"/>
+    <p:sldLayoutId id="2147483695" r:id="rId6"/>
+    <p:sldLayoutId id="2147483696" r:id="rId7"/>
+    <p:sldLayoutId id="2147483697" r:id="rId8"/>
+    <p:sldLayoutId id="2147483698" r:id="rId9"/>
+    <p:sldLayoutId id="2147483699" r:id="rId10"/>
+    <p:sldLayoutId id="2147483700" r:id="rId11"/>
   </p:sldLayoutIdLst>
   <p:txStyles>
     <p:titleStyle>
-      <a:lvl1pPr algn="l" defTabSz="914400" rtl="0" eaLnBrk="1" latinLnBrk="1" hangingPunct="1">
-        <a:lnSpc>
-          <a:spcPct val="90000"/>
-        </a:lnSpc>
+      <a:lvl1pPr algn="ctr" defTabSz="914400" rtl="0" eaLnBrk="1" latinLnBrk="1" hangingPunct="1">
         <a:spcBef>
           <a:spcPct val="0"/>
         </a:spcBef>
         <a:buNone/>
         <a:defRPr sz="4400" kern="1200">
           <a:solidFill>
-            <a:schemeClr val="tx1"/>
+            <a:schemeClr val="tx2"/>
           </a:solidFill>
           <a:latin typeface="+mj-lt"/>
           <a:ea typeface="+mj-ea"/>
           <a:cs typeface="+mj-cs"/>
         </a:defRPr>
       </a:lvl1pPr>
+      <a:lvl2pPr eaLnBrk="1" latinLnBrk="1" hangingPunct="1">
+        <a:defRPr>
+          <a:solidFill>
+            <a:schemeClr val="tx2"/>
+          </a:solidFill>
+        </a:defRPr>
+      </a:lvl2pPr>
+      <a:lvl3pPr eaLnBrk="1" latinLnBrk="1" hangingPunct="1">
+        <a:defRPr>
+          <a:solidFill>
+            <a:schemeClr val="tx2"/>
+          </a:solidFill>
+        </a:defRPr>
+      </a:lvl3pPr>
+      <a:lvl4pPr eaLnBrk="1" latinLnBrk="1" hangingPunct="1">
+        <a:defRPr>
+          <a:solidFill>
+            <a:schemeClr val="tx2"/>
+          </a:solidFill>
+        </a:defRPr>
+      </a:lvl4pPr>
+      <a:lvl5pPr eaLnBrk="1" latinLnBrk="1" hangingPunct="1">
+        <a:defRPr>
+          <a:solidFill>
+            <a:schemeClr val="tx2"/>
+          </a:solidFill>
+        </a:defRPr>
+      </a:lvl5pPr>
+      <a:lvl6pPr eaLnBrk="1" latinLnBrk="1" hangingPunct="1">
+        <a:defRPr>
+          <a:solidFill>
+            <a:schemeClr val="tx2"/>
+          </a:solidFill>
+        </a:defRPr>
+      </a:lvl6pPr>
+      <a:lvl7pPr eaLnBrk="1" latinLnBrk="1" hangingPunct="1">
+        <a:defRPr>
+          <a:solidFill>
+            <a:schemeClr val="tx2"/>
+          </a:solidFill>
+        </a:defRPr>
+      </a:lvl7pPr>
+      <a:lvl8pPr eaLnBrk="1" latinLnBrk="1" hangingPunct="1">
+        <a:defRPr>
+          <a:solidFill>
+            <a:schemeClr val="tx2"/>
+          </a:solidFill>
+        </a:defRPr>
+      </a:lvl8pPr>
+      <a:lvl9pPr eaLnBrk="1" latinLnBrk="1" hangingPunct="1">
+        <a:defRPr>
+          <a:solidFill>
+            <a:schemeClr val="tx2"/>
+          </a:solidFill>
+        </a:defRPr>
+      </a:lvl9pPr>
     </p:titleStyle>
     <p:bodyStyle>
-      <a:lvl1pPr marL="228600" indent="-228600" algn="l" defTabSz="914400" rtl="0" eaLnBrk="1" latinLnBrk="1" hangingPunct="1">
-        <a:lnSpc>
-          <a:spcPct val="90000"/>
-        </a:lnSpc>
+      <a:lvl1pPr marL="342900" indent="-342900" algn="l" defTabSz="914400" rtl="0" eaLnBrk="1" latinLnBrk="1" hangingPunct="1">
         <a:spcBef>
-          <a:spcPts val="1000"/>
+          <a:spcPct val="20000"/>
         </a:spcBef>
-        <a:buFont typeface="Arial" panose="020B0604020202020204" pitchFamily="34" charset="0"/>
-        <a:buChar char="•"/>
-        <a:defRPr sz="2800" kern="1200">
+        <a:buClr>
+          <a:schemeClr val="accent1"/>
+        </a:buClr>
+        <a:buSzPct val="90000"/>
+        <a:buFont typeface="Wingdings 3" pitchFamily="18" charset="2"/>
+        <a:buChar char=""/>
+        <a:defRPr sz="3200" kern="1200">
           <a:solidFill>
             <a:schemeClr val="tx1"/>
           </a:solidFill>
@@ -3060,16 +4414,17 @@
           <a:cs typeface="+mn-cs"/>
         </a:defRPr>
       </a:lvl1pPr>
-      <a:lvl2pPr marL="685800" indent="-228600" algn="l" defTabSz="914400" rtl="0" eaLnBrk="1" latinLnBrk="1" hangingPunct="1">
-        <a:lnSpc>
-          <a:spcPct val="90000"/>
-        </a:lnSpc>
+      <a:lvl2pPr marL="742950" indent="-285750" algn="l" defTabSz="914400" rtl="0" eaLnBrk="1" latinLnBrk="1" hangingPunct="1">
         <a:spcBef>
-          <a:spcPts val="500"/>
+          <a:spcPct val="20000"/>
         </a:spcBef>
-        <a:buFont typeface="Arial" panose="020B0604020202020204" pitchFamily="34" charset="0"/>
-        <a:buChar char="•"/>
-        <a:defRPr sz="2400" kern="1200">
+        <a:buClr>
+          <a:schemeClr val="accent2"/>
+        </a:buClr>
+        <a:buSzPct val="90000"/>
+        <a:buFont typeface="Wingdings 3" pitchFamily="18" charset="2"/>
+        <a:buChar char=""/>
+        <a:defRPr sz="2800" kern="1200">
           <a:solidFill>
             <a:schemeClr val="tx1"/>
           </a:solidFill>
@@ -3079,13 +4434,67 @@
         </a:defRPr>
       </a:lvl2pPr>
       <a:lvl3pPr marL="1143000" indent="-228600" algn="l" defTabSz="914400" rtl="0" eaLnBrk="1" latinLnBrk="1" hangingPunct="1">
-        <a:lnSpc>
-          <a:spcPct val="90000"/>
-        </a:lnSpc>
         <a:spcBef>
-          <a:spcPts val="500"/>
+          <a:spcPct val="20000"/>
         </a:spcBef>
-        <a:buFont typeface="Arial" panose="020B0604020202020204" pitchFamily="34" charset="0"/>
+        <a:buClr>
+          <a:schemeClr val="accent3"/>
+        </a:buClr>
+        <a:buSzPct val="90000"/>
+        <a:buFont typeface="Wingdings 3" pitchFamily="18" charset="2"/>
+        <a:buChar char=""/>
+        <a:defRPr sz="2400" kern="1200">
+          <a:solidFill>
+            <a:schemeClr val="tx1"/>
+          </a:solidFill>
+          <a:latin typeface="+mn-lt"/>
+          <a:ea typeface="+mn-ea"/>
+          <a:cs typeface="+mn-cs"/>
+        </a:defRPr>
+      </a:lvl3pPr>
+      <a:lvl4pPr marL="1600200" indent="-228600" algn="l" defTabSz="914400" rtl="0" eaLnBrk="1" latinLnBrk="1" hangingPunct="1">
+        <a:spcBef>
+          <a:spcPct val="20000"/>
+        </a:spcBef>
+        <a:buClr>
+          <a:schemeClr val="accent4"/>
+        </a:buClr>
+        <a:buSzPct val="90000"/>
+        <a:buFont typeface="Wingdings 3" pitchFamily="18" charset="2"/>
+        <a:buChar char=""/>
+        <a:defRPr sz="2000" kern="1200">
+          <a:solidFill>
+            <a:schemeClr val="tx1"/>
+          </a:solidFill>
+          <a:latin typeface="+mn-lt"/>
+          <a:ea typeface="+mn-ea"/>
+          <a:cs typeface="+mn-cs"/>
+        </a:defRPr>
+      </a:lvl4pPr>
+      <a:lvl5pPr marL="2057400" indent="-228600" algn="l" defTabSz="914400" rtl="0" eaLnBrk="1" latinLnBrk="1" hangingPunct="1">
+        <a:spcBef>
+          <a:spcPct val="20000"/>
+        </a:spcBef>
+        <a:buClr>
+          <a:schemeClr val="accent5"/>
+        </a:buClr>
+        <a:buSzPct val="90000"/>
+        <a:buFont typeface="Wingdings 3" pitchFamily="18" charset="2"/>
+        <a:buChar char=""/>
+        <a:defRPr sz="2000" kern="1200">
+          <a:solidFill>
+            <a:schemeClr val="tx1"/>
+          </a:solidFill>
+          <a:latin typeface="+mn-lt"/>
+          <a:ea typeface="+mn-ea"/>
+          <a:cs typeface="+mn-cs"/>
+        </a:defRPr>
+      </a:lvl5pPr>
+      <a:lvl6pPr marL="2514600" indent="-228600" algn="l" defTabSz="914400" rtl="0" eaLnBrk="1" latinLnBrk="1" hangingPunct="1">
+        <a:spcBef>
+          <a:spcPct val="20000"/>
+        </a:spcBef>
+        <a:buFont typeface="Arial" pitchFamily="34" charset="0"/>
         <a:buChar char="•"/>
         <a:defRPr sz="2000" kern="1200">
           <a:solidFill>
@@ -3095,71 +4504,14 @@
           <a:ea typeface="+mn-ea"/>
           <a:cs typeface="+mn-cs"/>
         </a:defRPr>
-      </a:lvl3pPr>
-      <a:lvl4pPr marL="1600200" indent="-228600" algn="l" defTabSz="914400" rtl="0" eaLnBrk="1" latinLnBrk="1" hangingPunct="1">
-        <a:lnSpc>
-          <a:spcPct val="90000"/>
-        </a:lnSpc>
-        <a:spcBef>
-          <a:spcPts val="500"/>
-        </a:spcBef>
-        <a:buFont typeface="Arial" panose="020B0604020202020204" pitchFamily="34" charset="0"/>
-        <a:buChar char="•"/>
-        <a:defRPr sz="1800" kern="1200">
-          <a:solidFill>
-            <a:schemeClr val="tx1"/>
-          </a:solidFill>
-          <a:latin typeface="+mn-lt"/>
-          <a:ea typeface="+mn-ea"/>
-          <a:cs typeface="+mn-cs"/>
-        </a:defRPr>
-      </a:lvl4pPr>
-      <a:lvl5pPr marL="2057400" indent="-228600" algn="l" defTabSz="914400" rtl="0" eaLnBrk="1" latinLnBrk="1" hangingPunct="1">
-        <a:lnSpc>
-          <a:spcPct val="90000"/>
-        </a:lnSpc>
-        <a:spcBef>
-          <a:spcPts val="500"/>
-        </a:spcBef>
-        <a:buFont typeface="Arial" panose="020B0604020202020204" pitchFamily="34" charset="0"/>
-        <a:buChar char="•"/>
-        <a:defRPr sz="1800" kern="1200">
-          <a:solidFill>
-            <a:schemeClr val="tx1"/>
-          </a:solidFill>
-          <a:latin typeface="+mn-lt"/>
-          <a:ea typeface="+mn-ea"/>
-          <a:cs typeface="+mn-cs"/>
-        </a:defRPr>
-      </a:lvl5pPr>
-      <a:lvl6pPr marL="2514600" indent="-228600" algn="l" defTabSz="914400" rtl="0" eaLnBrk="1" latinLnBrk="1" hangingPunct="1">
-        <a:lnSpc>
-          <a:spcPct val="90000"/>
-        </a:lnSpc>
-        <a:spcBef>
-          <a:spcPts val="500"/>
-        </a:spcBef>
-        <a:buFont typeface="Arial" panose="020B0604020202020204" pitchFamily="34" charset="0"/>
-        <a:buChar char="•"/>
-        <a:defRPr sz="1800" kern="1200">
-          <a:solidFill>
-            <a:schemeClr val="tx1"/>
-          </a:solidFill>
-          <a:latin typeface="+mn-lt"/>
-          <a:ea typeface="+mn-ea"/>
-          <a:cs typeface="+mn-cs"/>
-        </a:defRPr>
       </a:lvl6pPr>
       <a:lvl7pPr marL="2971800" indent="-228600" algn="l" defTabSz="914400" rtl="0" eaLnBrk="1" latinLnBrk="1" hangingPunct="1">
-        <a:lnSpc>
-          <a:spcPct val="90000"/>
-        </a:lnSpc>
         <a:spcBef>
-          <a:spcPts val="500"/>
+          <a:spcPct val="20000"/>
         </a:spcBef>
-        <a:buFont typeface="Arial" panose="020B0604020202020204" pitchFamily="34" charset="0"/>
+        <a:buFont typeface="Arial" pitchFamily="34" charset="0"/>
         <a:buChar char="•"/>
-        <a:defRPr sz="1800" kern="1200">
+        <a:defRPr sz="2000" kern="1200">
           <a:solidFill>
             <a:schemeClr val="tx1"/>
           </a:solidFill>
@@ -3169,15 +4521,12 @@
         </a:defRPr>
       </a:lvl7pPr>
       <a:lvl8pPr marL="3429000" indent="-228600" algn="l" defTabSz="914400" rtl="0" eaLnBrk="1" latinLnBrk="1" hangingPunct="1">
-        <a:lnSpc>
-          <a:spcPct val="90000"/>
-        </a:lnSpc>
         <a:spcBef>
-          <a:spcPts val="500"/>
+          <a:spcPct val="20000"/>
         </a:spcBef>
-        <a:buFont typeface="Arial" panose="020B0604020202020204" pitchFamily="34" charset="0"/>
+        <a:buFont typeface="Arial" pitchFamily="34" charset="0"/>
         <a:buChar char="•"/>
-        <a:defRPr sz="1800" kern="1200">
+        <a:defRPr sz="2000" kern="1200">
           <a:solidFill>
             <a:schemeClr val="tx1"/>
           </a:solidFill>
@@ -3187,15 +4536,12 @@
         </a:defRPr>
       </a:lvl8pPr>
       <a:lvl9pPr marL="3886200" indent="-228600" algn="l" defTabSz="914400" rtl="0" eaLnBrk="1" latinLnBrk="1" hangingPunct="1">
-        <a:lnSpc>
-          <a:spcPct val="90000"/>
-        </a:lnSpc>
         <a:spcBef>
-          <a:spcPts val="500"/>
+          <a:spcPct val="20000"/>
         </a:spcBef>
-        <a:buFont typeface="Arial" panose="020B0604020202020204" pitchFamily="34" charset="0"/>
+        <a:buFont typeface="Arial" pitchFamily="34" charset="0"/>
         <a:buChar char="•"/>
-        <a:defRPr sz="1800" kern="1200">
+        <a:defRPr sz="2000" kern="1200">
           <a:solidFill>
             <a:schemeClr val="tx1"/>
           </a:solidFill>
@@ -3207,7 +4553,7 @@
     </p:bodyStyle>
     <p:otherStyle>
       <a:defPPr>
-        <a:defRPr lang="ko-KR"/>
+        <a:defRPr lang="en-US"/>
       </a:defPPr>
       <a:lvl1pPr marL="0" algn="l" defTabSz="914400" rtl="0" eaLnBrk="1" latinLnBrk="1" hangingPunct="1">
         <a:defRPr sz="1800" kern="1200">
@@ -3321,6 +4667,100 @@
           <a:chExt cx="0" cy="0"/>
         </a:xfrm>
       </p:grpSpPr>
+      <p:sp>
+        <p:nvSpPr>
+          <p:cNvPr id="2" name="TextBox 1">
+            <a:extLst>
+              <a:ext uri="{FF2B5EF4-FFF2-40B4-BE49-F238E27FC236}">
+                <a16:creationId xmlns:a16="http://schemas.microsoft.com/office/drawing/2014/main" id="{EC4D8923-0E6D-DA34-0CCD-90FBA17227A6}"/>
+              </a:ext>
+            </a:extLst>
+          </p:cNvPr>
+          <p:cNvSpPr txBox="1"/>
+          <p:nvPr/>
+        </p:nvSpPr>
+        <p:spPr>
+          <a:xfrm>
+            <a:off x="5613400" y="609600"/>
+            <a:ext cx="6134100" cy="646331"/>
+          </a:xfrm>
+          <a:prstGeom prst="rect">
+            <a:avLst/>
+          </a:prstGeom>
+          <a:noFill/>
+        </p:spPr>
+        <p:txBody>
+          <a:bodyPr wrap="square" rtlCol="0">
+            <a:spAutoFit/>
+          </a:bodyPr>
+          <a:lstStyle/>
+          <a:p>
+            <a:pPr algn="r"/>
+            <a:r>
+              <a:rPr lang="ko-KR" altLang="en-US" sz="3600"/>
+              <a:t>나의 메모장</a:t>
+            </a:r>
+          </a:p>
+        </p:txBody>
+      </p:sp>
+      <p:sp>
+        <p:nvSpPr>
+          <p:cNvPr id="3" name="사각형: 둥근 모서리 2">
+            <a:extLst>
+              <a:ext uri="{FF2B5EF4-FFF2-40B4-BE49-F238E27FC236}">
+                <a16:creationId xmlns:a16="http://schemas.microsoft.com/office/drawing/2014/main" id="{A128C88F-DEB0-53D5-5668-74488F890AA1}"/>
+              </a:ext>
+            </a:extLst>
+          </p:cNvPr>
+          <p:cNvSpPr/>
+          <p:nvPr/>
+        </p:nvSpPr>
+        <p:spPr>
+          <a:xfrm>
+            <a:off x="330200" y="4316631"/>
+            <a:ext cx="5765800" cy="927100"/>
+          </a:xfrm>
+          <a:prstGeom prst="roundRect">
+            <a:avLst/>
+          </a:prstGeom>
+          <a:solidFill>
+            <a:schemeClr val="accent1">
+              <a:lumMod val="60000"/>
+              <a:lumOff val="40000"/>
+            </a:schemeClr>
+          </a:solidFill>
+          <a:ln>
+            <a:noFill/>
+          </a:ln>
+        </p:spPr>
+        <p:style>
+          <a:lnRef idx="2">
+            <a:schemeClr val="accent1">
+              <a:shade val="15000"/>
+            </a:schemeClr>
+          </a:lnRef>
+          <a:fillRef idx="1">
+            <a:schemeClr val="accent1"/>
+          </a:fillRef>
+          <a:effectRef idx="0">
+            <a:schemeClr val="accent1"/>
+          </a:effectRef>
+          <a:fontRef idx="minor">
+            <a:schemeClr val="lt1"/>
+          </a:fontRef>
+        </p:style>
+        <p:txBody>
+          <a:bodyPr rtlCol="0" anchor="ctr"/>
+          <a:lstStyle/>
+          <a:p>
+            <a:pPr algn="ctr"/>
+            <a:r>
+              <a:rPr lang="ko-KR" altLang="en-US" sz="2000" dirty="0"/>
+              <a:t>우 홍민</a:t>
+            </a:r>
+          </a:p>
+        </p:txBody>
+      </p:sp>
     </p:spTree>
     <p:extLst>
       <p:ext uri="{BB962C8B-B14F-4D97-AF65-F5344CB8AC3E}">
@@ -3334,10 +4774,994 @@
 </p:sld>
 </file>
 
+<file path=ppt/slides/slide2.xml><?xml version="1.0" encoding="utf-8"?>
+<p:sld xmlns:a="http://schemas.openxmlformats.org/drawingml/2006/main" xmlns:r="http://schemas.openxmlformats.org/officeDocument/2006/relationships" xmlns:p="http://schemas.openxmlformats.org/presentationml/2006/main">
+  <p:cSld>
+    <p:spTree>
+      <p:nvGrpSpPr>
+        <p:cNvPr id="1" name="">
+          <a:extLst>
+            <a:ext uri="{FF2B5EF4-FFF2-40B4-BE49-F238E27FC236}">
+              <a16:creationId xmlns:a16="http://schemas.microsoft.com/office/drawing/2014/main" id="{D67754BE-5C58-BFEA-0314-D4615EF09167}"/>
+            </a:ext>
+          </a:extLst>
+        </p:cNvPr>
+        <p:cNvGrpSpPr/>
+        <p:nvPr/>
+      </p:nvGrpSpPr>
+      <p:grpSpPr>
+        <a:xfrm>
+          <a:off x="0" y="0"/>
+          <a:ext cx="0" cy="0"/>
+          <a:chOff x="0" y="0"/>
+          <a:chExt cx="0" cy="0"/>
+        </a:xfrm>
+      </p:grpSpPr>
+      <p:sp>
+        <p:nvSpPr>
+          <p:cNvPr id="2" name="TextBox 1">
+            <a:extLst>
+              <a:ext uri="{FF2B5EF4-FFF2-40B4-BE49-F238E27FC236}">
+                <a16:creationId xmlns:a16="http://schemas.microsoft.com/office/drawing/2014/main" id="{07CBF07B-5B51-749A-3419-FA2F108355D8}"/>
+              </a:ext>
+            </a:extLst>
+          </p:cNvPr>
+          <p:cNvSpPr txBox="1"/>
+          <p:nvPr/>
+        </p:nvSpPr>
+        <p:spPr>
+          <a:xfrm>
+            <a:off x="5613400" y="609600"/>
+            <a:ext cx="6134100" cy="646331"/>
+          </a:xfrm>
+          <a:prstGeom prst="rect">
+            <a:avLst/>
+          </a:prstGeom>
+          <a:noFill/>
+        </p:spPr>
+        <p:txBody>
+          <a:bodyPr wrap="square" rtlCol="0">
+            <a:spAutoFit/>
+          </a:bodyPr>
+          <a:lstStyle/>
+          <a:p>
+            <a:pPr algn="r"/>
+            <a:r>
+              <a:rPr lang="ko-KR" altLang="en-US" sz="3600" dirty="0"/>
+              <a:t>리스트 페이지</a:t>
+            </a:r>
+          </a:p>
+        </p:txBody>
+      </p:sp>
+      <p:pic>
+        <p:nvPicPr>
+          <p:cNvPr id="5" name="그림 4">
+            <a:extLst>
+              <a:ext uri="{FF2B5EF4-FFF2-40B4-BE49-F238E27FC236}">
+                <a16:creationId xmlns:a16="http://schemas.microsoft.com/office/drawing/2014/main" id="{6924A631-C655-3869-CD8A-A46FE6C26CC9}"/>
+              </a:ext>
+            </a:extLst>
+          </p:cNvPr>
+          <p:cNvPicPr>
+            <a:picLocks noChangeAspect="1"/>
+          </p:cNvPicPr>
+          <p:nvPr/>
+        </p:nvPicPr>
+        <p:blipFill>
+          <a:blip r:embed="rId2"/>
+          <a:stretch>
+            <a:fillRect/>
+          </a:stretch>
+        </p:blipFill>
+        <p:spPr>
+          <a:xfrm>
+            <a:off x="520410" y="850900"/>
+            <a:ext cx="4965990" cy="5499099"/>
+          </a:xfrm>
+          <a:prstGeom prst="rect">
+            <a:avLst/>
+          </a:prstGeom>
+        </p:spPr>
+      </p:pic>
+      <p:sp>
+        <p:nvSpPr>
+          <p:cNvPr id="6" name="생각 풍선: 구름 모양 5">
+            <a:extLst>
+              <a:ext uri="{FF2B5EF4-FFF2-40B4-BE49-F238E27FC236}">
+                <a16:creationId xmlns:a16="http://schemas.microsoft.com/office/drawing/2014/main" id="{695D9041-89F4-4FFD-49D5-2B6E6E9AE24D}"/>
+              </a:ext>
+            </a:extLst>
+          </p:cNvPr>
+          <p:cNvSpPr/>
+          <p:nvPr/>
+        </p:nvSpPr>
+        <p:spPr>
+          <a:xfrm>
+            <a:off x="5759452" y="1255931"/>
+            <a:ext cx="5416548" cy="4484469"/>
+          </a:xfrm>
+          <a:prstGeom prst="cloudCallout">
+            <a:avLst>
+              <a:gd name="adj1" fmla="val -86228"/>
+              <a:gd name="adj2" fmla="val 9849"/>
+            </a:avLst>
+          </a:prstGeom>
+          <a:ln>
+            <a:noFill/>
+          </a:ln>
+        </p:spPr>
+        <p:style>
+          <a:lnRef idx="2">
+            <a:schemeClr val="accent1">
+              <a:shade val="15000"/>
+            </a:schemeClr>
+          </a:lnRef>
+          <a:fillRef idx="1">
+            <a:schemeClr val="accent1"/>
+          </a:fillRef>
+          <a:effectRef idx="0">
+            <a:schemeClr val="accent1"/>
+          </a:effectRef>
+          <a:fontRef idx="minor">
+            <a:schemeClr val="lt1"/>
+          </a:fontRef>
+        </p:style>
+        <p:txBody>
+          <a:bodyPr rtlCol="0" anchor="ctr"/>
+          <a:lstStyle/>
+          <a:p>
+            <a:r>
+              <a:rPr lang="en-US" altLang="ko-KR" dirty="0"/>
+              <a:t>※ </a:t>
+            </a:r>
+            <a:r>
+              <a:rPr lang="ko-KR" altLang="en-US" dirty="0"/>
+              <a:t>처음 화면출력페이지</a:t>
+            </a:r>
+            <a:endParaRPr lang="en-US" altLang="ko-KR" dirty="0"/>
+          </a:p>
+          <a:p>
+            <a:r>
+              <a:rPr lang="ko-KR" altLang="en-US" dirty="0"/>
+              <a:t>● 현재 날짜와 시간이 표기 되어있다</a:t>
+            </a:r>
+            <a:r>
+              <a:rPr lang="en-US" altLang="ko-KR" dirty="0"/>
+              <a:t>.</a:t>
+            </a:r>
+          </a:p>
+          <a:p>
+            <a:r>
+              <a:rPr lang="ko-KR" altLang="en-US" dirty="0"/>
+              <a:t>● </a:t>
+            </a:r>
+            <a:r>
+              <a:rPr lang="ko-KR" altLang="en-US" dirty="0" err="1"/>
+              <a:t>리스트랑</a:t>
+            </a:r>
+            <a:r>
+              <a:rPr lang="ko-KR" altLang="en-US" dirty="0"/>
+              <a:t> 사진이 출력된다</a:t>
+            </a:r>
+            <a:r>
+              <a:rPr lang="en-US" altLang="ko-KR" dirty="0"/>
+              <a:t>.</a:t>
+            </a:r>
+          </a:p>
+          <a:p>
+            <a:r>
+              <a:rPr lang="ko-KR" altLang="en-US" dirty="0"/>
+              <a:t>●</a:t>
+            </a:r>
+            <a:r>
+              <a:rPr lang="en-US" altLang="ko-KR" dirty="0"/>
+              <a:t> </a:t>
+            </a:r>
+            <a:r>
+              <a:rPr lang="ko-KR" altLang="en-US" dirty="0" err="1"/>
+              <a:t>새로작성을</a:t>
+            </a:r>
+            <a:r>
+              <a:rPr lang="ko-KR" altLang="en-US" dirty="0"/>
+              <a:t> </a:t>
+            </a:r>
+            <a:r>
+              <a:rPr lang="ko-KR" altLang="en-US" dirty="0" err="1"/>
+              <a:t>눌렀을때</a:t>
+            </a:r>
+            <a:r>
+              <a:rPr lang="ko-KR" altLang="en-US" dirty="0"/>
+              <a:t> 인풋 화면으로 전환된다</a:t>
+            </a:r>
+            <a:r>
+              <a:rPr lang="en-US" altLang="ko-KR" dirty="0"/>
+              <a:t>.</a:t>
+            </a:r>
+          </a:p>
+          <a:p>
+            <a:r>
+              <a:rPr lang="ko-KR" altLang="en-US" dirty="0"/>
+              <a:t>●</a:t>
+            </a:r>
+            <a:r>
+              <a:rPr lang="en-US" altLang="ko-KR" dirty="0"/>
+              <a:t> </a:t>
+            </a:r>
+            <a:r>
+              <a:rPr lang="ko-KR" altLang="en-US" dirty="0"/>
+              <a:t>내용부분을 </a:t>
+            </a:r>
+            <a:r>
+              <a:rPr lang="ko-KR" altLang="en-US" dirty="0" err="1"/>
+              <a:t>클릭했을때</a:t>
+            </a:r>
+            <a:r>
+              <a:rPr lang="en-US" altLang="ko-KR" dirty="0"/>
+              <a:t>, </a:t>
+            </a:r>
+            <a:r>
+              <a:rPr lang="ko-KR" altLang="en-US" dirty="0"/>
+              <a:t>디테일 화면으로 전환된다</a:t>
+            </a:r>
+            <a:r>
+              <a:rPr lang="en-US" altLang="ko-KR" dirty="0"/>
+              <a:t>.</a:t>
+            </a:r>
+          </a:p>
+        </p:txBody>
+      </p:sp>
+    </p:spTree>
+    <p:extLst>
+      <p:ext uri="{BB962C8B-B14F-4D97-AF65-F5344CB8AC3E}">
+        <p14:creationId xmlns:p14="http://schemas.microsoft.com/office/powerpoint/2010/main" val="2920043125"/>
+      </p:ext>
+    </p:extLst>
+  </p:cSld>
+  <p:clrMapOvr>
+    <a:masterClrMapping/>
+  </p:clrMapOvr>
+</p:sld>
+</file>
+
+<file path=ppt/slides/slide3.xml><?xml version="1.0" encoding="utf-8"?>
+<p:sld xmlns:a="http://schemas.openxmlformats.org/drawingml/2006/main" xmlns:r="http://schemas.openxmlformats.org/officeDocument/2006/relationships" xmlns:p="http://schemas.openxmlformats.org/presentationml/2006/main">
+  <p:cSld>
+    <p:spTree>
+      <p:nvGrpSpPr>
+        <p:cNvPr id="1" name="">
+          <a:extLst>
+            <a:ext uri="{FF2B5EF4-FFF2-40B4-BE49-F238E27FC236}">
+              <a16:creationId xmlns:a16="http://schemas.microsoft.com/office/drawing/2014/main" id="{E6554BEE-C938-19BD-2286-918236AE1A03}"/>
+            </a:ext>
+          </a:extLst>
+        </p:cNvPr>
+        <p:cNvGrpSpPr/>
+        <p:nvPr/>
+      </p:nvGrpSpPr>
+      <p:grpSpPr>
+        <a:xfrm>
+          <a:off x="0" y="0"/>
+          <a:ext cx="0" cy="0"/>
+          <a:chOff x="0" y="0"/>
+          <a:chExt cx="0" cy="0"/>
+        </a:xfrm>
+      </p:grpSpPr>
+      <p:sp>
+        <p:nvSpPr>
+          <p:cNvPr id="2" name="TextBox 1">
+            <a:extLst>
+              <a:ext uri="{FF2B5EF4-FFF2-40B4-BE49-F238E27FC236}">
+                <a16:creationId xmlns:a16="http://schemas.microsoft.com/office/drawing/2014/main" id="{ED7D0F78-D0B7-66A1-2C22-3B0B52D23962}"/>
+              </a:ext>
+            </a:extLst>
+          </p:cNvPr>
+          <p:cNvSpPr txBox="1"/>
+          <p:nvPr/>
+        </p:nvSpPr>
+        <p:spPr>
+          <a:xfrm>
+            <a:off x="5613400" y="609600"/>
+            <a:ext cx="6134100" cy="646331"/>
+          </a:xfrm>
+          <a:prstGeom prst="rect">
+            <a:avLst/>
+          </a:prstGeom>
+          <a:noFill/>
+        </p:spPr>
+        <p:txBody>
+          <a:bodyPr wrap="square" rtlCol="0">
+            <a:spAutoFit/>
+          </a:bodyPr>
+          <a:lstStyle/>
+          <a:p>
+            <a:pPr algn="r"/>
+            <a:r>
+              <a:rPr lang="ko-KR" altLang="en-US" sz="3600" dirty="0"/>
+              <a:t>디테일 페이지</a:t>
+            </a:r>
+          </a:p>
+        </p:txBody>
+      </p:sp>
+      <p:pic>
+        <p:nvPicPr>
+          <p:cNvPr id="4" name="그림 3">
+            <a:extLst>
+              <a:ext uri="{FF2B5EF4-FFF2-40B4-BE49-F238E27FC236}">
+                <a16:creationId xmlns:a16="http://schemas.microsoft.com/office/drawing/2014/main" id="{2A9E77BB-6BF8-0700-7A73-7D093410AA87}"/>
+              </a:ext>
+            </a:extLst>
+          </p:cNvPr>
+          <p:cNvPicPr>
+            <a:picLocks noChangeAspect="1"/>
+          </p:cNvPicPr>
+          <p:nvPr/>
+        </p:nvPicPr>
+        <p:blipFill>
+          <a:blip r:embed="rId2"/>
+          <a:stretch>
+            <a:fillRect/>
+          </a:stretch>
+        </p:blipFill>
+        <p:spPr>
+          <a:xfrm>
+            <a:off x="196852" y="728260"/>
+            <a:ext cx="5416548" cy="5977340"/>
+          </a:xfrm>
+          <a:prstGeom prst="rect">
+            <a:avLst/>
+          </a:prstGeom>
+        </p:spPr>
+      </p:pic>
+      <p:sp>
+        <p:nvSpPr>
+          <p:cNvPr id="6" name="생각 풍선: 구름 모양 5">
+            <a:extLst>
+              <a:ext uri="{FF2B5EF4-FFF2-40B4-BE49-F238E27FC236}">
+                <a16:creationId xmlns:a16="http://schemas.microsoft.com/office/drawing/2014/main" id="{885C313D-46C1-3A48-A708-872D1CCD073C}"/>
+              </a:ext>
+            </a:extLst>
+          </p:cNvPr>
+          <p:cNvSpPr/>
+          <p:nvPr/>
+        </p:nvSpPr>
+        <p:spPr>
+          <a:xfrm>
+            <a:off x="5972176" y="1255931"/>
+            <a:ext cx="5416548" cy="3582769"/>
+          </a:xfrm>
+          <a:prstGeom prst="cloudCallout">
+            <a:avLst>
+              <a:gd name="adj1" fmla="val -78022"/>
+              <a:gd name="adj2" fmla="val 35520"/>
+            </a:avLst>
+          </a:prstGeom>
+          <a:solidFill>
+            <a:schemeClr val="tx2">
+              <a:lumMod val="60000"/>
+              <a:lumOff val="40000"/>
+            </a:schemeClr>
+          </a:solidFill>
+          <a:ln>
+            <a:noFill/>
+          </a:ln>
+        </p:spPr>
+        <p:style>
+          <a:lnRef idx="2">
+            <a:schemeClr val="accent1">
+              <a:shade val="15000"/>
+            </a:schemeClr>
+          </a:lnRef>
+          <a:fillRef idx="1">
+            <a:schemeClr val="accent1"/>
+          </a:fillRef>
+          <a:effectRef idx="0">
+            <a:schemeClr val="accent1"/>
+          </a:effectRef>
+          <a:fontRef idx="minor">
+            <a:schemeClr val="lt1"/>
+          </a:fontRef>
+        </p:style>
+        <p:txBody>
+          <a:bodyPr rtlCol="0" anchor="ctr"/>
+          <a:lstStyle/>
+          <a:p>
+            <a:r>
+              <a:rPr lang="en-US" altLang="ko-KR" dirty="0"/>
+              <a:t>※ </a:t>
+            </a:r>
+            <a:r>
+              <a:rPr lang="ko-KR" altLang="en-US" dirty="0"/>
+              <a:t>디테일 페이지</a:t>
+            </a:r>
+            <a:endParaRPr lang="en-US" altLang="ko-KR" dirty="0"/>
+          </a:p>
+          <a:p>
+            <a:r>
+              <a:rPr lang="ko-KR" altLang="en-US" dirty="0"/>
+              <a:t>● 사진이 나오고 </a:t>
+            </a:r>
+            <a:r>
+              <a:rPr lang="en-US" altLang="ko-KR" dirty="0"/>
+              <a:t>, </a:t>
+            </a:r>
+            <a:r>
+              <a:rPr lang="ko-KR" altLang="en-US" dirty="0"/>
+              <a:t>그 밑에 디테일한 내용들이 나온다</a:t>
+            </a:r>
+            <a:endParaRPr lang="en-US" altLang="ko-KR" dirty="0"/>
+          </a:p>
+          <a:p>
+            <a:r>
+              <a:rPr lang="ko-KR" altLang="en-US" dirty="0"/>
+              <a:t>●</a:t>
+            </a:r>
+            <a:r>
+              <a:rPr lang="en-US" altLang="ko-KR" dirty="0"/>
+              <a:t> </a:t>
+            </a:r>
+            <a:r>
+              <a:rPr lang="ko-KR" altLang="en-US" dirty="0"/>
+              <a:t>위에 수정  </a:t>
+            </a:r>
+            <a:r>
+              <a:rPr lang="en-US" altLang="ko-KR" dirty="0"/>
+              <a:t>, </a:t>
+            </a:r>
+            <a:r>
+              <a:rPr lang="ko-KR" altLang="en-US" dirty="0"/>
+              <a:t>리스트</a:t>
+            </a:r>
+            <a:r>
+              <a:rPr lang="en-US" altLang="ko-KR" dirty="0"/>
+              <a:t> </a:t>
+            </a:r>
+            <a:r>
+              <a:rPr lang="ko-KR" altLang="en-US" dirty="0"/>
+              <a:t>버튼을 누르면 해당 페이지로 이동된다</a:t>
+            </a:r>
+            <a:r>
+              <a:rPr lang="en-US" altLang="ko-KR" dirty="0"/>
+              <a:t>.</a:t>
+            </a:r>
+          </a:p>
+          <a:p>
+            <a:r>
+              <a:rPr lang="ko-KR" altLang="en-US" dirty="0"/>
+              <a:t>●</a:t>
+            </a:r>
+            <a:r>
+              <a:rPr lang="en-US" altLang="ko-KR" dirty="0"/>
+              <a:t> </a:t>
+            </a:r>
+            <a:r>
+              <a:rPr lang="ko-KR" altLang="en-US" dirty="0"/>
+              <a:t>삭제를 누를 경우에 해당 데이터가 삭제되고 </a:t>
+            </a:r>
+            <a:r>
+              <a:rPr lang="en-US" altLang="ko-KR" dirty="0"/>
+              <a:t>, </a:t>
+            </a:r>
+            <a:r>
+              <a:rPr lang="ko-KR" altLang="en-US" dirty="0"/>
+              <a:t>리스트 페이지로 돌아간다</a:t>
+            </a:r>
+            <a:r>
+              <a:rPr lang="en-US" altLang="ko-KR" dirty="0"/>
+              <a:t>.</a:t>
+            </a:r>
+          </a:p>
+        </p:txBody>
+      </p:sp>
+    </p:spTree>
+    <p:extLst>
+      <p:ext uri="{BB962C8B-B14F-4D97-AF65-F5344CB8AC3E}">
+        <p14:creationId xmlns:p14="http://schemas.microsoft.com/office/powerpoint/2010/main" val="2681540553"/>
+      </p:ext>
+    </p:extLst>
+  </p:cSld>
+  <p:clrMapOvr>
+    <a:masterClrMapping/>
+  </p:clrMapOvr>
+</p:sld>
+</file>
+
+<file path=ppt/slides/slide4.xml><?xml version="1.0" encoding="utf-8"?>
+<p:sld xmlns:a="http://schemas.openxmlformats.org/drawingml/2006/main" xmlns:r="http://schemas.openxmlformats.org/officeDocument/2006/relationships" xmlns:p="http://schemas.openxmlformats.org/presentationml/2006/main">
+  <p:cSld>
+    <p:spTree>
+      <p:nvGrpSpPr>
+        <p:cNvPr id="1" name="">
+          <a:extLst>
+            <a:ext uri="{FF2B5EF4-FFF2-40B4-BE49-F238E27FC236}">
+              <a16:creationId xmlns:a16="http://schemas.microsoft.com/office/drawing/2014/main" id="{47235C8A-22E7-E478-5F38-82C50640BDC8}"/>
+            </a:ext>
+          </a:extLst>
+        </p:cNvPr>
+        <p:cNvGrpSpPr/>
+        <p:nvPr/>
+      </p:nvGrpSpPr>
+      <p:grpSpPr>
+        <a:xfrm>
+          <a:off x="0" y="0"/>
+          <a:ext cx="0" cy="0"/>
+          <a:chOff x="0" y="0"/>
+          <a:chExt cx="0" cy="0"/>
+        </a:xfrm>
+      </p:grpSpPr>
+      <p:sp>
+        <p:nvSpPr>
+          <p:cNvPr id="7" name="TextBox 6">
+            <a:extLst>
+              <a:ext uri="{FF2B5EF4-FFF2-40B4-BE49-F238E27FC236}">
+                <a16:creationId xmlns:a16="http://schemas.microsoft.com/office/drawing/2014/main" id="{37D13252-76EC-ACAD-6462-4811F24B7D96}"/>
+              </a:ext>
+            </a:extLst>
+          </p:cNvPr>
+          <p:cNvSpPr txBox="1"/>
+          <p:nvPr/>
+        </p:nvSpPr>
+        <p:spPr>
+          <a:xfrm>
+            <a:off x="5613400" y="609600"/>
+            <a:ext cx="6134100" cy="646331"/>
+          </a:xfrm>
+          <a:prstGeom prst="rect">
+            <a:avLst/>
+          </a:prstGeom>
+          <a:noFill/>
+        </p:spPr>
+        <p:txBody>
+          <a:bodyPr wrap="square" rtlCol="0">
+            <a:spAutoFit/>
+          </a:bodyPr>
+          <a:lstStyle/>
+          <a:p>
+            <a:pPr algn="r"/>
+            <a:r>
+              <a:rPr lang="ko-KR" altLang="en-US" sz="3600" dirty="0"/>
+              <a:t>업데이트 페이지</a:t>
+            </a:r>
+          </a:p>
+        </p:txBody>
+      </p:sp>
+      <p:pic>
+        <p:nvPicPr>
+          <p:cNvPr id="9" name="그림 8">
+            <a:extLst>
+              <a:ext uri="{FF2B5EF4-FFF2-40B4-BE49-F238E27FC236}">
+                <a16:creationId xmlns:a16="http://schemas.microsoft.com/office/drawing/2014/main" id="{49B0F63F-CBE2-E7B8-9558-1A3357A5AC08}"/>
+              </a:ext>
+            </a:extLst>
+          </p:cNvPr>
+          <p:cNvPicPr>
+            <a:picLocks noChangeAspect="1"/>
+          </p:cNvPicPr>
+          <p:nvPr/>
+        </p:nvPicPr>
+        <p:blipFill>
+          <a:blip r:embed="rId2"/>
+          <a:stretch>
+            <a:fillRect/>
+          </a:stretch>
+        </p:blipFill>
+        <p:spPr>
+          <a:xfrm>
+            <a:off x="246064" y="932765"/>
+            <a:ext cx="5622924" cy="5460304"/>
+          </a:xfrm>
+          <a:prstGeom prst="rect">
+            <a:avLst/>
+          </a:prstGeom>
+        </p:spPr>
+      </p:pic>
+      <p:sp>
+        <p:nvSpPr>
+          <p:cNvPr id="6" name="생각 풍선: 구름 모양 5">
+            <a:extLst>
+              <a:ext uri="{FF2B5EF4-FFF2-40B4-BE49-F238E27FC236}">
+                <a16:creationId xmlns:a16="http://schemas.microsoft.com/office/drawing/2014/main" id="{540992C7-0C79-3F6D-3082-CBD907CF7FE9}"/>
+              </a:ext>
+            </a:extLst>
+          </p:cNvPr>
+          <p:cNvSpPr/>
+          <p:nvPr/>
+        </p:nvSpPr>
+        <p:spPr>
+          <a:xfrm>
+            <a:off x="6124576" y="1429865"/>
+            <a:ext cx="5622924" cy="4789269"/>
+          </a:xfrm>
+          <a:prstGeom prst="cloudCallout">
+            <a:avLst>
+              <a:gd name="adj1" fmla="val -76240"/>
+              <a:gd name="adj2" fmla="val 8483"/>
+            </a:avLst>
+          </a:prstGeom>
+          <a:solidFill>
+            <a:schemeClr val="tx1">
+              <a:lumMod val="75000"/>
+              <a:lumOff val="25000"/>
+            </a:schemeClr>
+          </a:solidFill>
+          <a:ln>
+            <a:noFill/>
+          </a:ln>
+        </p:spPr>
+        <p:style>
+          <a:lnRef idx="2">
+            <a:schemeClr val="accent1">
+              <a:shade val="15000"/>
+            </a:schemeClr>
+          </a:lnRef>
+          <a:fillRef idx="1">
+            <a:schemeClr val="accent1"/>
+          </a:fillRef>
+          <a:effectRef idx="0">
+            <a:schemeClr val="accent1"/>
+          </a:effectRef>
+          <a:fontRef idx="minor">
+            <a:schemeClr val="lt1"/>
+          </a:fontRef>
+        </p:style>
+        <p:txBody>
+          <a:bodyPr rtlCol="0" anchor="ctr"/>
+          <a:lstStyle/>
+          <a:p>
+            <a:r>
+              <a:rPr lang="en-US" altLang="ko-KR" dirty="0"/>
+              <a:t>※ </a:t>
+            </a:r>
+            <a:r>
+              <a:rPr lang="ko-KR" altLang="en-US" dirty="0" err="1"/>
+              <a:t>새로작성</a:t>
+            </a:r>
+            <a:r>
+              <a:rPr lang="ko-KR" altLang="en-US" dirty="0"/>
+              <a:t> 페이지</a:t>
+            </a:r>
+            <a:endParaRPr lang="en-US" altLang="ko-KR" dirty="0"/>
+          </a:p>
+          <a:p>
+            <a:r>
+              <a:rPr lang="ko-KR" altLang="en-US" dirty="0"/>
+              <a:t>● </a:t>
+            </a:r>
+            <a:r>
+              <a:rPr lang="ko-KR" altLang="en-US" dirty="0" err="1"/>
+              <a:t>새로작성할때</a:t>
+            </a:r>
+            <a:r>
+              <a:rPr lang="ko-KR" altLang="en-US" dirty="0"/>
+              <a:t> 처음에는 </a:t>
+            </a:r>
+            <a:r>
+              <a:rPr lang="en-US" altLang="ko-KR" dirty="0"/>
+              <a:t>No image</a:t>
+            </a:r>
+            <a:r>
+              <a:rPr lang="ko-KR" altLang="en-US" dirty="0"/>
+              <a:t> 이고</a:t>
+            </a:r>
+            <a:r>
+              <a:rPr lang="en-US" altLang="ko-KR" dirty="0"/>
+              <a:t>, </a:t>
+            </a:r>
+            <a:r>
+              <a:rPr lang="ko-KR" altLang="en-US" dirty="0"/>
+              <a:t>파일을 선택하면 이미지 미리보기가 된다</a:t>
+            </a:r>
+            <a:r>
+              <a:rPr lang="en-US" altLang="ko-KR" dirty="0"/>
+              <a:t>.</a:t>
+            </a:r>
+          </a:p>
+          <a:p>
+            <a:r>
+              <a:rPr lang="ko-KR" altLang="en-US" dirty="0"/>
+              <a:t>내용을 입력한 후 저장을 누르면 </a:t>
+            </a:r>
+            <a:endParaRPr lang="en-US" altLang="ko-KR" dirty="0"/>
+          </a:p>
+          <a:p>
+            <a:r>
+              <a:rPr lang="ko-KR" altLang="en-US" dirty="0"/>
+              <a:t>리스트로 돌아가게 된다</a:t>
+            </a:r>
+            <a:r>
+              <a:rPr lang="en-US" altLang="ko-KR" dirty="0"/>
+              <a:t>.</a:t>
+            </a:r>
+          </a:p>
+        </p:txBody>
+      </p:sp>
+    </p:spTree>
+    <p:extLst>
+      <p:ext uri="{BB962C8B-B14F-4D97-AF65-F5344CB8AC3E}">
+        <p14:creationId xmlns:p14="http://schemas.microsoft.com/office/powerpoint/2010/main" val="3124357239"/>
+      </p:ext>
+    </p:extLst>
+  </p:cSld>
+  <p:clrMapOvr>
+    <a:masterClrMapping/>
+  </p:clrMapOvr>
+</p:sld>
+</file>
+
+<file path=ppt/slides/slide5.xml><?xml version="1.0" encoding="utf-8"?>
+<p:sld xmlns:a="http://schemas.openxmlformats.org/drawingml/2006/main" xmlns:r="http://schemas.openxmlformats.org/officeDocument/2006/relationships" xmlns:p="http://schemas.openxmlformats.org/presentationml/2006/main">
+  <p:cSld>
+    <p:spTree>
+      <p:nvGrpSpPr>
+        <p:cNvPr id="1" name="">
+          <a:extLst>
+            <a:ext uri="{FF2B5EF4-FFF2-40B4-BE49-F238E27FC236}">
+              <a16:creationId xmlns:a16="http://schemas.microsoft.com/office/drawing/2014/main" id="{42F29E9C-3358-BE2F-65E4-9908947FF484}"/>
+            </a:ext>
+          </a:extLst>
+        </p:cNvPr>
+        <p:cNvGrpSpPr/>
+        <p:nvPr/>
+      </p:nvGrpSpPr>
+      <p:grpSpPr>
+        <a:xfrm>
+          <a:off x="0" y="0"/>
+          <a:ext cx="0" cy="0"/>
+          <a:chOff x="0" y="0"/>
+          <a:chExt cx="0" cy="0"/>
+        </a:xfrm>
+      </p:grpSpPr>
+      <p:pic>
+        <p:nvPicPr>
+          <p:cNvPr id="5" name="그림 4">
+            <a:extLst>
+              <a:ext uri="{FF2B5EF4-FFF2-40B4-BE49-F238E27FC236}">
+                <a16:creationId xmlns:a16="http://schemas.microsoft.com/office/drawing/2014/main" id="{A41F783C-0E9E-8A20-FB29-D7391D339BB3}"/>
+              </a:ext>
+            </a:extLst>
+          </p:cNvPr>
+          <p:cNvPicPr>
+            <a:picLocks noChangeAspect="1"/>
+          </p:cNvPicPr>
+          <p:nvPr/>
+        </p:nvPicPr>
+        <p:blipFill>
+          <a:blip r:embed="rId2"/>
+          <a:stretch>
+            <a:fillRect/>
+          </a:stretch>
+        </p:blipFill>
+        <p:spPr>
+          <a:xfrm>
+            <a:off x="231716" y="812800"/>
+            <a:ext cx="5416547" cy="5422900"/>
+          </a:xfrm>
+          <a:prstGeom prst="rect">
+            <a:avLst/>
+          </a:prstGeom>
+        </p:spPr>
+      </p:pic>
+      <p:sp>
+        <p:nvSpPr>
+          <p:cNvPr id="7" name="TextBox 6">
+            <a:extLst>
+              <a:ext uri="{FF2B5EF4-FFF2-40B4-BE49-F238E27FC236}">
+                <a16:creationId xmlns:a16="http://schemas.microsoft.com/office/drawing/2014/main" id="{B5942559-C03D-FC4C-FE4D-F6AAC8B4375B}"/>
+              </a:ext>
+            </a:extLst>
+          </p:cNvPr>
+          <p:cNvSpPr txBox="1"/>
+          <p:nvPr/>
+        </p:nvSpPr>
+        <p:spPr>
+          <a:xfrm>
+            <a:off x="5613400" y="609600"/>
+            <a:ext cx="6134100" cy="646331"/>
+          </a:xfrm>
+          <a:prstGeom prst="rect">
+            <a:avLst/>
+          </a:prstGeom>
+          <a:noFill/>
+        </p:spPr>
+        <p:txBody>
+          <a:bodyPr wrap="square" rtlCol="0">
+            <a:spAutoFit/>
+          </a:bodyPr>
+          <a:lstStyle/>
+          <a:p>
+            <a:pPr algn="r"/>
+            <a:r>
+              <a:rPr lang="ko-KR" altLang="en-US" sz="3600" dirty="0"/>
+              <a:t>업데이트 페이지</a:t>
+            </a:r>
+          </a:p>
+        </p:txBody>
+      </p:sp>
+      <p:sp>
+        <p:nvSpPr>
+          <p:cNvPr id="6" name="생각 풍선: 구름 모양 5">
+            <a:extLst>
+              <a:ext uri="{FF2B5EF4-FFF2-40B4-BE49-F238E27FC236}">
+                <a16:creationId xmlns:a16="http://schemas.microsoft.com/office/drawing/2014/main" id="{273F7D9B-7B62-42E3-7772-B8B284EF97C4}"/>
+              </a:ext>
+            </a:extLst>
+          </p:cNvPr>
+          <p:cNvSpPr/>
+          <p:nvPr/>
+        </p:nvSpPr>
+        <p:spPr>
+          <a:xfrm>
+            <a:off x="5997576" y="1446431"/>
+            <a:ext cx="5622924" cy="4789269"/>
+          </a:xfrm>
+          <a:prstGeom prst="cloudCallout">
+            <a:avLst>
+              <a:gd name="adj1" fmla="val -80758"/>
+              <a:gd name="adj2" fmla="val 8217"/>
+            </a:avLst>
+          </a:prstGeom>
+          <a:solidFill>
+            <a:schemeClr val="accent6">
+              <a:lumMod val="60000"/>
+              <a:lumOff val="40000"/>
+            </a:schemeClr>
+          </a:solidFill>
+          <a:ln>
+            <a:noFill/>
+          </a:ln>
+        </p:spPr>
+        <p:style>
+          <a:lnRef idx="2">
+            <a:schemeClr val="accent1">
+              <a:shade val="15000"/>
+            </a:schemeClr>
+          </a:lnRef>
+          <a:fillRef idx="1">
+            <a:schemeClr val="accent1"/>
+          </a:fillRef>
+          <a:effectRef idx="0">
+            <a:schemeClr val="accent1"/>
+          </a:effectRef>
+          <a:fontRef idx="minor">
+            <a:schemeClr val="lt1"/>
+          </a:fontRef>
+        </p:style>
+        <p:txBody>
+          <a:bodyPr rtlCol="0" anchor="ctr"/>
+          <a:lstStyle/>
+          <a:p>
+            <a:r>
+              <a:rPr lang="en-US" altLang="ko-KR" dirty="0"/>
+              <a:t>※ </a:t>
+            </a:r>
+            <a:r>
+              <a:rPr lang="ko-KR" altLang="en-US" dirty="0"/>
+              <a:t>업데이트 페이지</a:t>
+            </a:r>
+            <a:endParaRPr lang="en-US" altLang="ko-KR" dirty="0"/>
+          </a:p>
+          <a:p>
+            <a:r>
+              <a:rPr lang="ko-KR" altLang="en-US" dirty="0"/>
+              <a:t>● 정보 </a:t>
+            </a:r>
+            <a:r>
+              <a:rPr lang="ko-KR" altLang="en-US" dirty="0" err="1"/>
+              <a:t>수정할때는</a:t>
+            </a:r>
+            <a:r>
+              <a:rPr lang="ko-KR" altLang="en-US" dirty="0"/>
+              <a:t> 해당 내용들이 출력되고</a:t>
+            </a:r>
+            <a:r>
+              <a:rPr lang="en-US" altLang="ko-KR" dirty="0"/>
+              <a:t>, </a:t>
+            </a:r>
+            <a:r>
+              <a:rPr lang="ko-KR" altLang="en-US" dirty="0"/>
+              <a:t>수정이후에 시간과 날짜도 변경되게 된다</a:t>
+            </a:r>
+            <a:r>
+              <a:rPr lang="en-US" altLang="ko-KR" dirty="0"/>
+              <a:t>.</a:t>
+            </a:r>
+          </a:p>
+          <a:p>
+            <a:r>
+              <a:rPr lang="ko-KR" altLang="en-US" dirty="0"/>
+              <a:t>● </a:t>
+            </a:r>
+            <a:r>
+              <a:rPr lang="ko-KR" altLang="en-US" dirty="0" err="1"/>
+              <a:t>첫페이지에서</a:t>
+            </a:r>
+            <a:r>
+              <a:rPr lang="ko-KR" altLang="en-US" dirty="0"/>
+              <a:t> 추가 누르게 되면 </a:t>
+            </a:r>
+            <a:r>
+              <a:rPr lang="ko-KR" altLang="en-US" dirty="0" err="1"/>
+              <a:t>아무내용없고</a:t>
+            </a:r>
+            <a:r>
+              <a:rPr lang="en-US" altLang="ko-KR" dirty="0"/>
+              <a:t>,</a:t>
+            </a:r>
+            <a:r>
+              <a:rPr lang="ko-KR" altLang="en-US" dirty="0"/>
+              <a:t> 사진도 없는 상태가 된다</a:t>
+            </a:r>
+            <a:r>
+              <a:rPr lang="en-US" altLang="ko-KR" dirty="0"/>
+              <a:t>.</a:t>
+            </a:r>
+          </a:p>
+          <a:p>
+            <a:r>
+              <a:rPr lang="ko-KR" altLang="en-US" dirty="0"/>
+              <a:t>●</a:t>
+            </a:r>
+            <a:r>
+              <a:rPr lang="en-US" altLang="ko-KR" dirty="0"/>
+              <a:t> </a:t>
+            </a:r>
+            <a:r>
+              <a:rPr lang="ko-KR" altLang="en-US" dirty="0"/>
+              <a:t>사진을 바꾸게 되면 해당 사진을 미리보기 된다</a:t>
+            </a:r>
+            <a:r>
+              <a:rPr lang="en-US" altLang="ko-KR" dirty="0"/>
+              <a:t>.</a:t>
+            </a:r>
+          </a:p>
+          <a:p>
+            <a:r>
+              <a:rPr lang="ko-KR" altLang="en-US" dirty="0"/>
+              <a:t>● 저장을 </a:t>
+            </a:r>
+            <a:r>
+              <a:rPr lang="ko-KR" altLang="en-US" dirty="0" err="1"/>
+              <a:t>누를경우</a:t>
+            </a:r>
+            <a:r>
+              <a:rPr lang="en-US" altLang="ko-KR" dirty="0"/>
+              <a:t>, </a:t>
+            </a:r>
+            <a:r>
+              <a:rPr lang="ko-KR" altLang="en-US" dirty="0"/>
+              <a:t>해당내용이 수정되거나 추가되고</a:t>
+            </a:r>
+            <a:r>
+              <a:rPr lang="en-US" altLang="ko-KR" dirty="0"/>
+              <a:t>, </a:t>
+            </a:r>
+            <a:r>
+              <a:rPr lang="ko-KR" altLang="en-US" dirty="0"/>
+              <a:t>리스트페이지로 돌아간다</a:t>
+            </a:r>
+            <a:r>
+              <a:rPr lang="en-US" altLang="ko-KR" dirty="0"/>
+              <a:t>.</a:t>
+            </a:r>
+          </a:p>
+        </p:txBody>
+      </p:sp>
+    </p:spTree>
+    <p:extLst>
+      <p:ext uri="{BB962C8B-B14F-4D97-AF65-F5344CB8AC3E}">
+        <p14:creationId xmlns:p14="http://schemas.microsoft.com/office/powerpoint/2010/main" val="49399782"/>
+      </p:ext>
+    </p:extLst>
+  </p:cSld>
+  <p:clrMapOvr>
+    <a:masterClrMapping/>
+  </p:clrMapOvr>
+</p:sld>
+</file>
+
 <file path=ppt/theme/theme1.xml><?xml version="1.0" encoding="utf-8"?>
-<a:theme xmlns:a="http://schemas.openxmlformats.org/drawingml/2006/main" name="Office 테마">
+<a:theme xmlns:a="http://schemas.openxmlformats.org/drawingml/2006/main" name="New_Simple01">
   <a:themeElements>
-    <a:clrScheme name="Office">
+    <a:clrScheme name="New_Simple01">
       <a:dk1>
         <a:sysClr val="windowText" lastClr="000000"/>
       </a:dk1>
@@ -3345,100 +5769,50 @@
         <a:sysClr val="window" lastClr="FFFFFF"/>
       </a:lt1>
       <a:dk2>
-        <a:srgbClr val="44546A"/>
+        <a:srgbClr val="562B71"/>
       </a:dk2>
       <a:lt2>
-        <a:srgbClr val="E7E6E6"/>
+        <a:srgbClr val="DFF0F7"/>
       </a:lt2>
       <a:accent1>
-        <a:srgbClr val="4472C4"/>
+        <a:srgbClr val="6BA2DF"/>
       </a:accent1>
       <a:accent2>
-        <a:srgbClr val="ED7D31"/>
+        <a:srgbClr val="C0504D"/>
       </a:accent2>
       <a:accent3>
-        <a:srgbClr val="A5A5A5"/>
+        <a:srgbClr val="9BBB59"/>
       </a:accent3>
       <a:accent4>
-        <a:srgbClr val="FFC000"/>
+        <a:srgbClr val="8064A2"/>
       </a:accent4>
       <a:accent5>
-        <a:srgbClr val="5B9BD5"/>
+        <a:srgbClr val="AA5E74"/>
       </a:accent5>
       <a:accent6>
-        <a:srgbClr val="70AD47"/>
+        <a:srgbClr val="EF9031"/>
       </a:accent6>
       <a:hlink>
-        <a:srgbClr val="0563C1"/>
+        <a:srgbClr val="FF0000"/>
       </a:hlink>
       <a:folHlink>
-        <a:srgbClr val="954F72"/>
+        <a:srgbClr val="92D050"/>
       </a:folHlink>
     </a:clrScheme>
-    <a:fontScheme name="Office">
+    <a:fontScheme name="New_Simple01">
       <a:majorFont>
-        <a:latin typeface="맑은 고딕" panose="020F0302020204030204"/>
+        <a:latin typeface="Tw Cen MT"/>
         <a:ea typeface=""/>
         <a:cs typeface=""/>
-        <a:font script="Jpan" typeface="游ゴシック Light"/>
+        <a:font script="Grek" typeface="Calibri"/>
+        <a:font script="Cyrl" typeface="Calibri"/>
+        <a:font script="Jpan" typeface="HGPｺﾞｼｯｸE"/>
         <a:font script="Hang" typeface="맑은 고딕"/>
-        <a:font script="Hans" typeface="等线 Light"/>
-        <a:font script="Hant" typeface="新細明體"/>
-        <a:font script="Arab" typeface="Times New Roman"/>
-        <a:font script="Hebr" typeface="Times New Roman"/>
-        <a:font script="Thai" typeface="Angsana New"/>
-        <a:font script="Ethi" typeface="Nyala"/>
-        <a:font script="Beng" typeface="Vrinda"/>
-        <a:font script="Gujr" typeface="Shruti"/>
-        <a:font script="Khmr" typeface="MoolBoran"/>
-        <a:font script="Knda" typeface="Tunga"/>
-        <a:font script="Guru" typeface="Raavi"/>
-        <a:font script="Cans" typeface="Euphemia"/>
-        <a:font script="Cher" typeface="Plantagenet Cherokee"/>
-        <a:font script="Yiii" typeface="Microsoft Yi Baiti"/>
-        <a:font script="Tibt" typeface="Microsoft Himalaya"/>
-        <a:font script="Thaa" typeface="MV Boli"/>
-        <a:font script="Deva" typeface="Mangal"/>
-        <a:font script="Telu" typeface="Gautami"/>
-        <a:font script="Taml" typeface="Latha"/>
-        <a:font script="Syrc" typeface="Estrangelo Edessa"/>
-        <a:font script="Orya" typeface="Kalinga"/>
-        <a:font script="Mlym" typeface="Kartika"/>
-        <a:font script="Laoo" typeface="DokChampa"/>
-        <a:font script="Sinh" typeface="Iskoola Pota"/>
-        <a:font script="Mong" typeface="Mongolian Baiti"/>
-        <a:font script="Viet" typeface="Times New Roman"/>
-        <a:font script="Uigh" typeface="Microsoft Uighur"/>
-        <a:font script="Geor" typeface="Sylfaen"/>
-        <a:font script="Armn" typeface="Arial"/>
-        <a:font script="Bugi" typeface="Leelawadee UI"/>
-        <a:font script="Bopo" typeface="Microsoft JhengHei"/>
-        <a:font script="Java" typeface="Javanese Text"/>
-        <a:font script="Lisu" typeface="Segoe UI"/>
-        <a:font script="Mymr" typeface="Myanmar Text"/>
-        <a:font script="Nkoo" typeface="Ebrima"/>
-        <a:font script="Olck" typeface="Nirmala UI"/>
-        <a:font script="Osma" typeface="Ebrima"/>
-        <a:font script="Phag" typeface="Phagspa"/>
-        <a:font script="Syrn" typeface="Estrangelo Edessa"/>
-        <a:font script="Syrj" typeface="Estrangelo Edessa"/>
-        <a:font script="Syre" typeface="Estrangelo Edessa"/>
-        <a:font script="Sora" typeface="Nirmala UI"/>
-        <a:font script="Tale" typeface="Microsoft Tai Le"/>
-        <a:font script="Talu" typeface="Microsoft New Tai Lue"/>
-        <a:font script="Tfng" typeface="Ebrima"/>
-      </a:majorFont>
-      <a:minorFont>
-        <a:latin typeface="맑은 고딕" panose="020F0502020204030204"/>
-        <a:ea typeface=""/>
-        <a:cs typeface=""/>
-        <a:font script="Jpan" typeface="游ゴシック"/>
-        <a:font script="Hang" typeface="맑은 고딕"/>
-        <a:font script="Hans" typeface="等线"/>
-        <a:font script="Hant" typeface="新細明體"/>
+        <a:font script="Hans" typeface="华文仿宋"/>
+        <a:font script="Hant" typeface="微軟正黑體"/>
         <a:font script="Arab" typeface="Arial"/>
-        <a:font script="Hebr" typeface="Arial"/>
-        <a:font script="Thai" typeface="Cordia New"/>
+        <a:font script="Hebr" typeface="Levenim MT"/>
+        <a:font script="Thai" typeface="FreesiaUPC"/>
         <a:font script="Ethi" typeface="Nyala"/>
         <a:font script="Beng" typeface="Vrinda"/>
         <a:font script="Gujr" typeface="Shruti"/>
@@ -3459,29 +5833,47 @@
         <a:font script="Laoo" typeface="DokChampa"/>
         <a:font script="Sinh" typeface="Iskoola Pota"/>
         <a:font script="Mong" typeface="Mongolian Baiti"/>
-        <a:font script="Viet" typeface="Arial"/>
+        <a:font script="Viet" typeface="Tahoma"/>
         <a:font script="Uigh" typeface="Microsoft Uighur"/>
-        <a:font script="Geor" typeface="Sylfaen"/>
-        <a:font script="Armn" typeface="Arial"/>
-        <a:font script="Bugi" typeface="Leelawadee UI"/>
-        <a:font script="Bopo" typeface="Microsoft JhengHei"/>
-        <a:font script="Java" typeface="Javanese Text"/>
-        <a:font script="Lisu" typeface="Segoe UI"/>
-        <a:font script="Mymr" typeface="Myanmar Text"/>
-        <a:font script="Nkoo" typeface="Ebrima"/>
-        <a:font script="Olck" typeface="Nirmala UI"/>
-        <a:font script="Osma" typeface="Ebrima"/>
-        <a:font script="Phag" typeface="Phagspa"/>
-        <a:font script="Syrn" typeface="Estrangelo Edessa"/>
-        <a:font script="Syrj" typeface="Estrangelo Edessa"/>
-        <a:font script="Syre" typeface="Estrangelo Edessa"/>
-        <a:font script="Sora" typeface="Nirmala UI"/>
-        <a:font script="Tale" typeface="Microsoft Tai Le"/>
-        <a:font script="Talu" typeface="Microsoft New Tai Lue"/>
-        <a:font script="Tfng" typeface="Ebrima"/>
+      </a:majorFont>
+      <a:minorFont>
+        <a:latin typeface="Tw Cen MT"/>
+        <a:ea typeface=""/>
+        <a:cs typeface=""/>
+        <a:font script="Grek" typeface="Calibri"/>
+        <a:font script="Cyrl" typeface="Calibri"/>
+        <a:font script="Jpan" typeface="HGPｺﾞｼｯｸE"/>
+        <a:font script="Hang" typeface="맑은 고딕"/>
+        <a:font script="Hans" typeface="华文仿宋"/>
+        <a:font script="Hant" typeface="微軟正黑體"/>
+        <a:font script="Arab" typeface="Arial"/>
+        <a:font script="Hebr" typeface="Levenim MT"/>
+        <a:font script="Thai" typeface="FreesiaUPC"/>
+        <a:font script="Ethi" typeface="Nyala"/>
+        <a:font script="Beng" typeface="Vrinda"/>
+        <a:font script="Gujr" typeface="Shruti"/>
+        <a:font script="Khmr" typeface="DaunPenh"/>
+        <a:font script="Knda" typeface="Tunga"/>
+        <a:font script="Guru" typeface="Raavi"/>
+        <a:font script="Cans" typeface="Euphemia"/>
+        <a:font script="Cher" typeface="Plantagenet Cherokee"/>
+        <a:font script="Yiii" typeface="Microsoft Yi Baiti"/>
+        <a:font script="Tibt" typeface="Microsoft Himalaya"/>
+        <a:font script="Thaa" typeface="MV Boli"/>
+        <a:font script="Deva" typeface="Mangal"/>
+        <a:font script="Telu" typeface="Gautami"/>
+        <a:font script="Taml" typeface="Latha"/>
+        <a:font script="Syrc" typeface="Estrangelo Edessa"/>
+        <a:font script="Orya" typeface="Kalinga"/>
+        <a:font script="Mlym" typeface="Kartika"/>
+        <a:font script="Laoo" typeface="DokChampa"/>
+        <a:font script="Sinh" typeface="Iskoola Pota"/>
+        <a:font script="Mong" typeface="Mongolian Baiti"/>
+        <a:font script="Viet" typeface="Tahoma"/>
+        <a:font script="Uigh" typeface="Microsoft Uighur"/>
       </a:minorFont>
     </a:fontScheme>
-    <a:fmtScheme name="Office">
+    <a:fmtScheme name="New_Simple01">
       <a:fillStyleLst>
         <a:solidFill>
           <a:schemeClr val="phClr"/>
@@ -3490,141 +5882,164 @@
           <a:gsLst>
             <a:gs pos="0">
               <a:schemeClr val="phClr">
-                <a:lumMod val="110000"/>
-                <a:satMod val="105000"/>
-                <a:tint val="67000"/>
+                <a:tint val="1000"/>
+                <a:satMod val="255000"/>
               </a:schemeClr>
             </a:gs>
-            <a:gs pos="50000">
+            <a:gs pos="55000">
               <a:schemeClr val="phClr">
-                <a:lumMod val="105000"/>
-                <a:satMod val="103000"/>
-                <a:tint val="73000"/>
+                <a:tint val="12000"/>
+                <a:satMod val="255000"/>
               </a:schemeClr>
             </a:gs>
             <a:gs pos="100000">
               <a:schemeClr val="phClr">
-                <a:lumMod val="105000"/>
-                <a:satMod val="109000"/>
-                <a:tint val="81000"/>
+                <a:tint val="45000"/>
+                <a:satMod val="250000"/>
               </a:schemeClr>
             </a:gs>
           </a:gsLst>
-          <a:lin ang="5400000" scaled="0"/>
+          <a:path path="circle">
+            <a:fillToRect l="-40000" t="-90000" r="140000" b="190000"/>
+          </a:path>
         </a:gradFill>
         <a:gradFill rotWithShape="1">
           <a:gsLst>
             <a:gs pos="0">
               <a:schemeClr val="phClr">
-                <a:satMod val="103000"/>
-                <a:lumMod val="102000"/>
-                <a:tint val="94000"/>
+                <a:tint val="43000"/>
+                <a:shade val="100000"/>
+                <a:satMod val="165000"/>
               </a:schemeClr>
             </a:gs>
-            <a:gs pos="50000">
+            <a:gs pos="55000">
               <a:schemeClr val="phClr">
-                <a:satMod val="110000"/>
-                <a:lumMod val="100000"/>
+                <a:tint val="83000"/>
                 <a:shade val="100000"/>
+                <a:satMod val="155000"/>
               </a:schemeClr>
             </a:gs>
             <a:gs pos="100000">
               <a:schemeClr val="phClr">
-                <a:lumMod val="99000"/>
-                <a:satMod val="120000"/>
-                <a:shade val="78000"/>
+                <a:shade val="85000"/>
+                <a:satMod val="100000"/>
               </a:schemeClr>
             </a:gs>
           </a:gsLst>
-          <a:lin ang="5400000" scaled="0"/>
+          <a:path path="circle">
+            <a:fillToRect l="-40000" t="-90000" r="140000" b="190000"/>
+          </a:path>
         </a:gradFill>
       </a:fillStyleLst>
       <a:lnStyleLst>
-        <a:ln w="6350" cap="flat" cmpd="sng" algn="ctr">
+        <a:ln w="9525" cap="flat" cmpd="sng" algn="ctr">
           <a:solidFill>
             <a:schemeClr val="phClr"/>
           </a:solidFill>
           <a:prstDash val="solid"/>
-          <a:miter lim="800000"/>
-        </a:ln>
-        <a:ln w="12700" cap="flat" cmpd="sng" algn="ctr">
-          <a:solidFill>
-            <a:schemeClr val="phClr"/>
-          </a:solidFill>
-          <a:prstDash val="solid"/>
-          <a:miter lim="800000"/>
         </a:ln>
         <a:ln w="19050" cap="flat" cmpd="sng" algn="ctr">
           <a:solidFill>
             <a:schemeClr val="phClr"/>
           </a:solidFill>
           <a:prstDash val="solid"/>
-          <a:miter lim="800000"/>
+        </a:ln>
+        <a:ln w="31750" cap="flat" cmpd="sng" algn="ctr">
+          <a:solidFill>
+            <a:schemeClr val="phClr"/>
+          </a:solidFill>
+          <a:prstDash val="solid"/>
         </a:ln>
       </a:lnStyleLst>
       <a:effectStyleLst>
         <a:effectStyle>
-          <a:effectLst/>
-        </a:effectStyle>
-        <a:effectStyle>
-          <a:effectLst/>
+          <a:effectLst>
+            <a:outerShdw blurRad="50800" dist="25400" dir="5400000" rotWithShape="0">
+              <a:srgbClr val="000000">
+                <a:alpha val="40000"/>
+              </a:srgbClr>
+            </a:outerShdw>
+          </a:effectLst>
         </a:effectStyle>
         <a:effectStyle>
           <a:effectLst>
-            <a:outerShdw blurRad="57150" dist="19050" dir="5400000" algn="ctr" rotWithShape="0">
+            <a:outerShdw blurRad="50800" dist="25400" dir="5400000" rotWithShape="0">
               <a:srgbClr val="000000">
-                <a:alpha val="63000"/>
+                <a:alpha val="45000"/>
               </a:srgbClr>
             </a:outerShdw>
           </a:effectLst>
+        </a:effectStyle>
+        <a:effectStyle>
+          <a:effectLst>
+            <a:outerShdw blurRad="50800" dist="25400" dir="5400000" rotWithShape="0">
+              <a:srgbClr val="000000">
+                <a:alpha val="45000"/>
+              </a:srgbClr>
+            </a:outerShdw>
+          </a:effectLst>
+          <a:scene3d>
+            <a:camera prst="orthographicFront">
+              <a:rot lat="0" lon="0" rev="0"/>
+            </a:camera>
+            <a:lightRig rig="glow" dir="t">
+              <a:rot lat="0" lon="0" rev="20040000"/>
+            </a:lightRig>
+          </a:scene3d>
+          <a:sp3d contourW="12700">
+            <a:bevelT w="38100" h="25400" prst="softRound"/>
+            <a:contourClr>
+              <a:schemeClr val="phClr"/>
+            </a:contourClr>
+          </a:sp3d>
         </a:effectStyle>
       </a:effectStyleLst>
       <a:bgFillStyleLst>
         <a:solidFill>
           <a:schemeClr val="phClr"/>
         </a:solidFill>
-        <a:solidFill>
-          <a:schemeClr val="phClr">
-            <a:tint val="95000"/>
-            <a:satMod val="170000"/>
-          </a:schemeClr>
-        </a:solidFill>
         <a:gradFill rotWithShape="1">
           <a:gsLst>
             <a:gs pos="0">
               <a:schemeClr val="phClr">
-                <a:tint val="93000"/>
-                <a:satMod val="150000"/>
-                <a:shade val="98000"/>
-                <a:lumMod val="102000"/>
-              </a:schemeClr>
-            </a:gs>
-            <a:gs pos="50000">
-              <a:schemeClr val="phClr">
-                <a:tint val="98000"/>
-                <a:satMod val="130000"/>
-                <a:shade val="90000"/>
-                <a:lumMod val="103000"/>
+                <a:tint val="85000"/>
+                <a:hueMod val="105000"/>
+                <a:satMod val="250000"/>
               </a:schemeClr>
             </a:gs>
             <a:gs pos="100000">
               <a:schemeClr val="phClr">
-                <a:shade val="63000"/>
-                <a:satMod val="120000"/>
+                <a:tint val="95000"/>
+                <a:shade val="100000"/>
+                <a:satMod val="200000"/>
               </a:schemeClr>
             </a:gs>
           </a:gsLst>
-          <a:lin ang="5400000" scaled="0"/>
+          <a:lin ang="2700000" scaled="0"/>
+        </a:gradFill>
+        <a:gradFill rotWithShape="1">
+          <a:gsLst>
+            <a:gs pos="0">
+              <a:schemeClr val="phClr">
+                <a:tint val="94000"/>
+                <a:satMod val="200000"/>
+              </a:schemeClr>
+            </a:gs>
+            <a:gs pos="100000">
+              <a:schemeClr val="phClr">
+                <a:shade val="70000"/>
+                <a:satMod val="200000"/>
+              </a:schemeClr>
+            </a:gs>
+          </a:gsLst>
+          <a:path path="circle">
+            <a:fillToRect l="40000" r="40000" b="60000"/>
+          </a:path>
         </a:gradFill>
       </a:bgFillStyleLst>
     </a:fmtScheme>
   </a:themeElements>
   <a:objectDefaults/>
   <a:extraClrSchemeLst/>
-  <a:extLst>
-    <a:ext uri="{05A4C25C-085E-4340-85A3-A5531E510DB2}">
-      <thm15:themeFamily xmlns:thm15="http://schemas.microsoft.com/office/thememl/2012/main" name="Office Theme" id="{62F939B6-93AF-4DB8-9C6B-D6C7DFDC589F}" vid="{4A3C46E8-61CC-4603-A589-7422A47A8E4A}"/>
-    </a:ext>
-  </a:extLst>
 </a:theme>
 </file>